--- a/study/발표자료/20250220_밑딥2_이승건_chap2345발표자료_NotoSans.pptx
+++ b/study/발표자료/20250220_밑딥2_이승건_chap2345발표자료_NotoSans.pptx
@@ -11428,6 +11428,30 @@
               </a:rPr>
               <a:t>word2vec</a:t>
             </a:r>
+            <a:r>
+              <a:rPr lang="ko-KR" altLang="en-US" sz="1100" dirty="0">
+                <a:latin typeface="Noto Sans" panose="020B0502040504020204" pitchFamily="34" charset="0"/>
+                <a:ea typeface="Noto Sans" panose="020B0502040504020204" pitchFamily="34" charset="0"/>
+                <a:cs typeface="Noto Sans" panose="020B0502040504020204" pitchFamily="34" charset="0"/>
+              </a:rPr>
+              <a:t>의 </a:t>
+            </a:r>
+            <a:r>
+              <a:rPr lang="en-US" altLang="ko-KR" sz="1100" dirty="0" err="1">
+                <a:latin typeface="Noto Sans" panose="020B0502040504020204" pitchFamily="34" charset="0"/>
+                <a:ea typeface="Noto Sans" panose="020B0502040504020204" pitchFamily="34" charset="0"/>
+                <a:cs typeface="Noto Sans" panose="020B0502040504020204" pitchFamily="34" charset="0"/>
+              </a:rPr>
+              <a:t>CBoW</a:t>
+            </a:r>
+            <a:r>
+              <a:rPr lang="en-US" altLang="ko-KR" sz="1100" dirty="0">
+                <a:latin typeface="Noto Sans" panose="020B0502040504020204" pitchFamily="34" charset="0"/>
+                <a:ea typeface="Noto Sans" panose="020B0502040504020204" pitchFamily="34" charset="0"/>
+                <a:cs typeface="Noto Sans" panose="020B0502040504020204" pitchFamily="34" charset="0"/>
+              </a:rPr>
+              <a:t>, skip-gram</a:t>
+            </a:r>
           </a:p>
         </p:txBody>
       </p:sp>
@@ -21521,18 +21545,18 @@
               <a:buChar char="•"/>
             </a:pPr>
             <a:r>
-              <a:rPr lang="ko-KR" altLang="en-US" sz="1200" dirty="0">
+              <a:rPr lang="ko-KR" altLang="en-US" sz="1200" b="1" dirty="0">
                 <a:solidFill>
-                  <a:schemeClr val="tx1"/>
+                  <a:srgbClr val="FF0000"/>
                 </a:solidFill>
                 <a:latin typeface="Noto Sans" panose="020B0502040504020204" pitchFamily="34" charset="0"/>
                 <a:cs typeface="Noto Sans" panose="020B0502040504020204" pitchFamily="34" charset="0"/>
               </a:rPr>
               <a:t>시소러스</a:t>
             </a:r>
-            <a:endParaRPr lang="en-US" altLang="ko-KR" sz="1200" dirty="0">
+            <a:endParaRPr lang="en-US" altLang="ko-KR" sz="1200" b="1" dirty="0">
               <a:solidFill>
-                <a:schemeClr val="tx1"/>
+                <a:srgbClr val="FF0000"/>
               </a:solidFill>
               <a:latin typeface="Noto Sans" panose="020B0502040504020204" pitchFamily="34" charset="0"/>
               <a:ea typeface="Noto Sans" panose="020B0502040504020204" pitchFamily="34" charset="0"/>
@@ -21545,18 +21569,18 @@
               <a:buChar char="•"/>
             </a:pPr>
             <a:r>
-              <a:rPr lang="ko-KR" altLang="en-US" sz="1200" b="1" dirty="0">
+              <a:rPr lang="ko-KR" altLang="en-US" sz="1200" dirty="0">
                 <a:solidFill>
-                  <a:srgbClr val="FF0000"/>
+                  <a:schemeClr val="tx2"/>
                 </a:solidFill>
                 <a:latin typeface="Noto Sans" panose="020B0502040504020204" pitchFamily="34" charset="0"/>
                 <a:cs typeface="Noto Sans" panose="020B0502040504020204" pitchFamily="34" charset="0"/>
               </a:rPr>
               <a:t>통계 기반 기법</a:t>
             </a:r>
-            <a:endParaRPr lang="en-US" altLang="ko-KR" sz="1200" b="1" dirty="0">
+            <a:endParaRPr lang="en-US" altLang="ko-KR" sz="1200" dirty="0">
               <a:solidFill>
-                <a:srgbClr val="FF0000"/>
+                <a:schemeClr val="tx2"/>
               </a:solidFill>
               <a:latin typeface="Noto Sans" panose="020B0502040504020204" pitchFamily="34" charset="0"/>
               <a:ea typeface="Noto Sans" panose="020B0502040504020204" pitchFamily="34" charset="0"/>
@@ -24017,14 +24041,7 @@
                 <a:latin typeface="Noto Sans" panose="020B0502040504020204" pitchFamily="34" charset="0"/>
                 <a:cs typeface="Noto Sans" panose="020B0502040504020204" pitchFamily="34" charset="0"/>
               </a:rPr>
-              <a:t>양의 </a:t>
-            </a:r>
-            <a:r>
-              <a:rPr lang="ko-KR" altLang="en-US" sz="1600" b="1" dirty="0" err="1">
-                <a:latin typeface="Noto Sans" panose="020B0502040504020204" pitchFamily="34" charset="0"/>
-                <a:cs typeface="Noto Sans" panose="020B0502040504020204" pitchFamily="34" charset="0"/>
-              </a:rPr>
-              <a:t>정보상호량</a:t>
+              <a:t>양의 상호정보량</a:t>
             </a:r>
             <a:r>
               <a:rPr lang="en-US" altLang="ko-KR" sz="1600" b="1" dirty="0">
@@ -25601,7 +25618,7 @@
         <p:spPr>
           <a:xfrm>
             <a:off x="2436918" y="1951229"/>
-            <a:ext cx="4270166" cy="784830"/>
+            <a:ext cx="4270166" cy="1015663"/>
           </a:xfrm>
           <a:prstGeom prst="rect">
             <a:avLst/>
@@ -25660,6 +25677,40 @@
               </a:rPr>
               <a:t>skip-gram</a:t>
             </a:r>
+          </a:p>
+          <a:p>
+            <a:pPr marL="342900" indent="-342900">
+              <a:buAutoNum type="arabicPeriod"/>
+            </a:pPr>
+            <a:r>
+              <a:rPr lang="ko-KR" altLang="en-US" sz="1500" dirty="0">
+                <a:latin typeface="Noto Sans" panose="020B0502040504020204" pitchFamily="34" charset="0"/>
+                <a:ea typeface="Noto Sans" panose="020B0502040504020204" pitchFamily="34" charset="0"/>
+                <a:cs typeface="Noto Sans" panose="020B0502040504020204" pitchFamily="34" charset="0"/>
+              </a:rPr>
+              <a:t>통계 기반 </a:t>
+            </a:r>
+            <a:r>
+              <a:rPr lang="en-US" altLang="ko-KR" sz="1500" dirty="0">
+                <a:latin typeface="Noto Sans" panose="020B0502040504020204" pitchFamily="34" charset="0"/>
+                <a:ea typeface="Noto Sans" panose="020B0502040504020204" pitchFamily="34" charset="0"/>
+                <a:cs typeface="Noto Sans" panose="020B0502040504020204" pitchFamily="34" charset="0"/>
+              </a:rPr>
+              <a:t>vs. </a:t>
+            </a:r>
+            <a:r>
+              <a:rPr lang="ko-KR" altLang="en-US" sz="1500" dirty="0">
+                <a:latin typeface="Noto Sans" panose="020B0502040504020204" pitchFamily="34" charset="0"/>
+                <a:ea typeface="Noto Sans" panose="020B0502040504020204" pitchFamily="34" charset="0"/>
+                <a:cs typeface="Noto Sans" panose="020B0502040504020204" pitchFamily="34" charset="0"/>
+              </a:rPr>
+              <a:t>추론 기반</a:t>
+            </a:r>
+            <a:endParaRPr lang="en-US" altLang="ko-KR" sz="1500" dirty="0">
+              <a:latin typeface="Noto Sans" panose="020B0502040504020204" pitchFamily="34" charset="0"/>
+              <a:ea typeface="Noto Sans" panose="020B0502040504020204" pitchFamily="34" charset="0"/>
+              <a:cs typeface="Noto Sans" panose="020B0502040504020204" pitchFamily="34" charset="0"/>
+            </a:endParaRPr>
           </a:p>
         </p:txBody>
       </p:sp>

--- a/study/발표자료/20250220_밑딥2_이승건_chap2345발표자료_NotoSans.pptx
+++ b/study/발표자료/20250220_밑딥2_이승건_chap2345발표자료_NotoSans.pptx
@@ -992,16 +992,9 @@
             </a:r>
             <a:r>
               <a:rPr lang="ko-KR" altLang="en-US" dirty="0"/>
-              <a:t>를 적용하여 분산표현을 </a:t>
-            </a:r>
-            <a:r>
-              <a:rPr lang="en-US" altLang="ko-KR" dirty="0" err="1"/>
-              <a:t>djemda</a:t>
-            </a:r>
-            <a:r>
-              <a:rPr lang="en-US" altLang="ko-KR" dirty="0"/>
-              <a:t> </a:t>
-            </a:r>
+              <a:t>를 적용하여 분산표현을 얻기 때문에 </a:t>
+            </a:r>
+            <a:endParaRPr lang="en-US" altLang="ko-KR" dirty="0"/>
           </a:p>
           <a:p>
             <a:pPr marL="0" lvl="0" indent="0" algn="l" rtl="0">
@@ -1013,6 +1006,116 @@
               </a:spcAft>
               <a:buNone/>
             </a:pPr>
+            <a:r>
+              <a:rPr lang="ko-KR" altLang="en-US" dirty="0"/>
+              <a:t>말뭉치 단어의 변화가 생기면 처음부터 다시 해야 한다는 문제점이 있다</a:t>
+            </a:r>
+            <a:r>
+              <a:rPr lang="en-US" altLang="ko-KR" dirty="0"/>
+              <a:t>. </a:t>
+            </a:r>
+          </a:p>
+          <a:p>
+            <a:pPr marL="0" lvl="0" indent="0" algn="l" rtl="0">
+              <a:spcBef>
+                <a:spcPts val="0"/>
+              </a:spcBef>
+              <a:spcAft>
+                <a:spcPts val="0"/>
+              </a:spcAft>
+              <a:buNone/>
+            </a:pPr>
+            <a:r>
+              <a:rPr lang="ko-KR" altLang="en-US" dirty="0"/>
+              <a:t>반면 추론 기반 기법은 </a:t>
+            </a:r>
+            <a:r>
+              <a:rPr lang="ko-KR" altLang="en-US" dirty="0" err="1"/>
+              <a:t>미니배치학습이</a:t>
+            </a:r>
+            <a:r>
+              <a:rPr lang="ko-KR" altLang="en-US" dirty="0"/>
+              <a:t> 가능하기 때문에</a:t>
+            </a:r>
+            <a:r>
+              <a:rPr lang="en-US" altLang="ko-KR" dirty="0"/>
+              <a:t>, </a:t>
+            </a:r>
+            <a:r>
+              <a:rPr lang="ko-KR" altLang="en-US" dirty="0"/>
+              <a:t>새로운 단어나 문장이 추가되었더라도 기존의 가중치 정보를 </a:t>
+            </a:r>
+            <a:r>
+              <a:rPr lang="ko-KR" altLang="en-US" dirty="0" err="1"/>
+              <a:t>초깃값으로</a:t>
+            </a:r>
+            <a:r>
+              <a:rPr lang="ko-KR" altLang="en-US" dirty="0"/>
+              <a:t> 설정하여 학습을 진행하면 된다</a:t>
+            </a:r>
+            <a:r>
+              <a:rPr lang="en-US" altLang="ko-KR" dirty="0"/>
+              <a:t>. </a:t>
+            </a:r>
+          </a:p>
+          <a:p>
+            <a:pPr marL="0" lvl="0" indent="0" algn="l" rtl="0">
+              <a:spcBef>
+                <a:spcPts val="0"/>
+              </a:spcBef>
+              <a:spcAft>
+                <a:spcPts val="0"/>
+              </a:spcAft>
+              <a:buNone/>
+            </a:pPr>
+            <a:endParaRPr lang="en-US" dirty="0"/>
+          </a:p>
+          <a:p>
+            <a:pPr marL="0" lvl="0" indent="0" algn="l" rtl="0">
+              <a:spcBef>
+                <a:spcPts val="0"/>
+              </a:spcBef>
+              <a:spcAft>
+                <a:spcPts val="0"/>
+              </a:spcAft>
+              <a:buNone/>
+            </a:pPr>
+            <a:r>
+              <a:rPr lang="ko-KR" altLang="en-US" dirty="0"/>
+              <a:t>그렇다면 추론 기반 기법이 무엇일까</a:t>
+            </a:r>
+            <a:r>
+              <a:rPr lang="en-US" altLang="ko-KR" dirty="0"/>
+              <a:t>? </a:t>
+            </a:r>
+            <a:r>
+              <a:rPr lang="ko-KR" altLang="en-US" dirty="0"/>
+              <a:t>추론기반 기법도 분포 가설을 기초로 단어를 벡터로 표현함</a:t>
+            </a:r>
+            <a:endParaRPr lang="en-US" altLang="ko-KR" dirty="0"/>
+          </a:p>
+          <a:p>
+            <a:pPr marL="0" lvl="0" indent="0" algn="l" rtl="0">
+              <a:spcBef>
+                <a:spcPts val="0"/>
+              </a:spcBef>
+              <a:spcAft>
+                <a:spcPts val="0"/>
+              </a:spcAft>
+              <a:buNone/>
+            </a:pPr>
+            <a:r>
+              <a:rPr lang="ko-KR" altLang="en-US" dirty="0" err="1"/>
+              <a:t>뒷페이지에서</a:t>
+            </a:r>
+            <a:r>
+              <a:rPr lang="ko-KR" altLang="en-US" dirty="0"/>
+              <a:t> 좀 더 자세히 알아본다</a:t>
+            </a:r>
+            <a:r>
+              <a:rPr lang="en-US" altLang="ko-KR" dirty="0"/>
+              <a:t>.</a:t>
+            </a:r>
             <a:endParaRPr dirty="0"/>
           </a:p>
         </p:txBody>
@@ -2029,6 +2132,96 @@
               <a:rPr lang="en-US" altLang="ko-KR" dirty="0"/>
               <a:t>.</a:t>
             </a:r>
+          </a:p>
+          <a:p>
+            <a:pPr marL="0" lvl="0" indent="0" algn="l" rtl="0">
+              <a:spcBef>
+                <a:spcPts val="0"/>
+              </a:spcBef>
+              <a:spcAft>
+                <a:spcPts val="0"/>
+              </a:spcAft>
+              <a:buNone/>
+            </a:pPr>
+            <a:endParaRPr lang="en-US" altLang="ko-KR" dirty="0"/>
+          </a:p>
+          <a:p>
+            <a:pPr marL="0" lvl="0" indent="0" algn="l" rtl="0">
+              <a:spcBef>
+                <a:spcPts val="0"/>
+              </a:spcBef>
+              <a:spcAft>
+                <a:spcPts val="0"/>
+              </a:spcAft>
+              <a:buNone/>
+            </a:pPr>
+            <a:r>
+              <a:rPr lang="ko-KR" altLang="en-US" dirty="0"/>
+              <a:t>단어 등장 횟수가 일반적으로 크고 편향적이기 때문에 </a:t>
+            </a:r>
+            <a:r>
+              <a:rPr lang="en-US" altLang="ko-KR" dirty="0"/>
+              <a:t>log</a:t>
+            </a:r>
+            <a:r>
+              <a:rPr lang="ko-KR" altLang="en-US" dirty="0"/>
+              <a:t>를 취해  데이터분포를 안정적으로 </a:t>
+            </a:r>
+            <a:r>
+              <a:rPr lang="ko-KR" altLang="en-US" dirty="0" err="1"/>
+              <a:t>만듬</a:t>
+            </a:r>
+            <a:r>
+              <a:rPr lang="en-US" altLang="ko-KR" dirty="0"/>
+              <a:t>. </a:t>
+            </a:r>
+            <a:r>
+              <a:rPr lang="ko-KR" altLang="en-US" dirty="0"/>
+              <a:t>단어벡터들의 내적이 </a:t>
+            </a:r>
+            <a:r>
+              <a:rPr lang="en-US" altLang="ko-KR" dirty="0" err="1"/>
+              <a:t>logX</a:t>
+            </a:r>
+            <a:r>
+              <a:rPr lang="ko-KR" altLang="en-US" dirty="0"/>
+              <a:t>를 근사하도록 학습한다</a:t>
+            </a:r>
+            <a:r>
+              <a:rPr lang="en-US" altLang="ko-KR" dirty="0"/>
+              <a:t>. </a:t>
+            </a:r>
+          </a:p>
+          <a:p>
+            <a:pPr marL="0" lvl="0" indent="0" algn="l" rtl="0">
+              <a:spcBef>
+                <a:spcPts val="0"/>
+              </a:spcBef>
+              <a:spcAft>
+                <a:spcPts val="0"/>
+              </a:spcAft>
+              <a:buNone/>
+            </a:pPr>
+            <a:endParaRPr lang="en-US" dirty="0"/>
+          </a:p>
+          <a:p>
+            <a:pPr marL="0" lvl="0" indent="0" algn="l" rtl="0">
+              <a:spcBef>
+                <a:spcPts val="0"/>
+              </a:spcBef>
+              <a:spcAft>
+                <a:spcPts val="0"/>
+              </a:spcAft>
+              <a:buNone/>
+            </a:pPr>
+            <a:r>
+              <a:rPr lang="ko-KR" altLang="en-US" dirty="0"/>
+              <a:t>행렬 분해 기반 방식을 사용해 단어 벡터를 직접 최적화한다</a:t>
+            </a:r>
+            <a:r>
+              <a:rPr lang="en-US" altLang="ko-KR" dirty="0"/>
+              <a:t>. </a:t>
+            </a:r>
             <a:endParaRPr dirty="0"/>
           </a:p>
         </p:txBody>
@@ -2681,6 +2874,140 @@
               <a:t>.</a:t>
             </a:r>
             <a:endParaRPr lang="ko-KR" altLang="en-US" dirty="0"/>
+          </a:p>
+          <a:p>
+            <a:pPr marL="0" lvl="0" indent="0" algn="l" rtl="0">
+              <a:spcBef>
+                <a:spcPts val="0"/>
+              </a:spcBef>
+              <a:spcAft>
+                <a:spcPts val="0"/>
+              </a:spcAft>
+              <a:buNone/>
+            </a:pPr>
+            <a:endParaRPr lang="en-US" dirty="0"/>
+          </a:p>
+          <a:p>
+            <a:pPr marL="0" lvl="0" indent="0" algn="l" rtl="0">
+              <a:spcBef>
+                <a:spcPts val="0"/>
+              </a:spcBef>
+              <a:spcAft>
+                <a:spcPts val="0"/>
+              </a:spcAft>
+              <a:buNone/>
+            </a:pPr>
+            <a:r>
+              <a:rPr lang="ko-KR" altLang="en-US" dirty="0"/>
+              <a:t>위 사진은 </a:t>
+            </a:r>
+            <a:r>
+              <a:rPr lang="en-US" altLang="ko-KR" dirty="0" err="1"/>
+              <a:t>CBoW</a:t>
+            </a:r>
+            <a:r>
+              <a:rPr lang="ko-KR" altLang="en-US" dirty="0"/>
+              <a:t>의 네거티브 샘플링 방법이며</a:t>
+            </a:r>
+            <a:r>
+              <a:rPr lang="en-US" altLang="ko-KR" dirty="0"/>
+              <a:t>, skip-gram</a:t>
+            </a:r>
+            <a:r>
+              <a:rPr lang="ko-KR" altLang="en-US" dirty="0"/>
+              <a:t> 또한 동일하게 네거티브 샘플링이 가능하다</a:t>
+            </a:r>
+            <a:r>
+              <a:rPr lang="en-US" altLang="ko-KR" dirty="0"/>
+              <a:t>. (</a:t>
+            </a:r>
+            <a:r>
+              <a:rPr lang="en-US" altLang="ko-KR" dirty="0" err="1"/>
+              <a:t>target,context</a:t>
+            </a:r>
+            <a:r>
+              <a:rPr lang="en-US" altLang="ko-KR" dirty="0"/>
+              <a:t>) </a:t>
+            </a:r>
+            <a:r>
+              <a:rPr lang="ko-KR" altLang="en-US" dirty="0" err="1"/>
+              <a:t>한개씩이</a:t>
+            </a:r>
+            <a:r>
+              <a:rPr lang="ko-KR" altLang="en-US" dirty="0"/>
+              <a:t> 한 </a:t>
+            </a:r>
+            <a:r>
+              <a:rPr lang="ko-KR" altLang="en-US" dirty="0" err="1"/>
+              <a:t>쌍이되어</a:t>
+            </a:r>
+            <a:r>
+              <a:rPr lang="ko-KR" altLang="en-US" dirty="0"/>
+              <a:t> </a:t>
+            </a:r>
+            <a:r>
+              <a:rPr lang="ko-KR" altLang="en-US" dirty="0" err="1"/>
+              <a:t>진행하면된다</a:t>
+            </a:r>
+            <a:r>
+              <a:rPr lang="en-US" altLang="ko-KR" dirty="0"/>
+              <a:t>. </a:t>
+            </a:r>
+          </a:p>
+          <a:p>
+            <a:pPr marL="0" lvl="0" indent="0" algn="l" rtl="0">
+              <a:spcBef>
+                <a:spcPts val="0"/>
+              </a:spcBef>
+              <a:spcAft>
+                <a:spcPts val="0"/>
+              </a:spcAft>
+              <a:buNone/>
+            </a:pPr>
+            <a:r>
+              <a:rPr lang="en-US" altLang="ko-KR" dirty="0"/>
+              <a:t>Word2vec</a:t>
+            </a:r>
+            <a:r>
+              <a:rPr lang="ko-KR" altLang="en-US" dirty="0"/>
+              <a:t>의 특성상 문장에서 단어의 순서나 어순을 </a:t>
+            </a:r>
+            <a:r>
+              <a:rPr lang="ko-KR" altLang="en-US" dirty="0" err="1"/>
+              <a:t>고려하는게</a:t>
+            </a:r>
+            <a:r>
+              <a:rPr lang="ko-KR" altLang="en-US" dirty="0"/>
+              <a:t> 아니다</a:t>
+            </a:r>
+            <a:r>
+              <a:rPr lang="en-US" altLang="ko-KR" dirty="0"/>
+              <a:t>. </a:t>
+            </a:r>
+            <a:r>
+              <a:rPr lang="ko-KR" altLang="en-US" dirty="0"/>
+              <a:t>단어의 의미 잘 </a:t>
+            </a:r>
+            <a:r>
+              <a:rPr lang="ko-KR" altLang="en-US" dirty="0" err="1"/>
+              <a:t>표현하는를</a:t>
+            </a:r>
+            <a:r>
+              <a:rPr lang="ko-KR" altLang="en-US" dirty="0"/>
+              <a:t> 벡터로 </a:t>
+            </a:r>
+            <a:r>
+              <a:rPr lang="ko-KR" altLang="en-US" dirty="0" err="1"/>
+              <a:t>임베딩하는</a:t>
+            </a:r>
+            <a:r>
+              <a:rPr lang="ko-KR" altLang="en-US" dirty="0"/>
+              <a:t> 것이 목적이다</a:t>
+            </a:r>
+            <a:r>
+              <a:rPr lang="en-US" altLang="ko-KR" dirty="0"/>
+              <a:t>.</a:t>
+            </a:r>
           </a:p>
           <a:p>
             <a:pPr marL="0" lvl="0" indent="0" algn="l" rtl="0">
@@ -5051,6 +5378,50 @@
             <a:noAutofit/>
           </a:bodyPr>
           <a:lstStyle/>
+          <a:p>
+            <a:pPr marL="0" lvl="0" indent="0" algn="l" rtl="0">
+              <a:spcBef>
+                <a:spcPts val="0"/>
+              </a:spcBef>
+              <a:spcAft>
+                <a:spcPts val="0"/>
+              </a:spcAft>
+              <a:buNone/>
+            </a:pPr>
+            <a:r>
+              <a:rPr lang="ko-KR" altLang="en-US" dirty="0"/>
+              <a:t>관사 </a:t>
+            </a:r>
+            <a:r>
+              <a:rPr lang="en-US" altLang="ko-KR" dirty="0" err="1"/>
+              <a:t>a,the</a:t>
+            </a:r>
+            <a:r>
+              <a:rPr lang="ko-KR" altLang="en-US" dirty="0"/>
+              <a:t>가 더 </a:t>
+            </a:r>
+            <a:r>
+              <a:rPr lang="ko-KR" altLang="en-US" dirty="0" err="1"/>
+              <a:t>관련있다</a:t>
+            </a:r>
+            <a:r>
+              <a:rPr lang="ko-KR" altLang="en-US" dirty="0"/>
+              <a:t> 나올 수 있음</a:t>
+            </a:r>
+            <a:r>
+              <a:rPr lang="en-US" altLang="ko-KR" dirty="0"/>
+              <a:t>. </a:t>
+            </a:r>
+            <a:r>
+              <a:rPr lang="ko-KR" altLang="en-US" dirty="0" err="1"/>
+              <a:t>단어간의</a:t>
+            </a:r>
+            <a:r>
+              <a:rPr lang="ko-KR" altLang="en-US" dirty="0"/>
+              <a:t> 우연한 등장 패턴도 고려함 </a:t>
+            </a:r>
+            <a:endParaRPr lang="en-US" altLang="ko-KR" dirty="0"/>
+          </a:p>
           <a:p>
             <a:pPr marL="0" lvl="0" indent="0" algn="l" rtl="0">
               <a:spcBef>
@@ -14129,7 +14500,7 @@
                 <a:ea typeface="Noto Sans" panose="020B0502040504020204" pitchFamily="34" charset="0"/>
                 <a:cs typeface="Noto Sans" panose="020B0502040504020204" pitchFamily="34" charset="0"/>
               </a:rPr>
-              <a:t>(Co-occurrence Matrix)</a:t>
+              <a:t>(Global Co-occurrence Matrix)</a:t>
             </a:r>
             <a:r>
               <a:rPr lang="ko-KR" altLang="en-US" sz="1100" dirty="0">
@@ -14289,6 +14660,36 @@
           </a:p>
         </p:txBody>
       </p:sp>
+      <p:pic>
+        <p:nvPicPr>
+          <p:cNvPr id="5" name="그림 4">
+            <a:extLst>
+              <a:ext uri="{FF2B5EF4-FFF2-40B4-BE49-F238E27FC236}">
+                <a16:creationId xmlns:a16="http://schemas.microsoft.com/office/drawing/2014/main" id="{5C53EEF5-2F51-4AEB-B9D7-2B9C99206877}"/>
+              </a:ext>
+            </a:extLst>
+          </p:cNvPr>
+          <p:cNvPicPr>
+            <a:picLocks noChangeAspect="1"/>
+          </p:cNvPicPr>
+          <p:nvPr/>
+        </p:nvPicPr>
+        <p:blipFill>
+          <a:blip r:embed="rId5"/>
+          <a:stretch>
+            <a:fillRect/>
+          </a:stretch>
+        </p:blipFill>
+        <p:spPr>
+          <a:xfrm>
+            <a:off x="697866" y="3656354"/>
+            <a:ext cx="2276793" cy="390580"/>
+          </a:xfrm>
+          <a:prstGeom prst="rect">
+            <a:avLst/>
+          </a:prstGeom>
+        </p:spPr>
+      </p:pic>
     </p:spTree>
     <p:extLst>
       <p:ext uri="{BB962C8B-B14F-4D97-AF65-F5344CB8AC3E}">
@@ -21174,6 +21575,22 @@
             <a:r>
               <a:rPr lang="ko-KR" altLang="en-US" sz="1100" dirty="0">
                 <a:latin typeface="Noto Sans" panose="020B0502040504020204" pitchFamily="34" charset="0"/>
+                <a:ea typeface="Noto Sans" panose="020B0502040504020204" pitchFamily="34" charset="0"/>
+                <a:cs typeface="Noto Sans" panose="020B0502040504020204" pitchFamily="34" charset="0"/>
+              </a:rPr>
+              <a:t>동의어</a:t>
+            </a:r>
+            <a:r>
+              <a:rPr lang="en-US" altLang="ko-KR" sz="1100" dirty="0">
+                <a:latin typeface="Noto Sans" panose="020B0502040504020204" pitchFamily="34" charset="0"/>
+                <a:ea typeface="Noto Sans" panose="020B0502040504020204" pitchFamily="34" charset="0"/>
+                <a:cs typeface="Noto Sans" panose="020B0502040504020204" pitchFamily="34" charset="0"/>
+              </a:rPr>
+              <a:t>, </a:t>
+            </a:r>
+            <a:r>
+              <a:rPr lang="ko-KR" altLang="en-US" sz="1100" dirty="0">
+                <a:latin typeface="Noto Sans" panose="020B0502040504020204" pitchFamily="34" charset="0"/>
                 <a:cs typeface="Noto Sans" panose="020B0502040504020204" pitchFamily="34" charset="0"/>
               </a:rPr>
               <a:t>유의어 사전</a:t>
@@ -21452,7 +21869,7 @@
         </p:nvSpPr>
         <p:spPr>
           <a:xfrm>
-            <a:off x="73666" y="473770"/>
+            <a:off x="73666" y="987332"/>
             <a:ext cx="3435799" cy="307777"/>
           </a:xfrm>
           <a:prstGeom prst="rect">
@@ -21526,7 +21943,7 @@
         </p:nvSpPr>
         <p:spPr>
           <a:xfrm>
-            <a:off x="189867" y="792892"/>
+            <a:off x="144815" y="1247891"/>
             <a:ext cx="2262292" cy="646331"/>
           </a:xfrm>
           <a:prstGeom prst="rect">
@@ -21608,6 +22025,91 @@
               <a:t>(word2vec)</a:t>
             </a:r>
             <a:endParaRPr lang="ko-KR" altLang="en-US" sz="1200" dirty="0">
+              <a:latin typeface="Noto Sans" panose="020B0502040504020204" pitchFamily="34" charset="0"/>
+              <a:cs typeface="Noto Sans" panose="020B0502040504020204" pitchFamily="34" charset="0"/>
+            </a:endParaRPr>
+          </a:p>
+        </p:txBody>
+      </p:sp>
+      <p:sp>
+        <p:nvSpPr>
+          <p:cNvPr id="15" name="TextBox 14">
+            <a:extLst>
+              <a:ext uri="{FF2B5EF4-FFF2-40B4-BE49-F238E27FC236}">
+                <a16:creationId xmlns:a16="http://schemas.microsoft.com/office/drawing/2014/main" id="{A00072C4-E39C-4FD1-991C-8A7E2425E1E2}"/>
+              </a:ext>
+            </a:extLst>
+          </p:cNvPr>
+          <p:cNvSpPr txBox="1"/>
+          <p:nvPr/>
+        </p:nvSpPr>
+        <p:spPr>
+          <a:xfrm>
+            <a:off x="73665" y="557557"/>
+            <a:ext cx="612135" cy="307777"/>
+          </a:xfrm>
+          <a:prstGeom prst="rect">
+            <a:avLst/>
+          </a:prstGeom>
+          <a:noFill/>
+        </p:spPr>
+        <p:txBody>
+          <a:bodyPr wrap="square" rtlCol="0">
+            <a:spAutoFit/>
+          </a:bodyPr>
+          <a:lstStyle/>
+          <a:p>
+            <a:r>
+              <a:rPr lang="en-US" altLang="ko-KR" b="1" dirty="0">
+                <a:latin typeface="Noto Sans" panose="020B0502040504020204" pitchFamily="34" charset="0"/>
+                <a:cs typeface="Noto Sans" panose="020B0502040504020204" pitchFamily="34" charset="0"/>
+              </a:rPr>
+              <a:t>NLP</a:t>
+            </a:r>
+            <a:endParaRPr lang="ko-KR" altLang="en-US" dirty="0">
+              <a:latin typeface="Noto Sans" panose="020B0502040504020204" pitchFamily="34" charset="0"/>
+              <a:cs typeface="Noto Sans" panose="020B0502040504020204" pitchFamily="34" charset="0"/>
+            </a:endParaRPr>
+          </a:p>
+        </p:txBody>
+      </p:sp>
+      <p:sp>
+        <p:nvSpPr>
+          <p:cNvPr id="17" name="TextBox 16">
+            <a:extLst>
+              <a:ext uri="{FF2B5EF4-FFF2-40B4-BE49-F238E27FC236}">
+                <a16:creationId xmlns:a16="http://schemas.microsoft.com/office/drawing/2014/main" id="{2089E14B-A61B-4D8E-B6E9-752E86D32A0C}"/>
+              </a:ext>
+            </a:extLst>
+          </p:cNvPr>
+          <p:cNvSpPr txBox="1"/>
+          <p:nvPr/>
+        </p:nvSpPr>
+        <p:spPr>
+          <a:xfrm>
+            <a:off x="494078" y="580640"/>
+            <a:ext cx="2594974" cy="261610"/>
+          </a:xfrm>
+          <a:prstGeom prst="rect">
+            <a:avLst/>
+          </a:prstGeom>
+          <a:noFill/>
+        </p:spPr>
+        <p:txBody>
+          <a:bodyPr wrap="square" rtlCol="0">
+            <a:spAutoFit/>
+          </a:bodyPr>
+          <a:lstStyle/>
+          <a:p>
+            <a:r>
+              <a:rPr lang="en-US" altLang="ko-KR" sz="1100" dirty="0">
+                <a:latin typeface="Noto Sans" panose="020B0502040504020204" pitchFamily="34" charset="0"/>
+                <a:ea typeface="Noto Sans" panose="020B0502040504020204" pitchFamily="34" charset="0"/>
+                <a:cs typeface="Noto Sans" panose="020B0502040504020204" pitchFamily="34" charset="0"/>
+              </a:rPr>
+              <a:t>Natural Language Processing</a:t>
+            </a:r>
+            <a:endParaRPr lang="ko-KR" altLang="en-US" sz="1100" dirty="0">
               <a:latin typeface="Noto Sans" panose="020B0502040504020204" pitchFamily="34" charset="0"/>
               <a:cs typeface="Noto Sans" panose="020B0502040504020204" pitchFamily="34" charset="0"/>
             </a:endParaRPr>
@@ -25155,7 +25657,7 @@
         <p:spPr>
           <a:xfrm>
             <a:off x="2171066" y="4443688"/>
-            <a:ext cx="4981574" cy="261610"/>
+            <a:ext cx="4981574" cy="430887"/>
           </a:xfrm>
           <a:prstGeom prst="rect">
             <a:avLst/>
@@ -25179,6 +25681,14 @@
             <a:r>
               <a:rPr lang="ko-KR" altLang="en-US" sz="1100" dirty="0">
                 <a:latin typeface="Noto Sans" panose="020B0502040504020204" pitchFamily="34" charset="0"/>
+                <a:ea typeface="Noto Sans" panose="020B0502040504020204" pitchFamily="34" charset="0"/>
+                <a:cs typeface="Noto Sans" panose="020B0502040504020204" pitchFamily="34" charset="0"/>
+              </a:rPr>
+              <a:t>처음부터 </a:t>
+            </a:r>
+            <a:r>
+              <a:rPr lang="ko-KR" altLang="en-US" sz="1100" dirty="0">
+                <a:latin typeface="Noto Sans" panose="020B0502040504020204" pitchFamily="34" charset="0"/>
                 <a:cs typeface="Noto Sans" panose="020B0502040504020204" pitchFamily="34" charset="0"/>
               </a:rPr>
               <a:t>지정한 몇개의 </a:t>
@@ -25209,7 +25719,20 @@
                 <a:latin typeface="Noto Sans" panose="020B0502040504020204" pitchFamily="34" charset="0"/>
                 <a:cs typeface="Noto Sans" panose="020B0502040504020204" pitchFamily="34" charset="0"/>
               </a:rPr>
-              <a:t> 차원을 효율적으로 줄이는 방법</a:t>
+              <a:t> 차원을 효율적으로     </a:t>
+            </a:r>
+            <a:br>
+              <a:rPr lang="en-US" altLang="ko-KR" sz="1100" dirty="0">
+                <a:latin typeface="Noto Sans" panose="020B0502040504020204" pitchFamily="34" charset="0"/>
+                <a:cs typeface="Noto Sans" panose="020B0502040504020204" pitchFamily="34" charset="0"/>
+              </a:rPr>
+            </a:br>
+            <a:r>
+              <a:rPr lang="ko-KR" altLang="en-US" sz="1100" dirty="0">
+                <a:latin typeface="Noto Sans" panose="020B0502040504020204" pitchFamily="34" charset="0"/>
+                <a:cs typeface="Noto Sans" panose="020B0502040504020204" pitchFamily="34" charset="0"/>
+              </a:rPr>
+              <a:t>   줄이는 방법</a:t>
             </a:r>
             <a:endParaRPr lang="en-US" altLang="ko-KR" sz="1100" dirty="0">
               <a:latin typeface="Noto Sans" panose="020B0502040504020204" pitchFamily="34" charset="0"/>

--- a/study/발표자료/20250220_밑딥2_이승건_chap2345발표자료_NotoSans.pptx
+++ b/study/발표자료/20250220_밑딥2_이승건_chap2345발표자료_NotoSans.pptx
@@ -2202,7 +2202,7 @@
               </a:spcAft>
               <a:buNone/>
             </a:pPr>
-            <a:endParaRPr lang="en-US" dirty="0"/>
+            <a:endParaRPr lang="en-US" b="1" dirty="0"/>
           </a:p>
           <a:p>
             <a:pPr marL="0" lvl="0" indent="0" algn="l" rtl="0">
@@ -2215,14 +2215,22 @@
               <a:buNone/>
             </a:pPr>
             <a:r>
-              <a:rPr lang="ko-KR" altLang="en-US" dirty="0"/>
-              <a:t>행렬 분해 기반 방식을 사용해 단어 벡터를 직접 최적화한다</a:t>
-            </a:r>
-            <a:r>
-              <a:rPr lang="en-US" altLang="ko-KR" dirty="0"/>
+              <a:rPr lang="ko-KR" altLang="en-US" b="1" dirty="0"/>
+              <a:t>행렬 분해 기반 방식을 사용해 단어 벡터를 직접 최적화</a:t>
+            </a:r>
+            <a:r>
+              <a:rPr lang="en-US" altLang="ko-KR" b="1" dirty="0"/>
+              <a:t>, </a:t>
+            </a:r>
+            <a:r>
+              <a:rPr lang="ko-KR" altLang="en-US" b="1" dirty="0"/>
+              <a:t>확률을 이용한다</a:t>
+            </a:r>
+            <a:r>
+              <a:rPr lang="en-US" altLang="ko-KR" b="1" dirty="0"/>
               <a:t>. </a:t>
             </a:r>
-            <a:endParaRPr dirty="0"/>
+            <a:endParaRPr b="1" dirty="0"/>
           </a:p>
         </p:txBody>
       </p:sp>
@@ -5170,6 +5178,122 @@
               </a:spcAft>
               <a:buNone/>
             </a:pPr>
+            <a:r>
+              <a:rPr lang="ko-KR" altLang="en-US" dirty="0"/>
+              <a:t>코사인 거리</a:t>
+            </a:r>
+            <a:r>
+              <a:rPr lang="en-US" altLang="ko-KR" dirty="0"/>
+              <a:t>[0,1]</a:t>
+            </a:r>
+            <a:r>
+              <a:rPr lang="ko-KR" altLang="en-US" dirty="0"/>
+              <a:t> </a:t>
+            </a:r>
+            <a:r>
+              <a:rPr lang="en-US" altLang="ko-KR" dirty="0"/>
+              <a:t>= (1 – </a:t>
+            </a:r>
+            <a:r>
+              <a:rPr lang="ko-KR" altLang="en-US" dirty="0"/>
+              <a:t>코사인 유사도</a:t>
+            </a:r>
+            <a:r>
+              <a:rPr lang="en-US" altLang="ko-KR" dirty="0"/>
+              <a:t>) , </a:t>
+            </a:r>
+            <a:r>
+              <a:rPr lang="ko-KR" altLang="en-US" dirty="0"/>
+              <a:t>각을 계산</a:t>
+            </a:r>
+            <a:r>
+              <a:rPr lang="en-US" altLang="ko-KR" dirty="0"/>
+              <a:t>.  </a:t>
+            </a:r>
+            <a:r>
+              <a:rPr lang="ko-KR" altLang="en-US" dirty="0"/>
+              <a:t>작을수록 가까움</a:t>
+            </a:r>
+            <a:endParaRPr lang="en-US" altLang="ko-KR" dirty="0"/>
+          </a:p>
+          <a:p>
+            <a:pPr marL="0" lvl="0" indent="0" algn="l" rtl="0">
+              <a:spcBef>
+                <a:spcPts val="0"/>
+              </a:spcBef>
+              <a:spcAft>
+                <a:spcPts val="0"/>
+              </a:spcAft>
+              <a:buNone/>
+            </a:pPr>
+            <a:r>
+              <a:rPr lang="ko-KR" altLang="en-US" dirty="0"/>
+              <a:t>유클리드 거리 </a:t>
+            </a:r>
+            <a:r>
+              <a:rPr lang="en-US" altLang="ko-KR" dirty="0"/>
+              <a:t>= </a:t>
+            </a:r>
+            <a:r>
+              <a:rPr lang="ko-KR" altLang="en-US" dirty="0"/>
+              <a:t>두 점 사이의 직선거리를 계산</a:t>
+            </a:r>
+            <a:r>
+              <a:rPr lang="en-US" altLang="ko-KR" dirty="0"/>
+              <a:t>. </a:t>
+            </a:r>
+            <a:r>
+              <a:rPr lang="ko-KR" altLang="en-US" dirty="0"/>
+              <a:t>작을수록 가까움</a:t>
+            </a:r>
+            <a:endParaRPr lang="en-US" altLang="ko-KR" dirty="0"/>
+          </a:p>
+          <a:p>
+            <a:pPr marL="0" lvl="0" indent="0" algn="l" rtl="0">
+              <a:spcBef>
+                <a:spcPts val="0"/>
+              </a:spcBef>
+              <a:spcAft>
+                <a:spcPts val="0"/>
+              </a:spcAft>
+              <a:buNone/>
+            </a:pPr>
+            <a:endParaRPr lang="en-US" dirty="0"/>
+          </a:p>
+          <a:p>
+            <a:pPr marL="0" lvl="0" indent="0" algn="l" rtl="0">
+              <a:spcBef>
+                <a:spcPts val="0"/>
+              </a:spcBef>
+              <a:spcAft>
+                <a:spcPts val="0"/>
+              </a:spcAft>
+              <a:buNone/>
+            </a:pPr>
+            <a:r>
+              <a:rPr lang="ko-KR" altLang="en-US" dirty="0"/>
+              <a:t>언제 코사인</a:t>
+            </a:r>
+            <a:r>
+              <a:rPr lang="en-US" altLang="ko-KR" dirty="0"/>
+              <a:t>, </a:t>
+            </a:r>
+            <a:r>
+              <a:rPr lang="ko-KR" altLang="en-US" dirty="0"/>
+              <a:t>언제 유클리드를 쓰냐</a:t>
+            </a:r>
+            <a:r>
+              <a:rPr lang="en-US" altLang="ko-KR" dirty="0"/>
+              <a:t>? Scale</a:t>
+            </a:r>
+            <a:r>
+              <a:rPr lang="ko-KR" altLang="en-US" dirty="0"/>
+              <a:t>이 커지면 코사인을 추천한다</a:t>
+            </a:r>
+            <a:r>
+              <a:rPr lang="en-US" altLang="ko-KR" dirty="0"/>
+              <a:t>. </a:t>
+            </a:r>
             <a:endParaRPr dirty="0"/>
           </a:p>
         </p:txBody>
@@ -11724,28 +11848,14 @@
                 <a:latin typeface="Noto Sans" panose="020B0502040504020204" pitchFamily="34" charset="0"/>
                 <a:cs typeface="Noto Sans" panose="020B0502040504020204" pitchFamily="34" charset="0"/>
               </a:rPr>
-              <a:t>분포 가설</a:t>
+              <a:t>분포 가설을 바탕</a:t>
             </a:r>
             <a:r>
               <a:rPr lang="ko-KR" altLang="en-US" sz="1100" dirty="0">
                 <a:latin typeface="Noto Sans" panose="020B0502040504020204" pitchFamily="34" charset="0"/>
                 <a:cs typeface="Noto Sans" panose="020B0502040504020204" pitchFamily="34" charset="0"/>
               </a:rPr>
-              <a:t>을</a:t>
-            </a:r>
-            <a:r>
-              <a:rPr lang="ko-KR" altLang="en-US" sz="1100" b="1" dirty="0">
-                <a:latin typeface="Noto Sans" panose="020B0502040504020204" pitchFamily="34" charset="0"/>
-                <a:cs typeface="Noto Sans" panose="020B0502040504020204" pitchFamily="34" charset="0"/>
-              </a:rPr>
-              <a:t> </a:t>
-            </a:r>
-            <a:r>
-              <a:rPr lang="ko-KR" altLang="en-US" sz="1100" dirty="0">
-                <a:latin typeface="Noto Sans" panose="020B0502040504020204" pitchFamily="34" charset="0"/>
-                <a:cs typeface="Noto Sans" panose="020B0502040504020204" pitchFamily="34" charset="0"/>
-              </a:rPr>
-              <a:t>기초로 단어를 벡터로 표현</a:t>
+              <a:t>으로 단어를 벡터로 표현</a:t>
             </a:r>
             <a:br>
               <a:rPr lang="en-US" altLang="ko-KR" sz="1100" dirty="0">
@@ -12141,7 +12251,7 @@
                 <a:latin typeface="Noto Sans" panose="020B0502040504020204" pitchFamily="34" charset="0"/>
                 <a:cs typeface="Noto Sans" panose="020B0502040504020204" pitchFamily="34" charset="0"/>
               </a:rPr>
-              <a:t>통계 기반 기법과 달리 미니 배치 학습 가능</a:t>
+              <a:t>미니 배치를 통한 학습</a:t>
             </a:r>
             <a:endParaRPr lang="en-US" altLang="ko-KR" sz="1100" dirty="0">
               <a:latin typeface="Noto Sans" panose="020B0502040504020204" pitchFamily="34" charset="0"/>
@@ -12325,13 +12435,13 @@
         </p:nvCxnSpPr>
         <p:spPr>
           <a:xfrm>
-            <a:off x="2550266" y="3966016"/>
+            <a:off x="2665921" y="3953214"/>
             <a:ext cx="490961" cy="0"/>
           </a:xfrm>
           <a:prstGeom prst="straightConnector1">
             <a:avLst/>
           </a:prstGeom>
-          <a:ln>
+          <a:ln w="57150">
             <a:solidFill>
               <a:srgbClr val="FF0000"/>
             </a:solidFill>
@@ -12589,18 +12699,20 @@
               </a:ext>
             </a:extLst>
           </p:cNvPr>
-          <p:cNvCxnSpPr/>
+          <p:cNvCxnSpPr>
+            <a:cxnSpLocks/>
+          </p:cNvCxnSpPr>
           <p:nvPr/>
         </p:nvCxnSpPr>
         <p:spPr>
           <a:xfrm>
-            <a:off x="4136316" y="2125083"/>
-            <a:ext cx="745068" cy="0"/>
+            <a:off x="4301066" y="2125083"/>
+            <a:ext cx="571851" cy="0"/>
           </a:xfrm>
           <a:prstGeom prst="straightConnector1">
             <a:avLst/>
           </a:prstGeom>
-          <a:ln>
+          <a:ln w="57150">
             <a:solidFill>
               <a:srgbClr val="FF0000"/>
             </a:solidFill>
@@ -13708,7 +13820,7 @@
                 <a:ea typeface="Noto Sans" panose="020B0502040504020204" pitchFamily="34" charset="0"/>
                 <a:cs typeface="Noto Sans" panose="020B0502040504020204" pitchFamily="34" charset="0"/>
               </a:rPr>
-              <a:t>- Target</a:t>
+              <a:t>- target</a:t>
             </a:r>
             <a:r>
               <a:rPr lang="ko-KR" altLang="en-US" sz="1100" dirty="0">
@@ -14329,7 +14441,7 @@
                 <a:latin typeface="Noto Sans" panose="020B0502040504020204" pitchFamily="34" charset="0"/>
                 <a:cs typeface="Noto Sans" panose="020B0502040504020204" pitchFamily="34" charset="0"/>
               </a:rPr>
-              <a:t>우열을 가릴 수 없음</a:t>
+              <a:t>우열을 가릴 수 없었음</a:t>
             </a:r>
             <a:br>
               <a:rPr lang="en-US" altLang="ko-KR" sz="1100" dirty="0">
@@ -14492,7 +14604,7 @@
                 <a:latin typeface="Noto Sans" panose="020B0502040504020204" pitchFamily="34" charset="0"/>
                 <a:cs typeface="Noto Sans" panose="020B0502040504020204" pitchFamily="34" charset="0"/>
               </a:rPr>
-              <a:t>동시 등장 행렬</a:t>
+              <a:t>동시발생 행렬</a:t>
             </a:r>
             <a:r>
               <a:rPr lang="en-US" altLang="ko-KR" sz="1100" dirty="0">
@@ -14527,9 +14639,34 @@
             <a:r>
               <a:rPr lang="ko-KR" altLang="en-US" sz="1100" dirty="0">
                 <a:latin typeface="Noto Sans" panose="020B0502040504020204" pitchFamily="34" charset="0"/>
-                <a:cs typeface="Noto Sans" panose="020B0502040504020204" pitchFamily="34" charset="0"/>
-              </a:rPr>
-              <a:t>말뭉치 전체에서 단어의 전역적 분포를 학습하여 의미적 유사성을 반영</a:t>
+                <a:ea typeface="Noto Sans" panose="020B0502040504020204" pitchFamily="34" charset="0"/>
+                <a:cs typeface="Noto Sans" panose="020B0502040504020204" pitchFamily="34" charset="0"/>
+              </a:rPr>
+              <a:t>고차원 행렬을 </a:t>
+            </a:r>
+            <a:r>
+              <a:rPr lang="ko-KR" altLang="en-US" sz="1100" dirty="0" err="1">
+                <a:latin typeface="Noto Sans" panose="020B0502040504020204" pitchFamily="34" charset="0"/>
+                <a:ea typeface="Noto Sans" panose="020B0502040504020204" pitchFamily="34" charset="0"/>
+                <a:cs typeface="Noto Sans" panose="020B0502040504020204" pitchFamily="34" charset="0"/>
+              </a:rPr>
+              <a:t>저차원</a:t>
+            </a:r>
+            <a:r>
+              <a:rPr lang="ko-KR" altLang="en-US" sz="1100" dirty="0">
+                <a:latin typeface="Noto Sans" panose="020B0502040504020204" pitchFamily="34" charset="0"/>
+                <a:ea typeface="Noto Sans" panose="020B0502040504020204" pitchFamily="34" charset="0"/>
+                <a:cs typeface="Noto Sans" panose="020B0502040504020204" pitchFamily="34" charset="0"/>
+              </a:rPr>
+              <a:t> 벡터로 </a:t>
+            </a:r>
+            <a:r>
+              <a:rPr lang="ko-KR" altLang="en-US" sz="1100" dirty="0" err="1">
+                <a:latin typeface="Noto Sans" panose="020B0502040504020204" pitchFamily="34" charset="0"/>
+                <a:ea typeface="Noto Sans" panose="020B0502040504020204" pitchFamily="34" charset="0"/>
+                <a:cs typeface="Noto Sans" panose="020B0502040504020204" pitchFamily="34" charset="0"/>
+              </a:rPr>
+              <a:t>임베딩</a:t>
             </a:r>
             <a:endParaRPr lang="en-US" altLang="ko-KR" sz="1100" dirty="0">
               <a:latin typeface="Noto Sans" panose="020B0502040504020204" pitchFamily="34" charset="0"/>
@@ -15271,16 +15408,9 @@
                 <a:latin typeface="Noto Sans" panose="020B0502040504020204" pitchFamily="34" charset="0"/>
                 <a:cs typeface="Noto Sans" panose="020B0502040504020204" pitchFamily="34" charset="0"/>
               </a:rPr>
-              <a:t> 커져 </a:t>
-            </a:r>
-            <a:r>
-              <a:rPr lang="ko-KR" altLang="en-US" sz="1100" b="1" dirty="0">
-                <a:latin typeface="Noto Sans" panose="020B0502040504020204" pitchFamily="34" charset="0"/>
-                <a:cs typeface="Noto Sans" panose="020B0502040504020204" pitchFamily="34" charset="0"/>
-              </a:rPr>
-              <a:t>병목 발생 </a:t>
-            </a:r>
-            <a:endParaRPr lang="en-US" altLang="ko-KR" sz="1100" b="1" dirty="0">
+              <a:t> 커져 병목 발생 </a:t>
+            </a:r>
+            <a:endParaRPr lang="en-US" altLang="ko-KR" sz="1100" dirty="0">
               <a:latin typeface="Noto Sans" panose="020B0502040504020204" pitchFamily="34" charset="0"/>
               <a:ea typeface="Noto Sans" panose="020B0502040504020204" pitchFamily="34" charset="0"/>
               <a:cs typeface="Noto Sans" panose="020B0502040504020204" pitchFamily="34" charset="0"/>
@@ -15431,34 +15561,34 @@
               <a:t>- </a:t>
             </a:r>
             <a:r>
-              <a:rPr lang="ko-KR" altLang="en-US" sz="1100" dirty="0" err="1">
+              <a:rPr lang="ko-KR" altLang="en-US" sz="1100" b="1" dirty="0" err="1">
                 <a:latin typeface="Noto Sans" panose="020B0502040504020204" pitchFamily="34" charset="0"/>
                 <a:cs typeface="Noto Sans" panose="020B0502040504020204" pitchFamily="34" charset="0"/>
               </a:rPr>
               <a:t>원핫</a:t>
             </a:r>
             <a:r>
-              <a:rPr lang="ko-KR" altLang="en-US" sz="1100" dirty="0">
+              <a:rPr lang="ko-KR" altLang="en-US" sz="1100" b="1" dirty="0">
                 <a:latin typeface="Noto Sans" panose="020B0502040504020204" pitchFamily="34" charset="0"/>
                 <a:cs typeface="Noto Sans" panose="020B0502040504020204" pitchFamily="34" charset="0"/>
               </a:rPr>
               <a:t> 벡터와 가중치의 곱은 </a:t>
             </a:r>
             <a:r>
-              <a:rPr lang="ko-KR" altLang="en-US" sz="1100" dirty="0" err="1">
+              <a:rPr lang="ko-KR" altLang="en-US" sz="1100" b="1" dirty="0" err="1">
                 <a:latin typeface="Noto Sans" panose="020B0502040504020204" pitchFamily="34" charset="0"/>
                 <a:cs typeface="Noto Sans" panose="020B0502040504020204" pitchFamily="34" charset="0"/>
               </a:rPr>
               <a:t>행벡터</a:t>
             </a:r>
             <a:r>
-              <a:rPr lang="ko-KR" altLang="en-US" sz="1100" dirty="0">
+              <a:rPr lang="ko-KR" altLang="en-US" sz="1100" b="1" dirty="0">
                 <a:latin typeface="Noto Sans" panose="020B0502040504020204" pitchFamily="34" charset="0"/>
                 <a:cs typeface="Noto Sans" panose="020B0502040504020204" pitchFamily="34" charset="0"/>
               </a:rPr>
               <a:t> 추출과 동일 </a:t>
             </a:r>
-            <a:endParaRPr lang="en-US" altLang="ko-KR" sz="1100" dirty="0">
+            <a:endParaRPr lang="en-US" altLang="ko-KR" sz="1100" b="1" dirty="0">
               <a:latin typeface="Noto Sans" panose="020B0502040504020204" pitchFamily="34" charset="0"/>
               <a:ea typeface="Noto Sans" panose="020B0502040504020204" pitchFamily="34" charset="0"/>
               <a:cs typeface="Noto Sans" panose="020B0502040504020204" pitchFamily="34" charset="0"/>
@@ -15470,34 +15600,25 @@
               <a:buChar char="-"/>
             </a:pPr>
             <a:r>
-              <a:rPr lang="en-US" altLang="ko-KR" sz="1100" dirty="0">
-                <a:latin typeface="Noto Sans" panose="020B0502040504020204" pitchFamily="34" charset="0"/>
-                <a:ea typeface="Noto Sans" panose="020B0502040504020204" pitchFamily="34" charset="0"/>
-                <a:cs typeface="Noto Sans" panose="020B0502040504020204" pitchFamily="34" charset="0"/>
-              </a:rPr>
-              <a:t>     (</a:t>
-            </a:r>
-            <a:r>
               <a:rPr lang="ko-KR" altLang="en-US" sz="1100" dirty="0">
                 <a:latin typeface="Noto Sans" panose="020B0502040504020204" pitchFamily="34" charset="0"/>
                 <a:cs typeface="Noto Sans" panose="020B0502040504020204" pitchFamily="34" charset="0"/>
               </a:rPr>
-              <a:t>분산 표현 벡터</a:t>
-            </a:r>
-            <a:r>
-              <a:rPr lang="en-US" altLang="ko-KR" sz="1100" dirty="0">
-                <a:latin typeface="Noto Sans" panose="020B0502040504020204" pitchFamily="34" charset="0"/>
-                <a:ea typeface="Noto Sans" panose="020B0502040504020204" pitchFamily="34" charset="0"/>
-                <a:cs typeface="Noto Sans" panose="020B0502040504020204" pitchFamily="34" charset="0"/>
-              </a:rPr>
-              <a:t>)</a:t>
+              <a:t>     </a:t>
+            </a:r>
+            <a:r>
+              <a:rPr lang="ko-KR" altLang="en-US" sz="1100" dirty="0" err="1">
+                <a:latin typeface="Noto Sans" panose="020B0502040504020204" pitchFamily="34" charset="0"/>
+                <a:cs typeface="Noto Sans" panose="020B0502040504020204" pitchFamily="34" charset="0"/>
+              </a:rPr>
+              <a:t>으로부터</a:t>
             </a:r>
             <a:r>
               <a:rPr lang="ko-KR" altLang="en-US" sz="1100" dirty="0">
                 <a:latin typeface="Noto Sans" panose="020B0502040504020204" pitchFamily="34" charset="0"/>
                 <a:cs typeface="Noto Sans" panose="020B0502040504020204" pitchFamily="34" charset="0"/>
               </a:rPr>
-              <a:t>으로부터 인덱스에 해당하는 </a:t>
+              <a:t> 인덱스에 해당하는 </a:t>
             </a:r>
             <a:r>
               <a:rPr lang="ko-KR" altLang="en-US" sz="1100" dirty="0" err="1">
@@ -23017,11 +23138,18 @@
           <a:lstStyle/>
           <a:p>
             <a:r>
+              <a:rPr lang="ko-KR" altLang="en-US" sz="1100" b="1" dirty="0">
+                <a:latin typeface="Noto Sans" panose="020B0502040504020204" pitchFamily="34" charset="0"/>
+                <a:cs typeface="Noto Sans" panose="020B0502040504020204" pitchFamily="34" charset="0"/>
+              </a:rPr>
+              <a:t>분포 가설을 바탕</a:t>
+            </a:r>
+            <a:r>
               <a:rPr lang="ko-KR" altLang="en-US" sz="1100" dirty="0">
                 <a:latin typeface="Noto Sans" panose="020B0502040504020204" pitchFamily="34" charset="0"/>
                 <a:cs typeface="Noto Sans" panose="020B0502040504020204" pitchFamily="34" charset="0"/>
               </a:rPr>
-              <a:t>분포 가설에 기반하여 단어를 특정 차원에서 </a:t>
+              <a:t>으로 단어를 특정 차원의 </a:t>
             </a:r>
             <a:r>
               <a:rPr lang="ko-KR" altLang="en-US" sz="1100" b="1" dirty="0">
@@ -23551,14 +23679,14 @@
                 <a:latin typeface="Noto Sans" panose="020B0502040504020204" pitchFamily="34" charset="0"/>
                 <a:cs typeface="Noto Sans" panose="020B0502040504020204" pitchFamily="34" charset="0"/>
               </a:rPr>
-              <a:t>분포 가설에 기초</a:t>
+              <a:t>분포 가설을 바탕</a:t>
             </a:r>
             <a:r>
               <a:rPr lang="ko-KR" altLang="en-US" sz="1100" dirty="0">
                 <a:latin typeface="Noto Sans" panose="020B0502040504020204" pitchFamily="34" charset="0"/>
                 <a:cs typeface="Noto Sans" panose="020B0502040504020204" pitchFamily="34" charset="0"/>
               </a:rPr>
-              <a:t>하여 특정 단어 근처에 다른 단어들의 등장횟수를 통해 의미를 파악하는 기법</a:t>
+              <a:t>으로 특정 단어 근처에 다른 단어들의 등장횟수를 통해 의미를 파악하는 기법</a:t>
             </a:r>
           </a:p>
         </p:txBody>
@@ -23664,7 +23792,7 @@
                 <a:latin typeface="Noto Sans" panose="020B0502040504020204" pitchFamily="34" charset="0"/>
                 <a:cs typeface="Noto Sans" panose="020B0502040504020204" pitchFamily="34" charset="0"/>
               </a:rPr>
-              <a:t>통계 기반 기법을 슬라이딩 윈도우를 통해 모든 단어에 대해 표현한 것을 행렬화</a:t>
+              <a:t>통계 기반 기법을 슬라이딩 윈도우를 통해 말뭉치에 대해 표현한 것을 행렬화</a:t>
             </a:r>
           </a:p>
         </p:txBody>
@@ -25410,14 +25538,14 @@
               <a:t>- </a:t>
             </a:r>
             <a:r>
-              <a:rPr lang="ko-KR" altLang="en-US" sz="1100" dirty="0">
+              <a:rPr lang="ko-KR" altLang="en-US" sz="1100" b="1" dirty="0">
                 <a:latin typeface="Noto Sans" panose="020B0502040504020204" pitchFamily="34" charset="0"/>
                 <a:cs typeface="Noto Sans" panose="020B0502040504020204" pitchFamily="34" charset="0"/>
               </a:rPr>
               <a:t>임의의 행렬 </a:t>
             </a:r>
             <a:r>
-              <a:rPr lang="en-US" altLang="ko-KR" sz="1100" dirty="0">
+              <a:rPr lang="en-US" altLang="ko-KR" sz="1100" b="1" dirty="0">
                 <a:latin typeface="Noto Sans" panose="020B0502040504020204" pitchFamily="34" charset="0"/>
                 <a:ea typeface="Noto Sans" panose="020B0502040504020204" pitchFamily="34" charset="0"/>
                 <a:cs typeface="Noto Sans" panose="020B0502040504020204" pitchFamily="34" charset="0"/>
@@ -25425,7 +25553,7 @@
               <a:t>X</a:t>
             </a:r>
             <a:r>
-              <a:rPr lang="ko-KR" altLang="en-US" sz="1100" dirty="0">
+              <a:rPr lang="ko-KR" altLang="en-US" sz="1100" b="1" dirty="0">
                 <a:latin typeface="Noto Sans" panose="020B0502040504020204" pitchFamily="34" charset="0"/>
                 <a:cs typeface="Noto Sans" panose="020B0502040504020204" pitchFamily="34" charset="0"/>
               </a:rPr>
@@ -25540,7 +25668,7 @@
         </p:nvSpPr>
         <p:spPr>
           <a:xfrm>
-            <a:off x="5801937" y="4181345"/>
+            <a:off x="741786" y="4081312"/>
             <a:ext cx="1232640" cy="307777"/>
           </a:xfrm>
           <a:prstGeom prst="rect">
@@ -25679,33 +25807,47 @@
               <a:t>- </a:t>
             </a:r>
             <a:r>
+              <a:rPr lang="ko-KR" altLang="en-US" sz="1100" b="1" dirty="0">
+                <a:latin typeface="Noto Sans" panose="020B0502040504020204" pitchFamily="34" charset="0"/>
+                <a:ea typeface="Noto Sans" panose="020B0502040504020204" pitchFamily="34" charset="0"/>
+                <a:cs typeface="Noto Sans" panose="020B0502040504020204" pitchFamily="34" charset="0"/>
+              </a:rPr>
+              <a:t>처음부터 </a:t>
+            </a:r>
+            <a:r>
+              <a:rPr lang="ko-KR" altLang="en-US" sz="1100" b="1" dirty="0">
+                <a:latin typeface="Noto Sans" panose="020B0502040504020204" pitchFamily="34" charset="0"/>
+                <a:cs typeface="Noto Sans" panose="020B0502040504020204" pitchFamily="34" charset="0"/>
+              </a:rPr>
+              <a:t>지정한 몇개의 </a:t>
+            </a:r>
+            <a:r>
+              <a:rPr lang="ko-KR" altLang="en-US" sz="1100" b="1" dirty="0" err="1">
+                <a:latin typeface="Noto Sans" panose="020B0502040504020204" pitchFamily="34" charset="0"/>
+                <a:cs typeface="Noto Sans" panose="020B0502040504020204" pitchFamily="34" charset="0"/>
+              </a:rPr>
+              <a:t>특잇값만</a:t>
+            </a:r>
+            <a:r>
+              <a:rPr lang="ko-KR" altLang="en-US" sz="1100" b="1" dirty="0">
+                <a:latin typeface="Noto Sans" panose="020B0502040504020204" pitchFamily="34" charset="0"/>
+                <a:cs typeface="Noto Sans" panose="020B0502040504020204" pitchFamily="34" charset="0"/>
+              </a:rPr>
+              <a:t> 보존</a:t>
+            </a:r>
+            <a:r>
               <a:rPr lang="ko-KR" altLang="en-US" sz="1100" dirty="0">
                 <a:latin typeface="Noto Sans" panose="020B0502040504020204" pitchFamily="34" charset="0"/>
-                <a:ea typeface="Noto Sans" panose="020B0502040504020204" pitchFamily="34" charset="0"/>
-                <a:cs typeface="Noto Sans" panose="020B0502040504020204" pitchFamily="34" charset="0"/>
-              </a:rPr>
-              <a:t>처음부터 </a:t>
-            </a:r>
-            <a:r>
-              <a:rPr lang="ko-KR" altLang="en-US" sz="1100" dirty="0">
-                <a:latin typeface="Noto Sans" panose="020B0502040504020204" pitchFamily="34" charset="0"/>
-                <a:cs typeface="Noto Sans" panose="020B0502040504020204" pitchFamily="34" charset="0"/>
-              </a:rPr>
-              <a:t>지정한 몇개의 </a:t>
-            </a:r>
-            <a:r>
-              <a:rPr lang="ko-KR" altLang="en-US" sz="1100" dirty="0" err="1">
-                <a:latin typeface="Noto Sans" panose="020B0502040504020204" pitchFamily="34" charset="0"/>
-                <a:cs typeface="Noto Sans" panose="020B0502040504020204" pitchFamily="34" charset="0"/>
-              </a:rPr>
-              <a:t>특잇값만</a:t>
-            </a:r>
-            <a:r>
-              <a:rPr lang="ko-KR" altLang="en-US" sz="1100" dirty="0">
-                <a:latin typeface="Noto Sans" panose="020B0502040504020204" pitchFamily="34" charset="0"/>
-                <a:cs typeface="Noto Sans" panose="020B0502040504020204" pitchFamily="34" charset="0"/>
-              </a:rPr>
-              <a:t> 보존하여 </a:t>
+                <a:cs typeface="Noto Sans" panose="020B0502040504020204" pitchFamily="34" charset="0"/>
+              </a:rPr>
+              <a:t>하여</a:t>
+            </a:r>
+            <a:r>
+              <a:rPr lang="ko-KR" altLang="en-US" sz="1100" b="1" dirty="0">
+                <a:latin typeface="Noto Sans" panose="020B0502040504020204" pitchFamily="34" charset="0"/>
+                <a:cs typeface="Noto Sans" panose="020B0502040504020204" pitchFamily="34" charset="0"/>
+              </a:rPr>
+              <a:t> </a:t>
             </a:r>
             <a:r>
               <a:rPr lang="ko-KR" altLang="en-US" sz="1100" dirty="0" err="1">
@@ -25833,7 +25975,7 @@
         </p:blipFill>
         <p:spPr>
           <a:xfrm>
-            <a:off x="950281" y="3527476"/>
+            <a:off x="830162" y="2965557"/>
             <a:ext cx="1052588" cy="331794"/>
           </a:xfrm>
           <a:prstGeom prst="rect">
@@ -25863,8 +26005,8 @@
         </p:blipFill>
         <p:spPr>
           <a:xfrm>
-            <a:off x="2316243" y="3051061"/>
-            <a:ext cx="4102014" cy="1394493"/>
+            <a:off x="4164927" y="2986751"/>
+            <a:ext cx="3404945" cy="1157522"/>
           </a:xfrm>
           <a:prstGeom prst="rect">
             <a:avLst/>
@@ -25975,6 +26117,100 @@
           <a:prstGeom prst="rightArrow">
             <a:avLst/>
           </a:prstGeom>
+          <a:solidFill>
+            <a:srgbClr val="FF0000"/>
+          </a:solidFill>
+          <a:ln>
+            <a:solidFill>
+              <a:srgbClr val="FF0000"/>
+            </a:solidFill>
+          </a:ln>
+        </p:spPr>
+        <p:style>
+          <a:lnRef idx="2">
+            <a:schemeClr val="accent1">
+              <a:shade val="50000"/>
+            </a:schemeClr>
+          </a:lnRef>
+          <a:fillRef idx="1">
+            <a:schemeClr val="accent1"/>
+          </a:fillRef>
+          <a:effectRef idx="0">
+            <a:schemeClr val="accent1"/>
+          </a:effectRef>
+          <a:fontRef idx="minor">
+            <a:schemeClr val="lt1"/>
+          </a:fontRef>
+        </p:style>
+        <p:txBody>
+          <a:bodyPr rtlCol="0" anchor="ctr"/>
+          <a:lstStyle/>
+          <a:p>
+            <a:pPr algn="ctr"/>
+            <a:endParaRPr lang="ko-KR" altLang="en-US" dirty="0">
+              <a:latin typeface="Noto Sans" panose="020B0502040504020204" pitchFamily="34" charset="0"/>
+            </a:endParaRPr>
+          </a:p>
+        </p:txBody>
+      </p:sp>
+      <p:pic>
+        <p:nvPicPr>
+          <p:cNvPr id="19" name="그림 18">
+            <a:extLst>
+              <a:ext uri="{FF2B5EF4-FFF2-40B4-BE49-F238E27FC236}">
+                <a16:creationId xmlns:a16="http://schemas.microsoft.com/office/drawing/2014/main" id="{5348D34B-2898-407E-ACAF-FC516CF2FDA2}"/>
+              </a:ext>
+            </a:extLst>
+          </p:cNvPr>
+          <p:cNvPicPr>
+            <a:picLocks noChangeAspect="1"/>
+          </p:cNvPicPr>
+          <p:nvPr/>
+        </p:nvPicPr>
+        <p:blipFill>
+          <a:blip r:embed="rId7"/>
+          <a:stretch>
+            <a:fillRect/>
+          </a:stretch>
+        </p:blipFill>
+        <p:spPr>
+          <a:xfrm>
+            <a:off x="830162" y="3304926"/>
+            <a:ext cx="2558521" cy="802390"/>
+          </a:xfrm>
+          <a:prstGeom prst="rect">
+            <a:avLst/>
+          </a:prstGeom>
+        </p:spPr>
+      </p:pic>
+      <p:sp>
+        <p:nvSpPr>
+          <p:cNvPr id="20" name="화살표: 오른쪽 19">
+            <a:extLst>
+              <a:ext uri="{FF2B5EF4-FFF2-40B4-BE49-F238E27FC236}">
+                <a16:creationId xmlns:a16="http://schemas.microsoft.com/office/drawing/2014/main" id="{8ABFD556-A4EB-4D2C-A12E-7B1165914C24}"/>
+              </a:ext>
+            </a:extLst>
+          </p:cNvPr>
+          <p:cNvSpPr/>
+          <p:nvPr/>
+        </p:nvSpPr>
+        <p:spPr>
+          <a:xfrm>
+            <a:off x="3755704" y="3626368"/>
+            <a:ext cx="577427" cy="155993"/>
+          </a:xfrm>
+          <a:prstGeom prst="rightArrow">
+            <a:avLst/>
+          </a:prstGeom>
+          <a:solidFill>
+            <a:srgbClr val="FF0000"/>
+          </a:solidFill>
+          <a:ln>
+            <a:solidFill>
+              <a:srgbClr val="FF0000"/>
+            </a:solidFill>
+          </a:ln>
         </p:spPr>
         <p:style>
           <a:lnRef idx="2">

--- a/study/발표자료/20250220_밑딥2_이승건_chap2345발표자료_NotoSans.pptx
+++ b/study/발표자료/20250220_밑딥2_이승건_chap2345발표자료_NotoSans.pptx
@@ -10936,6 +10936,60 @@
       </p:grpSpPr>
       <p:sp>
         <p:nvSpPr>
+          <p:cNvPr id="9" name="직사각형 8">
+            <a:extLst>
+              <a:ext uri="{FF2B5EF4-FFF2-40B4-BE49-F238E27FC236}">
+                <a16:creationId xmlns:a16="http://schemas.microsoft.com/office/drawing/2014/main" id="{D6CBD0E7-E998-4C50-8C0F-5B6EBEE23AE8}"/>
+              </a:ext>
+            </a:extLst>
+          </p:cNvPr>
+          <p:cNvSpPr/>
+          <p:nvPr/>
+        </p:nvSpPr>
+        <p:spPr>
+          <a:xfrm>
+            <a:off x="1" y="1"/>
+            <a:ext cx="2436918" cy="5143500"/>
+          </a:xfrm>
+          <a:prstGeom prst="rect">
+            <a:avLst/>
+          </a:prstGeom>
+          <a:solidFill>
+            <a:schemeClr val="accent1">
+              <a:lumMod val="20000"/>
+              <a:lumOff val="80000"/>
+            </a:schemeClr>
+          </a:solidFill>
+        </p:spPr>
+        <p:style>
+          <a:lnRef idx="2">
+            <a:schemeClr val="accent1">
+              <a:shade val="50000"/>
+            </a:schemeClr>
+          </a:lnRef>
+          <a:fillRef idx="1">
+            <a:schemeClr val="accent1"/>
+          </a:fillRef>
+          <a:effectRef idx="0">
+            <a:schemeClr val="accent1"/>
+          </a:effectRef>
+          <a:fontRef idx="minor">
+            <a:schemeClr val="lt1"/>
+          </a:fontRef>
+        </p:style>
+        <p:txBody>
+          <a:bodyPr rtlCol="0" anchor="ctr"/>
+          <a:lstStyle/>
+          <a:p>
+            <a:pPr algn="ctr"/>
+            <a:endParaRPr lang="ko-KR" altLang="en-US" dirty="0">
+              <a:latin typeface="Noto Sans" panose="020B0502040504020204" pitchFamily="34" charset="0"/>
+            </a:endParaRPr>
+          </a:p>
+        </p:txBody>
+      </p:sp>
+      <p:sp>
+        <p:nvSpPr>
           <p:cNvPr id="6" name="TextBox 5">
             <a:extLst>
               <a:ext uri="{FF2B5EF4-FFF2-40B4-BE49-F238E27FC236}">
@@ -13540,6 +13594,36 @@
           </a:p>
         </p:txBody>
       </p:sp>
+      <p:pic>
+        <p:nvPicPr>
+          <p:cNvPr id="3" name="그림 2">
+            <a:extLst>
+              <a:ext uri="{FF2B5EF4-FFF2-40B4-BE49-F238E27FC236}">
+                <a16:creationId xmlns:a16="http://schemas.microsoft.com/office/drawing/2014/main" id="{904FD0C8-90CF-49EA-A091-38C73D9BDDCC}"/>
+              </a:ext>
+            </a:extLst>
+          </p:cNvPr>
+          <p:cNvPicPr>
+            <a:picLocks noChangeAspect="1"/>
+          </p:cNvPicPr>
+          <p:nvPr/>
+        </p:nvPicPr>
+        <p:blipFill>
+          <a:blip r:embed="rId6"/>
+          <a:stretch>
+            <a:fillRect/>
+          </a:stretch>
+        </p:blipFill>
+        <p:spPr>
+          <a:xfrm>
+            <a:off x="5189465" y="3923799"/>
+            <a:ext cx="764295" cy="701648"/>
+          </a:xfrm>
+          <a:prstGeom prst="rect">
+            <a:avLst/>
+          </a:prstGeom>
+        </p:spPr>
+      </p:pic>
     </p:spTree>
     <p:extLst>
       <p:ext uri="{BB962C8B-B14F-4D97-AF65-F5344CB8AC3E}">
@@ -14871,8 +14955,8 @@
         </p:nvSpPr>
         <p:spPr>
           <a:xfrm>
-            <a:off x="-975149" y="-76458"/>
-            <a:ext cx="3412067" cy="5562600"/>
+            <a:off x="1" y="1"/>
+            <a:ext cx="2436918" cy="5143500"/>
           </a:xfrm>
           <a:prstGeom prst="rect">
             <a:avLst/>
@@ -16439,7 +16523,7 @@
         </p:blipFill>
         <p:spPr>
           <a:xfrm>
-            <a:off x="6586716" y="1122860"/>
+            <a:off x="2425534" y="1787675"/>
             <a:ext cx="1367942" cy="600164"/>
           </a:xfrm>
           <a:prstGeom prst="rect">
@@ -16657,8 +16741,8 @@
         </p:blipFill>
         <p:spPr>
           <a:xfrm>
-            <a:off x="4980761" y="2160599"/>
-            <a:ext cx="3093953" cy="2679700"/>
+            <a:off x="5091983" y="2809587"/>
+            <a:ext cx="2363027" cy="2046639"/>
           </a:xfrm>
           <a:prstGeom prst="rect">
             <a:avLst/>
@@ -16679,7 +16763,7 @@
         </p:nvSpPr>
         <p:spPr>
           <a:xfrm>
-            <a:off x="6318250" y="1615302"/>
+            <a:off x="2425534" y="2241085"/>
             <a:ext cx="2143753" cy="338554"/>
           </a:xfrm>
           <a:prstGeom prst="rect">
@@ -16734,6 +16818,36 @@
           </a:p>
         </p:txBody>
       </p:sp>
+      <p:pic>
+        <p:nvPicPr>
+          <p:cNvPr id="13" name="그림 12">
+            <a:extLst>
+              <a:ext uri="{FF2B5EF4-FFF2-40B4-BE49-F238E27FC236}">
+                <a16:creationId xmlns:a16="http://schemas.microsoft.com/office/drawing/2014/main" id="{4885C375-2B10-48A4-AED2-B1052F337F53}"/>
+              </a:ext>
+            </a:extLst>
+          </p:cNvPr>
+          <p:cNvPicPr>
+            <a:picLocks noChangeAspect="1"/>
+          </p:cNvPicPr>
+          <p:nvPr/>
+        </p:nvPicPr>
+        <p:blipFill>
+          <a:blip r:embed="rId7"/>
+          <a:stretch>
+            <a:fillRect/>
+          </a:stretch>
+        </p:blipFill>
+        <p:spPr>
+          <a:xfrm>
+            <a:off x="5091983" y="525016"/>
+            <a:ext cx="2687580" cy="2054623"/>
+          </a:xfrm>
+          <a:prstGeom prst="rect">
+            <a:avLst/>
+          </a:prstGeom>
+        </p:spPr>
+      </p:pic>
     </p:spTree>
     <p:extLst>
       <p:ext uri="{BB962C8B-B14F-4D97-AF65-F5344CB8AC3E}">
@@ -17283,10 +17397,10 @@
       </p:grpSpPr>
       <p:sp>
         <p:nvSpPr>
-          <p:cNvPr id="6" name="직사각형 5">
+          <p:cNvPr id="7" name="직사각형 6">
             <a:extLst>
               <a:ext uri="{FF2B5EF4-FFF2-40B4-BE49-F238E27FC236}">
-                <a16:creationId xmlns:a16="http://schemas.microsoft.com/office/drawing/2014/main" id="{723C9EB4-827A-4A57-8E70-CB9594FABBCE}"/>
+                <a16:creationId xmlns:a16="http://schemas.microsoft.com/office/drawing/2014/main" id="{FD57856A-DAF5-4810-A29F-BF8DF3B01ACC}"/>
               </a:ext>
             </a:extLst>
           </p:cNvPr>
@@ -17295,8 +17409,8 @@
         </p:nvSpPr>
         <p:spPr>
           <a:xfrm>
-            <a:off x="-975149" y="-76458"/>
-            <a:ext cx="3412067" cy="5562600"/>
+            <a:off x="1" y="1"/>
+            <a:ext cx="2436918" cy="5143500"/>
           </a:xfrm>
           <a:prstGeom prst="rect">
             <a:avLst/>
@@ -17331,7 +17445,6 @@
             <a:pPr algn="ctr"/>
             <a:endParaRPr lang="ko-KR" altLang="en-US" dirty="0">
               <a:latin typeface="Noto Sans" panose="020B0502040504020204" pitchFamily="34" charset="0"/>
-              <a:cs typeface="Noto Sans" panose="020B0502040504020204" pitchFamily="34" charset="0"/>
             </a:endParaRPr>
           </a:p>
         </p:txBody>
@@ -18296,10 +18409,10 @@
       </p:grpSpPr>
       <p:sp>
         <p:nvSpPr>
-          <p:cNvPr id="6" name="직사각형 5">
+          <p:cNvPr id="7" name="직사각형 6">
             <a:extLst>
               <a:ext uri="{FF2B5EF4-FFF2-40B4-BE49-F238E27FC236}">
-                <a16:creationId xmlns:a16="http://schemas.microsoft.com/office/drawing/2014/main" id="{723C9EB4-827A-4A57-8E70-CB9594FABBCE}"/>
+                <a16:creationId xmlns:a16="http://schemas.microsoft.com/office/drawing/2014/main" id="{46635501-6259-419A-8697-FFBA233016E4}"/>
               </a:ext>
             </a:extLst>
           </p:cNvPr>
@@ -18308,8 +18421,8 @@
         </p:nvSpPr>
         <p:spPr>
           <a:xfrm>
-            <a:off x="-975149" y="-76458"/>
-            <a:ext cx="3412067" cy="5562600"/>
+            <a:off x="1" y="1"/>
+            <a:ext cx="2436918" cy="5143500"/>
           </a:xfrm>
           <a:prstGeom prst="rect">
             <a:avLst/>
@@ -20962,205 +21075,8 @@
                 <a:latin typeface="Noto Sans" panose="020B0502040504020204" pitchFamily="34" charset="0"/>
                 <a:cs typeface="Noto Sans" panose="020B0502040504020204" pitchFamily="34" charset="0"/>
               </a:rPr>
-              <a:t>언어 모델 평가</a:t>
-            </a:r>
-          </a:p>
-        </p:txBody>
-      </p:sp>
-      <p:sp>
-        <p:nvSpPr>
-          <p:cNvPr id="2" name="TextBox 1">
-            <a:extLst>
-              <a:ext uri="{FF2B5EF4-FFF2-40B4-BE49-F238E27FC236}">
-                <a16:creationId xmlns:a16="http://schemas.microsoft.com/office/drawing/2014/main" id="{FF8E3528-4754-4915-15F0-5C59CB1EBE31}"/>
-              </a:ext>
-            </a:extLst>
-          </p:cNvPr>
-          <p:cNvSpPr txBox="1"/>
-          <p:nvPr/>
-        </p:nvSpPr>
-        <p:spPr>
-          <a:xfrm>
-            <a:off x="400535" y="1963160"/>
-            <a:ext cx="3396625" cy="338554"/>
-          </a:xfrm>
-          <a:prstGeom prst="rect">
-            <a:avLst/>
-          </a:prstGeom>
-          <a:noFill/>
-        </p:spPr>
-        <p:txBody>
-          <a:bodyPr wrap="square" rtlCol="0">
-            <a:spAutoFit/>
-          </a:bodyPr>
-          <a:lstStyle/>
-          <a:p>
-            <a:r>
-              <a:rPr lang="ko-KR" altLang="en-US" sz="1600" b="1" dirty="0" err="1">
-                <a:latin typeface="Noto Sans" panose="020B0502040504020204" pitchFamily="34" charset="0"/>
-                <a:cs typeface="Noto Sans" panose="020B0502040504020204" pitchFamily="34" charset="0"/>
-              </a:rPr>
-              <a:t>퍼플렉서티</a:t>
-            </a:r>
-            <a:r>
-              <a:rPr lang="en-US" altLang="ko-KR" sz="1600" b="1" dirty="0">
-                <a:latin typeface="Noto Sans" panose="020B0502040504020204" pitchFamily="34" charset="0"/>
-                <a:ea typeface="Noto Sans" panose="020B0502040504020204" pitchFamily="34" charset="0"/>
-                <a:cs typeface="Noto Sans" panose="020B0502040504020204" pitchFamily="34" charset="0"/>
-              </a:rPr>
-              <a:t>(perplexity)</a:t>
-            </a:r>
-            <a:endParaRPr lang="ko-KR" altLang="en-US" sz="1600" b="1" dirty="0">
-              <a:latin typeface="Noto Sans" panose="020B0502040504020204" pitchFamily="34" charset="0"/>
-              <a:cs typeface="Noto Sans" panose="020B0502040504020204" pitchFamily="34" charset="0"/>
-            </a:endParaRPr>
-          </a:p>
-        </p:txBody>
-      </p:sp>
-      <p:sp>
-        <p:nvSpPr>
-          <p:cNvPr id="3" name="TextBox 2">
-            <a:extLst>
-              <a:ext uri="{FF2B5EF4-FFF2-40B4-BE49-F238E27FC236}">
-                <a16:creationId xmlns:a16="http://schemas.microsoft.com/office/drawing/2014/main" id="{70E34A77-AB38-B692-3603-5FA590349B38}"/>
-              </a:ext>
-            </a:extLst>
-          </p:cNvPr>
-          <p:cNvSpPr txBox="1"/>
-          <p:nvPr/>
-        </p:nvSpPr>
-        <p:spPr>
-          <a:xfrm>
-            <a:off x="400535" y="2361943"/>
-            <a:ext cx="3642489" cy="600164"/>
-          </a:xfrm>
-          <a:prstGeom prst="rect">
-            <a:avLst/>
-          </a:prstGeom>
-          <a:noFill/>
-        </p:spPr>
-        <p:txBody>
-          <a:bodyPr wrap="square" rtlCol="0">
-            <a:spAutoFit/>
-          </a:bodyPr>
-          <a:lstStyle/>
-          <a:p>
-            <a:r>
-              <a:rPr lang="en-US" altLang="ko-KR" sz="1100" dirty="0">
-                <a:latin typeface="Noto Sans" panose="020B0502040504020204" pitchFamily="34" charset="0"/>
-                <a:ea typeface="Noto Sans" panose="020B0502040504020204" pitchFamily="34" charset="0"/>
-                <a:cs typeface="Noto Sans" panose="020B0502040504020204" pitchFamily="34" charset="0"/>
-              </a:rPr>
-              <a:t>- </a:t>
-            </a:r>
-            <a:r>
-              <a:rPr lang="ko-KR" altLang="en-US" sz="1100" dirty="0">
-                <a:latin typeface="Noto Sans" panose="020B0502040504020204" pitchFamily="34" charset="0"/>
-                <a:cs typeface="Noto Sans" panose="020B0502040504020204" pitchFamily="34" charset="0"/>
-              </a:rPr>
-              <a:t>언어 모델의 예측 성능을 평가하는 척도로 자주 이용</a:t>
-            </a:r>
-            <a:endParaRPr lang="en-US" altLang="ko-KR" sz="1100" dirty="0">
-              <a:latin typeface="Noto Sans" panose="020B0502040504020204" pitchFamily="34" charset="0"/>
-              <a:ea typeface="Noto Sans" panose="020B0502040504020204" pitchFamily="34" charset="0"/>
-              <a:cs typeface="Noto Sans" panose="020B0502040504020204" pitchFamily="34" charset="0"/>
-            </a:endParaRPr>
-          </a:p>
-          <a:p>
-            <a:r>
-              <a:rPr lang="en-US" altLang="ko-KR" sz="1100" dirty="0">
-                <a:latin typeface="Noto Sans" panose="020B0502040504020204" pitchFamily="34" charset="0"/>
-                <a:ea typeface="Noto Sans" panose="020B0502040504020204" pitchFamily="34" charset="0"/>
-                <a:cs typeface="Noto Sans" panose="020B0502040504020204" pitchFamily="34" charset="0"/>
-              </a:rPr>
-              <a:t>- </a:t>
-            </a:r>
-            <a:r>
-              <a:rPr lang="ko-KR" altLang="en-US" sz="1100" dirty="0">
-                <a:latin typeface="Noto Sans" panose="020B0502040504020204" pitchFamily="34" charset="0"/>
-                <a:cs typeface="Noto Sans" panose="020B0502040504020204" pitchFamily="34" charset="0"/>
-              </a:rPr>
-              <a:t>확률의 역수를 취한 값</a:t>
-            </a:r>
-            <a:endParaRPr lang="en-US" altLang="ko-KR" sz="1100" dirty="0">
-              <a:latin typeface="Noto Sans" panose="020B0502040504020204" pitchFamily="34" charset="0"/>
-              <a:ea typeface="Noto Sans" panose="020B0502040504020204" pitchFamily="34" charset="0"/>
-              <a:cs typeface="Noto Sans" panose="020B0502040504020204" pitchFamily="34" charset="0"/>
-            </a:endParaRPr>
-          </a:p>
-          <a:p>
-            <a:r>
-              <a:rPr lang="en-US" altLang="ko-KR" sz="1100" dirty="0">
-                <a:latin typeface="Noto Sans" panose="020B0502040504020204" pitchFamily="34" charset="0"/>
-                <a:ea typeface="Noto Sans" panose="020B0502040504020204" pitchFamily="34" charset="0"/>
-                <a:cs typeface="Noto Sans" panose="020B0502040504020204" pitchFamily="34" charset="0"/>
-              </a:rPr>
-              <a:t>- </a:t>
-            </a:r>
-            <a:r>
-              <a:rPr lang="ko-KR" altLang="en-US" sz="1100" dirty="0" err="1">
-                <a:latin typeface="Noto Sans" panose="020B0502040504020204" pitchFamily="34" charset="0"/>
-                <a:cs typeface="Noto Sans" panose="020B0502040504020204" pitchFamily="34" charset="0"/>
-              </a:rPr>
-              <a:t>퍼플렉서티는</a:t>
-            </a:r>
-            <a:r>
-              <a:rPr lang="ko-KR" altLang="en-US" sz="1100" dirty="0">
-                <a:latin typeface="Noto Sans" panose="020B0502040504020204" pitchFamily="34" charset="0"/>
-                <a:cs typeface="Noto Sans" panose="020B0502040504020204" pitchFamily="34" charset="0"/>
-              </a:rPr>
-              <a:t> 분기 수</a:t>
-            </a:r>
-            <a:r>
-              <a:rPr lang="en-US" altLang="ko-KR" sz="1100" dirty="0">
-                <a:latin typeface="Noto Sans" panose="020B0502040504020204" pitchFamily="34" charset="0"/>
-                <a:ea typeface="Noto Sans" panose="020B0502040504020204" pitchFamily="34" charset="0"/>
-                <a:cs typeface="Noto Sans" panose="020B0502040504020204" pitchFamily="34" charset="0"/>
-              </a:rPr>
-              <a:t>(</a:t>
-            </a:r>
-            <a:r>
-              <a:rPr lang="ko-KR" altLang="en-US" sz="1100" dirty="0">
-                <a:latin typeface="Noto Sans" panose="020B0502040504020204" pitchFamily="34" charset="0"/>
-                <a:cs typeface="Noto Sans" panose="020B0502040504020204" pitchFamily="34" charset="0"/>
-              </a:rPr>
-              <a:t>단어의 후보 개수</a:t>
-            </a:r>
-            <a:r>
-              <a:rPr lang="en-US" altLang="ko-KR" sz="1100" dirty="0">
-                <a:latin typeface="Noto Sans" panose="020B0502040504020204" pitchFamily="34" charset="0"/>
-                <a:ea typeface="Noto Sans" panose="020B0502040504020204" pitchFamily="34" charset="0"/>
-                <a:cs typeface="Noto Sans" panose="020B0502040504020204" pitchFamily="34" charset="0"/>
-              </a:rPr>
-              <a:t>)</a:t>
-            </a:r>
-            <a:r>
-              <a:rPr lang="ko-KR" altLang="en-US" sz="1100" dirty="0">
-                <a:latin typeface="Noto Sans" panose="020B0502040504020204" pitchFamily="34" charset="0"/>
-                <a:cs typeface="Noto Sans" panose="020B0502040504020204" pitchFamily="34" charset="0"/>
-              </a:rPr>
-              <a:t>를</a:t>
-            </a:r>
-            <a:r>
-              <a:rPr lang="en-US" altLang="ko-KR" sz="1100" dirty="0">
-                <a:latin typeface="Noto Sans" panose="020B0502040504020204" pitchFamily="34" charset="0"/>
-                <a:ea typeface="Noto Sans" panose="020B0502040504020204" pitchFamily="34" charset="0"/>
-                <a:cs typeface="Noto Sans" panose="020B0502040504020204" pitchFamily="34" charset="0"/>
-              </a:rPr>
-              <a:t> </a:t>
-            </a:r>
-            <a:r>
-              <a:rPr lang="ko-KR" altLang="en-US" sz="1100" dirty="0">
-                <a:latin typeface="Noto Sans" panose="020B0502040504020204" pitchFamily="34" charset="0"/>
-                <a:cs typeface="Noto Sans" panose="020B0502040504020204" pitchFamily="34" charset="0"/>
-              </a:rPr>
-              <a:t>의미</a:t>
-            </a:r>
-            <a:endParaRPr lang="en-US" altLang="ko-KR" sz="1100" dirty="0">
-              <a:latin typeface="Noto Sans" panose="020B0502040504020204" pitchFamily="34" charset="0"/>
-              <a:ea typeface="Noto Sans" panose="020B0502040504020204" pitchFamily="34" charset="0"/>
-              <a:cs typeface="Noto Sans" panose="020B0502040504020204" pitchFamily="34" charset="0"/>
-            </a:endParaRPr>
+              <a:t>언어 모델 평가 </a:t>
+            </a:r>
           </a:p>
         </p:txBody>
       </p:sp>
@@ -21186,94 +21102,14 @@
         </p:blipFill>
         <p:spPr>
           <a:xfrm>
-            <a:off x="4169568" y="1500593"/>
-            <a:ext cx="4064794" cy="728160"/>
+            <a:off x="1510771" y="3063953"/>
+            <a:ext cx="6122457" cy="1096766"/>
           </a:xfrm>
           <a:prstGeom prst="rect">
             <a:avLst/>
           </a:prstGeom>
         </p:spPr>
       </p:pic>
-      <p:sp>
-        <p:nvSpPr>
-          <p:cNvPr id="8" name="TextBox 7">
-            <a:extLst>
-              <a:ext uri="{FF2B5EF4-FFF2-40B4-BE49-F238E27FC236}">
-                <a16:creationId xmlns:a16="http://schemas.microsoft.com/office/drawing/2014/main" id="{0D9B87EE-A1C1-7227-77DE-B7AE4A97BC2C}"/>
-              </a:ext>
-            </a:extLst>
-          </p:cNvPr>
-          <p:cNvSpPr txBox="1"/>
-          <p:nvPr/>
-        </p:nvSpPr>
-        <p:spPr>
-          <a:xfrm>
-            <a:off x="4858685" y="1315927"/>
-            <a:ext cx="335757" cy="184666"/>
-          </a:xfrm>
-          <a:prstGeom prst="rect">
-            <a:avLst/>
-          </a:prstGeom>
-          <a:noFill/>
-        </p:spPr>
-        <p:txBody>
-          <a:bodyPr wrap="square" rtlCol="0">
-            <a:spAutoFit/>
-          </a:bodyPr>
-          <a:lstStyle/>
-          <a:p>
-            <a:r>
-              <a:rPr lang="ko-KR" altLang="en-US" sz="600" b="1" dirty="0">
-                <a:latin typeface="Noto Sans" panose="020B0502040504020204" pitchFamily="34" charset="0"/>
-                <a:cs typeface="Noto Sans" panose="020B0502040504020204" pitchFamily="34" charset="0"/>
-              </a:rPr>
-              <a:t>확률</a:t>
-            </a:r>
-          </a:p>
-        </p:txBody>
-      </p:sp>
-      <p:sp>
-        <p:nvSpPr>
-          <p:cNvPr id="9" name="TextBox 8">
-            <a:extLst>
-              <a:ext uri="{FF2B5EF4-FFF2-40B4-BE49-F238E27FC236}">
-                <a16:creationId xmlns:a16="http://schemas.microsoft.com/office/drawing/2014/main" id="{97979EF9-2712-B608-1A0A-5BA8E489DE20}"/>
-              </a:ext>
-            </a:extLst>
-          </p:cNvPr>
-          <p:cNvSpPr txBox="1"/>
-          <p:nvPr/>
-        </p:nvSpPr>
-        <p:spPr>
-          <a:xfrm>
-            <a:off x="7068742" y="1315927"/>
-            <a:ext cx="579833" cy="184666"/>
-          </a:xfrm>
-          <a:prstGeom prst="rect">
-            <a:avLst/>
-          </a:prstGeom>
-          <a:noFill/>
-        </p:spPr>
-        <p:txBody>
-          <a:bodyPr wrap="square" rtlCol="0">
-            <a:spAutoFit/>
-          </a:bodyPr>
-          <a:lstStyle/>
-          <a:p>
-            <a:r>
-              <a:rPr lang="ko-KR" altLang="en-US" sz="600" b="1" dirty="0" err="1">
-                <a:latin typeface="Noto Sans" panose="020B0502040504020204" pitchFamily="34" charset="0"/>
-                <a:cs typeface="Noto Sans" panose="020B0502040504020204" pitchFamily="34" charset="0"/>
-              </a:rPr>
-              <a:t>퍼플렉서티</a:t>
-            </a:r>
-            <a:endParaRPr lang="ko-KR" altLang="en-US" sz="600" b="1" dirty="0">
-              <a:latin typeface="Noto Sans" panose="020B0502040504020204" pitchFamily="34" charset="0"/>
-              <a:cs typeface="Noto Sans" panose="020B0502040504020204" pitchFamily="34" charset="0"/>
-            </a:endParaRPr>
-          </a:p>
-        </p:txBody>
-      </p:sp>
       <p:pic>
         <p:nvPicPr>
           <p:cNvPr id="11" name="그림 10">
@@ -21296,8 +21132,8 @@
         </p:blipFill>
         <p:spPr>
           <a:xfrm>
-            <a:off x="5100978" y="2571750"/>
-            <a:ext cx="2276942" cy="668233"/>
+            <a:off x="4100744" y="1731349"/>
+            <a:ext cx="1893933" cy="555828"/>
           </a:xfrm>
           <a:prstGeom prst="rect">
             <a:avLst/>
@@ -21326,14 +21162,277 @@
         </p:blipFill>
         <p:spPr>
           <a:xfrm>
-            <a:off x="5424763" y="3239983"/>
-            <a:ext cx="1765391" cy="419122"/>
+            <a:off x="4258394" y="2412723"/>
+            <a:ext cx="1578633" cy="374784"/>
           </a:xfrm>
           <a:prstGeom prst="rect">
             <a:avLst/>
           </a:prstGeom>
         </p:spPr>
       </p:pic>
+      <p:sp>
+        <p:nvSpPr>
+          <p:cNvPr id="7" name="TextBox 6">
+            <a:extLst>
+              <a:ext uri="{FF2B5EF4-FFF2-40B4-BE49-F238E27FC236}">
+                <a16:creationId xmlns:a16="http://schemas.microsoft.com/office/drawing/2014/main" id="{B39F6644-5490-4336-BC64-686734351D5C}"/>
+              </a:ext>
+            </a:extLst>
+          </p:cNvPr>
+          <p:cNvSpPr txBox="1"/>
+          <p:nvPr/>
+        </p:nvSpPr>
+        <p:spPr>
+          <a:xfrm>
+            <a:off x="1421433" y="4143328"/>
+            <a:ext cx="3913048" cy="430887"/>
+          </a:xfrm>
+          <a:prstGeom prst="rect">
+            <a:avLst/>
+          </a:prstGeom>
+          <a:noFill/>
+        </p:spPr>
+        <p:txBody>
+          <a:bodyPr wrap="square" rtlCol="0">
+            <a:spAutoFit/>
+          </a:bodyPr>
+          <a:lstStyle/>
+          <a:p>
+            <a:r>
+              <a:rPr lang="ko-KR" altLang="en-US" sz="1100" dirty="0"/>
+              <a:t>모델 </a:t>
+            </a:r>
+            <a:r>
+              <a:rPr lang="en-US" altLang="ko-KR" sz="1100" dirty="0"/>
+              <a:t>1 </a:t>
+            </a:r>
+            <a:r>
+              <a:rPr lang="ko-KR" altLang="en-US" sz="1100" dirty="0" err="1"/>
+              <a:t>퍼플렉서티</a:t>
+            </a:r>
+            <a:r>
+              <a:rPr lang="en-US" altLang="ko-KR" sz="1100" dirty="0"/>
+              <a:t>: 1 / 0.8 = 1.25</a:t>
+            </a:r>
+          </a:p>
+          <a:p>
+            <a:r>
+              <a:rPr lang="ko-KR" altLang="en-US" sz="1100" dirty="0"/>
+              <a:t>모델 </a:t>
+            </a:r>
+            <a:r>
+              <a:rPr lang="en-US" altLang="ko-KR" sz="1100" dirty="0"/>
+              <a:t>2 </a:t>
+            </a:r>
+            <a:r>
+              <a:rPr lang="ko-KR" altLang="en-US" sz="1100" dirty="0" err="1"/>
+              <a:t>퍼플렉서티</a:t>
+            </a:r>
+            <a:r>
+              <a:rPr lang="en-US" altLang="ko-KR" sz="1100" dirty="0"/>
+              <a:t>: 1 / 0.2 = 5.0</a:t>
+            </a:r>
+            <a:endParaRPr lang="ko-KR" altLang="en-US" sz="1100" dirty="0"/>
+          </a:p>
+        </p:txBody>
+      </p:sp>
+      <p:sp>
+        <p:nvSpPr>
+          <p:cNvPr id="16" name="TextBox 15">
+            <a:extLst>
+              <a:ext uri="{FF2B5EF4-FFF2-40B4-BE49-F238E27FC236}">
+                <a16:creationId xmlns:a16="http://schemas.microsoft.com/office/drawing/2014/main" id="{72F671C6-CE27-4D86-99FC-812BA73B3D0F}"/>
+              </a:ext>
+            </a:extLst>
+          </p:cNvPr>
+          <p:cNvSpPr txBox="1"/>
+          <p:nvPr/>
+        </p:nvSpPr>
+        <p:spPr>
+          <a:xfrm>
+            <a:off x="659433" y="1673627"/>
+            <a:ext cx="3190323" cy="338554"/>
+          </a:xfrm>
+          <a:prstGeom prst="rect">
+            <a:avLst/>
+          </a:prstGeom>
+          <a:noFill/>
+        </p:spPr>
+        <p:txBody>
+          <a:bodyPr wrap="square" rtlCol="0">
+            <a:spAutoFit/>
+          </a:bodyPr>
+          <a:lstStyle/>
+          <a:p>
+            <a:r>
+              <a:rPr lang="ko-KR" altLang="en-US" sz="1600" b="1" dirty="0" err="1">
+                <a:latin typeface="Noto Sans" panose="020B0502040504020204" pitchFamily="34" charset="0"/>
+                <a:cs typeface="Noto Sans" panose="020B0502040504020204" pitchFamily="34" charset="0"/>
+              </a:rPr>
+              <a:t>퍼플렉서티</a:t>
+            </a:r>
+            <a:r>
+              <a:rPr lang="en-US" altLang="ko-KR" sz="1600" b="1" dirty="0">
+                <a:latin typeface="Noto Sans" panose="020B0502040504020204" pitchFamily="34" charset="0"/>
+                <a:ea typeface="Noto Sans" panose="020B0502040504020204" pitchFamily="34" charset="0"/>
+                <a:cs typeface="Noto Sans" panose="020B0502040504020204" pitchFamily="34" charset="0"/>
+              </a:rPr>
+              <a:t>(perplexity)</a:t>
+            </a:r>
+            <a:endParaRPr lang="ko-KR" altLang="en-US" sz="1600" b="1" dirty="0">
+              <a:latin typeface="Noto Sans" panose="020B0502040504020204" pitchFamily="34" charset="0"/>
+              <a:cs typeface="Noto Sans" panose="020B0502040504020204" pitchFamily="34" charset="0"/>
+            </a:endParaRPr>
+          </a:p>
+        </p:txBody>
+      </p:sp>
+      <p:sp>
+        <p:nvSpPr>
+          <p:cNvPr id="17" name="TextBox 16">
+            <a:extLst>
+              <a:ext uri="{FF2B5EF4-FFF2-40B4-BE49-F238E27FC236}">
+                <a16:creationId xmlns:a16="http://schemas.microsoft.com/office/drawing/2014/main" id="{BC71E809-749B-4250-87C3-9B5886C3B762}"/>
+              </a:ext>
+            </a:extLst>
+          </p:cNvPr>
+          <p:cNvSpPr txBox="1"/>
+          <p:nvPr/>
+        </p:nvSpPr>
+        <p:spPr>
+          <a:xfrm>
+            <a:off x="577384" y="2029142"/>
+            <a:ext cx="3351678" cy="769441"/>
+          </a:xfrm>
+          <a:prstGeom prst="rect">
+            <a:avLst/>
+          </a:prstGeom>
+          <a:noFill/>
+        </p:spPr>
+        <p:txBody>
+          <a:bodyPr wrap="square" rtlCol="0">
+            <a:spAutoFit/>
+          </a:bodyPr>
+          <a:lstStyle/>
+          <a:p>
+            <a:r>
+              <a:rPr lang="en-US" altLang="ko-KR" sz="1100" dirty="0">
+                <a:latin typeface="Noto Sans" panose="020B0502040504020204" pitchFamily="34" charset="0"/>
+                <a:ea typeface="Noto Sans" panose="020B0502040504020204" pitchFamily="34" charset="0"/>
+                <a:cs typeface="Noto Sans" panose="020B0502040504020204" pitchFamily="34" charset="0"/>
+              </a:rPr>
+              <a:t>- </a:t>
+            </a:r>
+            <a:r>
+              <a:rPr lang="ko-KR" altLang="en-US" sz="1100" dirty="0">
+                <a:latin typeface="Noto Sans" panose="020B0502040504020204" pitchFamily="34" charset="0"/>
+                <a:cs typeface="Noto Sans" panose="020B0502040504020204" pitchFamily="34" charset="0"/>
+              </a:rPr>
+              <a:t>언어 모델의 예측 성능을 평가하는 척도로 자주 이용</a:t>
+            </a:r>
+            <a:endParaRPr lang="en-US" altLang="ko-KR" sz="1100" dirty="0">
+              <a:latin typeface="Noto Sans" panose="020B0502040504020204" pitchFamily="34" charset="0"/>
+              <a:ea typeface="Noto Sans" panose="020B0502040504020204" pitchFamily="34" charset="0"/>
+              <a:cs typeface="Noto Sans" panose="020B0502040504020204" pitchFamily="34" charset="0"/>
+            </a:endParaRPr>
+          </a:p>
+          <a:p>
+            <a:r>
+              <a:rPr lang="en-US" altLang="ko-KR" sz="1100" dirty="0">
+                <a:latin typeface="Noto Sans" panose="020B0502040504020204" pitchFamily="34" charset="0"/>
+                <a:ea typeface="Noto Sans" panose="020B0502040504020204" pitchFamily="34" charset="0"/>
+                <a:cs typeface="Noto Sans" panose="020B0502040504020204" pitchFamily="34" charset="0"/>
+              </a:rPr>
+              <a:t>- </a:t>
+            </a:r>
+            <a:r>
+              <a:rPr lang="ko-KR" altLang="en-US" sz="1100" dirty="0">
+                <a:latin typeface="Noto Sans" panose="020B0502040504020204" pitchFamily="34" charset="0"/>
+                <a:cs typeface="Noto Sans" panose="020B0502040504020204" pitchFamily="34" charset="0"/>
+              </a:rPr>
+              <a:t>확률의 역수를 취한 값</a:t>
+            </a:r>
+            <a:endParaRPr lang="en-US" altLang="ko-KR" sz="1100" dirty="0">
+              <a:latin typeface="Noto Sans" panose="020B0502040504020204" pitchFamily="34" charset="0"/>
+              <a:ea typeface="Noto Sans" panose="020B0502040504020204" pitchFamily="34" charset="0"/>
+              <a:cs typeface="Noto Sans" panose="020B0502040504020204" pitchFamily="34" charset="0"/>
+            </a:endParaRPr>
+          </a:p>
+          <a:p>
+            <a:r>
+              <a:rPr lang="en-US" altLang="ko-KR" sz="1100" dirty="0">
+                <a:latin typeface="Noto Sans" panose="020B0502040504020204" pitchFamily="34" charset="0"/>
+                <a:ea typeface="Noto Sans" panose="020B0502040504020204" pitchFamily="34" charset="0"/>
+                <a:cs typeface="Noto Sans" panose="020B0502040504020204" pitchFamily="34" charset="0"/>
+              </a:rPr>
+              <a:t>- </a:t>
+            </a:r>
+            <a:r>
+              <a:rPr lang="ko-KR" altLang="en-US" sz="1100" dirty="0" err="1">
+                <a:latin typeface="Noto Sans" panose="020B0502040504020204" pitchFamily="34" charset="0"/>
+                <a:cs typeface="Noto Sans" panose="020B0502040504020204" pitchFamily="34" charset="0"/>
+              </a:rPr>
+              <a:t>퍼플렉서티는</a:t>
+            </a:r>
+            <a:r>
+              <a:rPr lang="ko-KR" altLang="en-US" sz="1100" dirty="0">
+                <a:latin typeface="Noto Sans" panose="020B0502040504020204" pitchFamily="34" charset="0"/>
+                <a:cs typeface="Noto Sans" panose="020B0502040504020204" pitchFamily="34" charset="0"/>
+              </a:rPr>
+              <a:t> 분기 수</a:t>
+            </a:r>
+            <a:r>
+              <a:rPr lang="en-US" altLang="ko-KR" sz="1100" dirty="0">
+                <a:latin typeface="Noto Sans" panose="020B0502040504020204" pitchFamily="34" charset="0"/>
+                <a:ea typeface="Noto Sans" panose="020B0502040504020204" pitchFamily="34" charset="0"/>
+                <a:cs typeface="Noto Sans" panose="020B0502040504020204" pitchFamily="34" charset="0"/>
+              </a:rPr>
+              <a:t>(</a:t>
+            </a:r>
+            <a:r>
+              <a:rPr lang="ko-KR" altLang="en-US" sz="1100" dirty="0">
+                <a:latin typeface="Noto Sans" panose="020B0502040504020204" pitchFamily="34" charset="0"/>
+                <a:cs typeface="Noto Sans" panose="020B0502040504020204" pitchFamily="34" charset="0"/>
+              </a:rPr>
+              <a:t>단어의 후보 개수</a:t>
+            </a:r>
+            <a:r>
+              <a:rPr lang="en-US" altLang="ko-KR" sz="1100" dirty="0">
+                <a:latin typeface="Noto Sans" panose="020B0502040504020204" pitchFamily="34" charset="0"/>
+                <a:ea typeface="Noto Sans" panose="020B0502040504020204" pitchFamily="34" charset="0"/>
+                <a:cs typeface="Noto Sans" panose="020B0502040504020204" pitchFamily="34" charset="0"/>
+              </a:rPr>
+              <a:t>)</a:t>
+            </a:r>
+            <a:r>
+              <a:rPr lang="ko-KR" altLang="en-US" sz="1100" dirty="0">
+                <a:latin typeface="Noto Sans" panose="020B0502040504020204" pitchFamily="34" charset="0"/>
+                <a:cs typeface="Noto Sans" panose="020B0502040504020204" pitchFamily="34" charset="0"/>
+              </a:rPr>
+              <a:t>를</a:t>
+            </a:r>
+            <a:r>
+              <a:rPr lang="en-US" altLang="ko-KR" sz="1100" dirty="0">
+                <a:latin typeface="Noto Sans" panose="020B0502040504020204" pitchFamily="34" charset="0"/>
+                <a:ea typeface="Noto Sans" panose="020B0502040504020204" pitchFamily="34" charset="0"/>
+                <a:cs typeface="Noto Sans" panose="020B0502040504020204" pitchFamily="34" charset="0"/>
+              </a:rPr>
+              <a:t> </a:t>
+            </a:r>
+            <a:r>
+              <a:rPr lang="ko-KR" altLang="en-US" sz="1100" dirty="0">
+                <a:latin typeface="Noto Sans" panose="020B0502040504020204" pitchFamily="34" charset="0"/>
+                <a:cs typeface="Noto Sans" panose="020B0502040504020204" pitchFamily="34" charset="0"/>
+              </a:rPr>
+              <a:t>의미</a:t>
+            </a:r>
+            <a:endParaRPr lang="en-US" altLang="ko-KR" sz="1100" dirty="0">
+              <a:latin typeface="Noto Sans" panose="020B0502040504020204" pitchFamily="34" charset="0"/>
+              <a:ea typeface="Noto Sans" panose="020B0502040504020204" pitchFamily="34" charset="0"/>
+              <a:cs typeface="Noto Sans" panose="020B0502040504020204" pitchFamily="34" charset="0"/>
+            </a:endParaRPr>
+          </a:p>
+        </p:txBody>
+      </p:sp>
     </p:spTree>
     <p:extLst>
       <p:ext uri="{BB962C8B-B14F-4D97-AF65-F5344CB8AC3E}">
@@ -21477,45 +21576,6 @@
           </a:prstGeom>
         </p:spPr>
       </p:pic>
-      <p:sp>
-        <p:nvSpPr>
-          <p:cNvPr id="7" name="TextBox 6">
-            <a:extLst>
-              <a:ext uri="{FF2B5EF4-FFF2-40B4-BE49-F238E27FC236}">
-                <a16:creationId xmlns:a16="http://schemas.microsoft.com/office/drawing/2014/main" id="{377C7010-FDE6-469B-A08A-3B7FB21D835B}"/>
-              </a:ext>
-            </a:extLst>
-          </p:cNvPr>
-          <p:cNvSpPr txBox="1"/>
-          <p:nvPr/>
-        </p:nvSpPr>
-        <p:spPr>
-          <a:xfrm>
-            <a:off x="8705013" y="4761580"/>
-            <a:ext cx="383438" cy="307777"/>
-          </a:xfrm>
-          <a:prstGeom prst="rect">
-            <a:avLst/>
-          </a:prstGeom>
-          <a:noFill/>
-        </p:spPr>
-        <p:txBody>
-          <a:bodyPr wrap="none" rtlCol="0">
-            <a:spAutoFit/>
-          </a:bodyPr>
-          <a:lstStyle/>
-          <a:p>
-            <a:r>
-              <a:rPr lang="en-US" altLang="ko-KR" b="1" dirty="0">
-                <a:latin typeface="Noto Sans" panose="020B0502040504020204" pitchFamily="34" charset="0"/>
-                <a:ea typeface="Noto Sans" panose="020B0502040504020204" pitchFamily="34" charset="0"/>
-                <a:cs typeface="Noto Sans" panose="020B0502040504020204" pitchFamily="34" charset="0"/>
-              </a:rPr>
-              <a:t>28</a:t>
-            </a:r>
-          </a:p>
-        </p:txBody>
-      </p:sp>
     </p:spTree>
     <p:extLst>
       <p:ext uri="{BB962C8B-B14F-4D97-AF65-F5344CB8AC3E}">
@@ -24275,7 +24335,7 @@
         </p:nvSpPr>
         <p:spPr>
           <a:xfrm>
-            <a:off x="697866" y="1782869"/>
+            <a:off x="636908" y="2049159"/>
             <a:ext cx="4869814" cy="430887"/>
           </a:xfrm>
           <a:prstGeom prst="rect">
@@ -24377,8 +24437,8 @@
         </p:nvSpPr>
         <p:spPr>
           <a:xfrm>
-            <a:off x="3937070" y="2404359"/>
-            <a:ext cx="4869814" cy="600164"/>
+            <a:off x="5515798" y="1712160"/>
+            <a:ext cx="3247678" cy="461665"/>
           </a:xfrm>
           <a:prstGeom prst="rect">
             <a:avLst/>
@@ -24392,22 +24452,22 @@
           <a:lstStyle/>
           <a:p>
             <a:r>
-              <a:rPr lang="en-US" altLang="ko-KR" sz="1100" dirty="0">
-                <a:latin typeface="Noto Sans" panose="020B0502040504020204" pitchFamily="34" charset="0"/>
-                <a:ea typeface="Noto Sans" panose="020B0502040504020204" pitchFamily="34" charset="0"/>
-                <a:cs typeface="Noto Sans" panose="020B0502040504020204" pitchFamily="34" charset="0"/>
-              </a:rPr>
-              <a:t>N = 10,000(</a:t>
-            </a:r>
-            <a:r>
-              <a:rPr lang="ko-KR" altLang="en-US" sz="1100" dirty="0">
+              <a:rPr lang="en-US" altLang="ko-KR" sz="800" dirty="0">
+                <a:latin typeface="Noto Sans" panose="020B0502040504020204" pitchFamily="34" charset="0"/>
+                <a:ea typeface="Noto Sans" panose="020B0502040504020204" pitchFamily="34" charset="0"/>
+                <a:cs typeface="Noto Sans" panose="020B0502040504020204" pitchFamily="34" charset="0"/>
+              </a:rPr>
+              <a:t> N = 10,000(</a:t>
+            </a:r>
+            <a:r>
+              <a:rPr lang="ko-KR" altLang="en-US" sz="800" dirty="0">
                 <a:latin typeface="Noto Sans" panose="020B0502040504020204" pitchFamily="34" charset="0"/>
                 <a:cs typeface="Noto Sans" panose="020B0502040504020204" pitchFamily="34" charset="0"/>
               </a:rPr>
               <a:t>말뭉치 단어 수</a:t>
             </a:r>
             <a:r>
-              <a:rPr lang="en-US" altLang="ko-KR" sz="1100" dirty="0">
+              <a:rPr lang="en-US" altLang="ko-KR" sz="800" dirty="0">
                 <a:latin typeface="Noto Sans" panose="020B0502040504020204" pitchFamily="34" charset="0"/>
                 <a:ea typeface="Noto Sans" panose="020B0502040504020204" pitchFamily="34" charset="0"/>
                 <a:cs typeface="Noto Sans" panose="020B0502040504020204" pitchFamily="34" charset="0"/>
@@ -24417,7 +24477,7 @@
           </a:p>
           <a:p>
             <a:r>
-              <a:rPr lang="en-US" altLang="ko-KR" sz="1100" dirty="0">
+              <a:rPr lang="en-US" altLang="ko-KR" sz="800" dirty="0">
                 <a:latin typeface="Noto Sans" panose="020B0502040504020204" pitchFamily="34" charset="0"/>
                 <a:ea typeface="Noto Sans" panose="020B0502040504020204" pitchFamily="34" charset="0"/>
                 <a:cs typeface="Noto Sans" panose="020B0502040504020204" pitchFamily="34" charset="0"/>
@@ -24425,14 +24485,14 @@
               <a:t>“the” 1,000</a:t>
             </a:r>
             <a:r>
-              <a:rPr lang="ko-KR" altLang="en-US" sz="1100" dirty="0">
+              <a:rPr lang="ko-KR" altLang="en-US" sz="800" dirty="0">
                 <a:latin typeface="Noto Sans" panose="020B0502040504020204" pitchFamily="34" charset="0"/>
                 <a:cs typeface="Noto Sans" panose="020B0502040504020204" pitchFamily="34" charset="0"/>
               </a:rPr>
               <a:t>회 </a:t>
             </a:r>
             <a:r>
-              <a:rPr lang="en-US" altLang="ko-KR" sz="1100" dirty="0">
+              <a:rPr lang="en-US" altLang="ko-KR" sz="800" dirty="0">
                 <a:latin typeface="Noto Sans" panose="020B0502040504020204" pitchFamily="34" charset="0"/>
                 <a:ea typeface="Noto Sans" panose="020B0502040504020204" pitchFamily="34" charset="0"/>
                 <a:cs typeface="Noto Sans" panose="020B0502040504020204" pitchFamily="34" charset="0"/>
@@ -24440,14 +24500,14 @@
               <a:t> “car” 20</a:t>
             </a:r>
             <a:r>
-              <a:rPr lang="ko-KR" altLang="en-US" sz="1100" dirty="0">
+              <a:rPr lang="ko-KR" altLang="en-US" sz="800" dirty="0">
                 <a:latin typeface="Noto Sans" panose="020B0502040504020204" pitchFamily="34" charset="0"/>
                 <a:cs typeface="Noto Sans" panose="020B0502040504020204" pitchFamily="34" charset="0"/>
               </a:rPr>
               <a:t>회</a:t>
             </a:r>
             <a:r>
-              <a:rPr lang="en-US" altLang="ko-KR" sz="1100" dirty="0">
+              <a:rPr lang="en-US" altLang="ko-KR" sz="800" dirty="0">
                 <a:latin typeface="Noto Sans" panose="020B0502040504020204" pitchFamily="34" charset="0"/>
                 <a:ea typeface="Noto Sans" panose="020B0502040504020204" pitchFamily="34" charset="0"/>
                 <a:cs typeface="Noto Sans" panose="020B0502040504020204" pitchFamily="34" charset="0"/>
@@ -24455,13 +24515,13 @@
               <a:t> “drive” 10</a:t>
             </a:r>
             <a:r>
-              <a:rPr lang="ko-KR" altLang="en-US" sz="1100" dirty="0">
+              <a:rPr lang="ko-KR" altLang="en-US" sz="800" dirty="0">
                 <a:latin typeface="Noto Sans" panose="020B0502040504020204" pitchFamily="34" charset="0"/>
                 <a:cs typeface="Noto Sans" panose="020B0502040504020204" pitchFamily="34" charset="0"/>
               </a:rPr>
               <a:t>회 등장</a:t>
             </a:r>
-            <a:endParaRPr lang="en-US" altLang="ko-KR" sz="1100" dirty="0">
+            <a:endParaRPr lang="en-US" altLang="ko-KR" sz="800" dirty="0">
               <a:latin typeface="Noto Sans" panose="020B0502040504020204" pitchFamily="34" charset="0"/>
               <a:ea typeface="Noto Sans" panose="020B0502040504020204" pitchFamily="34" charset="0"/>
               <a:cs typeface="Noto Sans" panose="020B0502040504020204" pitchFamily="34" charset="0"/>
@@ -24469,7 +24529,7 @@
           </a:p>
           <a:p>
             <a:r>
-              <a:rPr lang="en-US" altLang="ko-KR" sz="1100" dirty="0">
+              <a:rPr lang="en-US" altLang="ko-KR" sz="800" b="1" dirty="0">
                 <a:latin typeface="Noto Sans" panose="020B0502040504020204" pitchFamily="34" charset="0"/>
                 <a:ea typeface="Noto Sans" panose="020B0502040504020204" pitchFamily="34" charset="0"/>
                 <a:cs typeface="Noto Sans" panose="020B0502040504020204" pitchFamily="34" charset="0"/>
@@ -24477,14 +24537,14 @@
               <a:t>“the”</a:t>
             </a:r>
             <a:r>
-              <a:rPr lang="ko-KR" altLang="en-US" sz="1100" dirty="0">
+              <a:rPr lang="ko-KR" altLang="en-US" sz="800" b="1" dirty="0">
                 <a:latin typeface="Noto Sans" panose="020B0502040504020204" pitchFamily="34" charset="0"/>
                 <a:cs typeface="Noto Sans" panose="020B0502040504020204" pitchFamily="34" charset="0"/>
               </a:rPr>
               <a:t>와 </a:t>
             </a:r>
             <a:r>
-              <a:rPr lang="en-US" altLang="ko-KR" sz="1100" dirty="0">
+              <a:rPr lang="en-US" altLang="ko-KR" sz="800" b="1" dirty="0">
                 <a:latin typeface="Noto Sans" panose="020B0502040504020204" pitchFamily="34" charset="0"/>
                 <a:ea typeface="Noto Sans" panose="020B0502040504020204" pitchFamily="34" charset="0"/>
                 <a:cs typeface="Noto Sans" panose="020B0502040504020204" pitchFamily="34" charset="0"/>
@@ -24492,14 +24552,14 @@
               <a:t>“car”</a:t>
             </a:r>
             <a:r>
-              <a:rPr lang="ko-KR" altLang="en-US" sz="1100" dirty="0">
+              <a:rPr lang="ko-KR" altLang="en-US" sz="800" b="1" dirty="0">
                 <a:latin typeface="Noto Sans" panose="020B0502040504020204" pitchFamily="34" charset="0"/>
                 <a:cs typeface="Noto Sans" panose="020B0502040504020204" pitchFamily="34" charset="0"/>
               </a:rPr>
               <a:t>의 동시발생 </a:t>
             </a:r>
             <a:r>
-              <a:rPr lang="en-US" altLang="ko-KR" sz="1100" dirty="0">
+              <a:rPr lang="en-US" altLang="ko-KR" sz="800" b="1" dirty="0">
                 <a:latin typeface="Noto Sans" panose="020B0502040504020204" pitchFamily="34" charset="0"/>
                 <a:ea typeface="Noto Sans" panose="020B0502040504020204" pitchFamily="34" charset="0"/>
                 <a:cs typeface="Noto Sans" panose="020B0502040504020204" pitchFamily="34" charset="0"/>
@@ -24507,14 +24567,14 @@
               <a:t>10</a:t>
             </a:r>
             <a:r>
-              <a:rPr lang="ko-KR" altLang="en-US" sz="1100" dirty="0">
+              <a:rPr lang="ko-KR" altLang="en-US" sz="800" b="1" dirty="0">
                 <a:latin typeface="Noto Sans" panose="020B0502040504020204" pitchFamily="34" charset="0"/>
                 <a:cs typeface="Noto Sans" panose="020B0502040504020204" pitchFamily="34" charset="0"/>
               </a:rPr>
               <a:t>회</a:t>
             </a:r>
             <a:r>
-              <a:rPr lang="en-US" altLang="ko-KR" sz="1100" dirty="0">
+              <a:rPr lang="en-US" altLang="ko-KR" sz="800" b="1" dirty="0">
                 <a:latin typeface="Noto Sans" panose="020B0502040504020204" pitchFamily="34" charset="0"/>
                 <a:ea typeface="Noto Sans" panose="020B0502040504020204" pitchFamily="34" charset="0"/>
                 <a:cs typeface="Noto Sans" panose="020B0502040504020204" pitchFamily="34" charset="0"/>
@@ -24522,14 +24582,14 @@
               <a:t>, “car”</a:t>
             </a:r>
             <a:r>
-              <a:rPr lang="ko-KR" altLang="en-US" sz="1100" dirty="0">
+              <a:rPr lang="ko-KR" altLang="en-US" sz="800" b="1" dirty="0">
                 <a:latin typeface="Noto Sans" panose="020B0502040504020204" pitchFamily="34" charset="0"/>
                 <a:cs typeface="Noto Sans" panose="020B0502040504020204" pitchFamily="34" charset="0"/>
               </a:rPr>
               <a:t>와 </a:t>
             </a:r>
             <a:r>
-              <a:rPr lang="en-US" altLang="ko-KR" sz="1100" dirty="0">
+              <a:rPr lang="en-US" altLang="ko-KR" sz="800" b="1" dirty="0">
                 <a:latin typeface="Noto Sans" panose="020B0502040504020204" pitchFamily="34" charset="0"/>
                 <a:ea typeface="Noto Sans" panose="020B0502040504020204" pitchFamily="34" charset="0"/>
                 <a:cs typeface="Noto Sans" panose="020B0502040504020204" pitchFamily="34" charset="0"/>
@@ -24537,14 +24597,14 @@
               <a:t>“drive”</a:t>
             </a:r>
             <a:r>
-              <a:rPr lang="ko-KR" altLang="en-US" sz="1100" dirty="0">
+              <a:rPr lang="ko-KR" altLang="en-US" sz="800" b="1" dirty="0">
                 <a:latin typeface="Noto Sans" panose="020B0502040504020204" pitchFamily="34" charset="0"/>
                 <a:cs typeface="Noto Sans" panose="020B0502040504020204" pitchFamily="34" charset="0"/>
               </a:rPr>
               <a:t>의 동시발생 </a:t>
             </a:r>
             <a:r>
-              <a:rPr lang="en-US" altLang="ko-KR" sz="1100" dirty="0">
+              <a:rPr lang="en-US" altLang="ko-KR" sz="800" b="1" dirty="0">
                 <a:latin typeface="Noto Sans" panose="020B0502040504020204" pitchFamily="34" charset="0"/>
                 <a:ea typeface="Noto Sans" panose="020B0502040504020204" pitchFamily="34" charset="0"/>
                 <a:cs typeface="Noto Sans" panose="020B0502040504020204" pitchFamily="34" charset="0"/>
@@ -24552,14 +24612,14 @@
               <a:t>5</a:t>
             </a:r>
             <a:r>
-              <a:rPr lang="ko-KR" altLang="en-US" sz="1100" dirty="0">
+              <a:rPr lang="ko-KR" altLang="en-US" sz="800" b="1" dirty="0">
                 <a:latin typeface="Noto Sans" panose="020B0502040504020204" pitchFamily="34" charset="0"/>
                 <a:cs typeface="Noto Sans" panose="020B0502040504020204" pitchFamily="34" charset="0"/>
               </a:rPr>
               <a:t>회</a:t>
             </a:r>
             <a:r>
-              <a:rPr lang="en-US" altLang="ko-KR" sz="1100" dirty="0">
+              <a:rPr lang="en-US" altLang="ko-KR" sz="800" b="1" dirty="0">
                 <a:latin typeface="Noto Sans" panose="020B0502040504020204" pitchFamily="34" charset="0"/>
                 <a:ea typeface="Noto Sans" panose="020B0502040504020204" pitchFamily="34" charset="0"/>
                 <a:cs typeface="Noto Sans" panose="020B0502040504020204" pitchFamily="34" charset="0"/>
@@ -24583,7 +24643,7 @@
         </p:nvSpPr>
         <p:spPr>
           <a:xfrm>
-            <a:off x="636908" y="3103831"/>
+            <a:off x="636908" y="2434500"/>
             <a:ext cx="4869814" cy="261610"/>
           </a:xfrm>
           <a:prstGeom prst="rect">
@@ -24652,7 +24712,7 @@
         </p:nvSpPr>
         <p:spPr>
           <a:xfrm>
-            <a:off x="636908" y="3477624"/>
+            <a:off x="636907" y="3252002"/>
             <a:ext cx="5316852" cy="338554"/>
           </a:xfrm>
           <a:prstGeom prst="rect">
@@ -24702,7 +24762,7 @@
         </p:nvSpPr>
         <p:spPr>
           <a:xfrm>
-            <a:off x="697866" y="3846376"/>
+            <a:off x="645984" y="3581386"/>
             <a:ext cx="4869814" cy="261610"/>
           </a:xfrm>
           <a:prstGeom prst="rect">
@@ -24963,7 +25023,7 @@
         </p:blipFill>
         <p:spPr>
           <a:xfrm>
-            <a:off x="5567680" y="1497065"/>
+            <a:off x="2901948" y="826750"/>
             <a:ext cx="3035304" cy="594797"/>
           </a:xfrm>
           <a:prstGeom prst="rect">
@@ -24993,7 +25053,7 @@
         </p:blipFill>
         <p:spPr>
           <a:xfrm>
-            <a:off x="713725" y="2278130"/>
+            <a:off x="5696600" y="2180126"/>
             <a:ext cx="2886075" cy="447988"/>
           </a:xfrm>
           <a:prstGeom prst="rect">
@@ -25023,8 +25083,8 @@
         </p:blipFill>
         <p:spPr>
           <a:xfrm>
-            <a:off x="692169" y="2657055"/>
-            <a:ext cx="3244901" cy="484187"/>
+            <a:off x="5696600" y="2557431"/>
+            <a:ext cx="2886075" cy="430645"/>
           </a:xfrm>
           <a:prstGeom prst="rect">
             <a:avLst/>
@@ -25053,7 +25113,7 @@
         </p:blipFill>
         <p:spPr>
           <a:xfrm>
-            <a:off x="713725" y="4179096"/>
+            <a:off x="730546" y="3919940"/>
             <a:ext cx="3443226" cy="382581"/>
           </a:xfrm>
           <a:prstGeom prst="rect">
@@ -25083,7 +25143,7 @@
         </p:blipFill>
         <p:spPr>
           <a:xfrm>
-            <a:off x="5240867" y="3504442"/>
+            <a:off x="5359696" y="3263860"/>
             <a:ext cx="1626088" cy="1349307"/>
           </a:xfrm>
           <a:prstGeom prst="rect">
@@ -25091,6 +25151,221 @@
           </a:prstGeom>
         </p:spPr>
       </p:pic>
+      <p:sp>
+        <p:nvSpPr>
+          <p:cNvPr id="24" name="TextBox 23">
+            <a:extLst>
+              <a:ext uri="{FF2B5EF4-FFF2-40B4-BE49-F238E27FC236}">
+                <a16:creationId xmlns:a16="http://schemas.microsoft.com/office/drawing/2014/main" id="{74A595F1-2445-4A65-8F31-2E4407DB8428}"/>
+              </a:ext>
+            </a:extLst>
+          </p:cNvPr>
+          <p:cNvSpPr txBox="1"/>
+          <p:nvPr/>
+        </p:nvSpPr>
+        <p:spPr>
+          <a:xfrm>
+            <a:off x="636907" y="1701400"/>
+            <a:ext cx="4998733" cy="600164"/>
+          </a:xfrm>
+          <a:prstGeom prst="rect">
+            <a:avLst/>
+          </a:prstGeom>
+          <a:noFill/>
+        </p:spPr>
+        <p:txBody>
+          <a:bodyPr wrap="square" rtlCol="0">
+            <a:spAutoFit/>
+          </a:bodyPr>
+          <a:lstStyle/>
+          <a:p>
+            <a:r>
+              <a:rPr lang="en-US" altLang="ko-KR" sz="1100" dirty="0">
+                <a:latin typeface="Noto Sans" panose="020B0502040504020204" pitchFamily="34" charset="0"/>
+                <a:ea typeface="Noto Sans" panose="020B0502040504020204" pitchFamily="34" charset="0"/>
+                <a:cs typeface="Noto Sans" panose="020B0502040504020204" pitchFamily="34" charset="0"/>
+              </a:rPr>
+              <a:t>- </a:t>
+            </a:r>
+            <a:r>
+              <a:rPr lang="en-US" altLang="ko-KR" sz="1100" b="1" dirty="0">
+                <a:solidFill>
+                  <a:srgbClr val="00B0F0"/>
+                </a:solidFill>
+                <a:latin typeface="Noto Sans" panose="020B0502040504020204" pitchFamily="34" charset="0"/>
+                <a:ea typeface="Noto Sans" panose="020B0502040504020204" pitchFamily="34" charset="0"/>
+                <a:cs typeface="Noto Sans" panose="020B0502040504020204" pitchFamily="34" charset="0"/>
+              </a:rPr>
+              <a:t>“the”</a:t>
+            </a:r>
+            <a:r>
+              <a:rPr lang="ko-KR" altLang="en-US" sz="1100" b="1" dirty="0">
+                <a:solidFill>
+                  <a:srgbClr val="00B0F0"/>
+                </a:solidFill>
+                <a:latin typeface="Noto Sans" panose="020B0502040504020204" pitchFamily="34" charset="0"/>
+                <a:ea typeface="Noto Sans" panose="020B0502040504020204" pitchFamily="34" charset="0"/>
+                <a:cs typeface="Noto Sans" panose="020B0502040504020204" pitchFamily="34" charset="0"/>
+              </a:rPr>
+              <a:t>와 </a:t>
+            </a:r>
+            <a:r>
+              <a:rPr lang="en-US" altLang="ko-KR" sz="1100" b="1" dirty="0">
+                <a:solidFill>
+                  <a:srgbClr val="00B0F0"/>
+                </a:solidFill>
+                <a:latin typeface="Noto Sans" panose="020B0502040504020204" pitchFamily="34" charset="0"/>
+                <a:ea typeface="Noto Sans" panose="020B0502040504020204" pitchFamily="34" charset="0"/>
+                <a:cs typeface="Noto Sans" panose="020B0502040504020204" pitchFamily="34" charset="0"/>
+              </a:rPr>
+              <a:t>“car”</a:t>
+            </a:r>
+            <a:r>
+              <a:rPr lang="ko-KR" altLang="en-US" sz="1100" b="1" dirty="0">
+                <a:solidFill>
+                  <a:srgbClr val="00B0F0"/>
+                </a:solidFill>
+                <a:latin typeface="Noto Sans" panose="020B0502040504020204" pitchFamily="34" charset="0"/>
+                <a:ea typeface="Noto Sans" panose="020B0502040504020204" pitchFamily="34" charset="0"/>
+                <a:cs typeface="Noto Sans" panose="020B0502040504020204" pitchFamily="34" charset="0"/>
+              </a:rPr>
+              <a:t>의 동시발생 횟수 </a:t>
+            </a:r>
+            <a:r>
+              <a:rPr lang="en-US" altLang="ko-KR" sz="1100" b="1" dirty="0">
+                <a:solidFill>
+                  <a:srgbClr val="00B0F0"/>
+                </a:solidFill>
+                <a:latin typeface="Noto Sans" panose="020B0502040504020204" pitchFamily="34" charset="0"/>
+                <a:ea typeface="Noto Sans" panose="020B0502040504020204" pitchFamily="34" charset="0"/>
+                <a:cs typeface="Noto Sans" panose="020B0502040504020204" pitchFamily="34" charset="0"/>
+              </a:rPr>
+              <a:t>&gt; “car”</a:t>
+            </a:r>
+            <a:r>
+              <a:rPr lang="ko-KR" altLang="en-US" sz="1100" b="1" dirty="0">
+                <a:solidFill>
+                  <a:srgbClr val="00B0F0"/>
+                </a:solidFill>
+                <a:latin typeface="Noto Sans" panose="020B0502040504020204" pitchFamily="34" charset="0"/>
+                <a:ea typeface="Noto Sans" panose="020B0502040504020204" pitchFamily="34" charset="0"/>
+                <a:cs typeface="Noto Sans" panose="020B0502040504020204" pitchFamily="34" charset="0"/>
+              </a:rPr>
+              <a:t>와 </a:t>
+            </a:r>
+            <a:r>
+              <a:rPr lang="en-US" altLang="ko-KR" sz="1100" b="1" dirty="0">
+                <a:solidFill>
+                  <a:srgbClr val="00B0F0"/>
+                </a:solidFill>
+                <a:latin typeface="Noto Sans" panose="020B0502040504020204" pitchFamily="34" charset="0"/>
+                <a:ea typeface="Noto Sans" panose="020B0502040504020204" pitchFamily="34" charset="0"/>
+                <a:cs typeface="Noto Sans" panose="020B0502040504020204" pitchFamily="34" charset="0"/>
+              </a:rPr>
+              <a:t>“drive”</a:t>
+            </a:r>
+            <a:r>
+              <a:rPr lang="ko-KR" altLang="en-US" sz="1100" b="1" dirty="0">
+                <a:solidFill>
+                  <a:srgbClr val="00B0F0"/>
+                </a:solidFill>
+                <a:latin typeface="Noto Sans" panose="020B0502040504020204" pitchFamily="34" charset="0"/>
+                <a:ea typeface="Noto Sans" panose="020B0502040504020204" pitchFamily="34" charset="0"/>
+                <a:cs typeface="Noto Sans" panose="020B0502040504020204" pitchFamily="34" charset="0"/>
+              </a:rPr>
+              <a:t>의 동시발생 횟수</a:t>
+            </a:r>
+            <a:r>
+              <a:rPr lang="ko-KR" altLang="en-US" sz="1100" b="1" dirty="0">
+                <a:solidFill>
+                  <a:schemeClr val="tx1"/>
+                </a:solidFill>
+                <a:latin typeface="Noto Sans" panose="020B0502040504020204" pitchFamily="34" charset="0"/>
+                <a:ea typeface="Noto Sans" panose="020B0502040504020204" pitchFamily="34" charset="0"/>
+                <a:cs typeface="Noto Sans" panose="020B0502040504020204" pitchFamily="34" charset="0"/>
+              </a:rPr>
+              <a:t>일 경우</a:t>
+            </a:r>
+            <a:br>
+              <a:rPr lang="en-US" altLang="ko-KR" sz="1100" b="1" dirty="0">
+                <a:solidFill>
+                  <a:schemeClr val="tx1"/>
+                </a:solidFill>
+                <a:latin typeface="Noto Sans" panose="020B0502040504020204" pitchFamily="34" charset="0"/>
+                <a:ea typeface="Noto Sans" panose="020B0502040504020204" pitchFamily="34" charset="0"/>
+                <a:cs typeface="Noto Sans" panose="020B0502040504020204" pitchFamily="34" charset="0"/>
+              </a:rPr>
+            </a:br>
+            <a:r>
+              <a:rPr lang="en-US" altLang="ko-KR" sz="1100" b="1" dirty="0">
+                <a:solidFill>
+                  <a:schemeClr val="tx1"/>
+                </a:solidFill>
+                <a:latin typeface="Noto Sans" panose="020B0502040504020204" pitchFamily="34" charset="0"/>
+                <a:ea typeface="Noto Sans" panose="020B0502040504020204" pitchFamily="34" charset="0"/>
+                <a:cs typeface="Noto Sans" panose="020B0502040504020204" pitchFamily="34" charset="0"/>
+              </a:rPr>
+              <a:t>“the”</a:t>
+            </a:r>
+            <a:r>
+              <a:rPr lang="ko-KR" altLang="en-US" sz="1100" b="1" dirty="0">
+                <a:solidFill>
+                  <a:schemeClr val="tx1"/>
+                </a:solidFill>
+                <a:latin typeface="Noto Sans" panose="020B0502040504020204" pitchFamily="34" charset="0"/>
+                <a:ea typeface="Noto Sans" panose="020B0502040504020204" pitchFamily="34" charset="0"/>
+                <a:cs typeface="Noto Sans" panose="020B0502040504020204" pitchFamily="34" charset="0"/>
+              </a:rPr>
+              <a:t>와 </a:t>
+            </a:r>
+            <a:r>
+              <a:rPr lang="en-US" altLang="ko-KR" sz="1100" b="1" dirty="0">
+                <a:solidFill>
+                  <a:schemeClr val="tx1"/>
+                </a:solidFill>
+                <a:latin typeface="Noto Sans" panose="020B0502040504020204" pitchFamily="34" charset="0"/>
+                <a:ea typeface="Noto Sans" panose="020B0502040504020204" pitchFamily="34" charset="0"/>
+                <a:cs typeface="Noto Sans" panose="020B0502040504020204" pitchFamily="34" charset="0"/>
+              </a:rPr>
+              <a:t>“car”</a:t>
+            </a:r>
+            <a:r>
+              <a:rPr lang="ko-KR" altLang="en-US" sz="1100" b="1" dirty="0">
+                <a:solidFill>
+                  <a:schemeClr val="tx1"/>
+                </a:solidFill>
+                <a:latin typeface="Noto Sans" panose="020B0502040504020204" pitchFamily="34" charset="0"/>
+                <a:ea typeface="Noto Sans" panose="020B0502040504020204" pitchFamily="34" charset="0"/>
+                <a:cs typeface="Noto Sans" panose="020B0502040504020204" pitchFamily="34" charset="0"/>
+              </a:rPr>
+              <a:t>의 관련성이 더 크다</a:t>
+            </a:r>
+            <a:r>
+              <a:rPr lang="en-US" altLang="ko-KR" sz="1100" b="1" dirty="0">
+                <a:solidFill>
+                  <a:schemeClr val="tx1"/>
+                </a:solidFill>
+                <a:latin typeface="Noto Sans" panose="020B0502040504020204" pitchFamily="34" charset="0"/>
+                <a:ea typeface="Noto Sans" panose="020B0502040504020204" pitchFamily="34" charset="0"/>
+                <a:cs typeface="Noto Sans" panose="020B0502040504020204" pitchFamily="34" charset="0"/>
+              </a:rPr>
+              <a:t>?</a:t>
+            </a:r>
+            <a:br>
+              <a:rPr lang="en-US" altLang="ko-KR" sz="1100" dirty="0">
+                <a:latin typeface="Noto Sans" panose="020B0502040504020204" pitchFamily="34" charset="0"/>
+                <a:ea typeface="Noto Sans" panose="020B0502040504020204" pitchFamily="34" charset="0"/>
+                <a:cs typeface="Noto Sans" panose="020B0502040504020204" pitchFamily="34" charset="0"/>
+              </a:rPr>
+            </a:br>
+            <a:endParaRPr lang="en-US" altLang="ko-KR" sz="1100" dirty="0">
+              <a:latin typeface="Noto Sans" panose="020B0502040504020204" pitchFamily="34" charset="0"/>
+              <a:ea typeface="Noto Sans" panose="020B0502040504020204" pitchFamily="34" charset="0"/>
+              <a:cs typeface="Noto Sans" panose="020B0502040504020204" pitchFamily="34" charset="0"/>
+            </a:endParaRPr>
+          </a:p>
+        </p:txBody>
+      </p:sp>
     </p:spTree>
     <p:extLst>
       <p:ext uri="{BB962C8B-B14F-4D97-AF65-F5344CB8AC3E}">
@@ -26271,10 +26546,10 @@
       </p:grpSpPr>
       <p:sp>
         <p:nvSpPr>
-          <p:cNvPr id="6" name="직사각형 5">
+          <p:cNvPr id="7" name="직사각형 6">
             <a:extLst>
               <a:ext uri="{FF2B5EF4-FFF2-40B4-BE49-F238E27FC236}">
-                <a16:creationId xmlns:a16="http://schemas.microsoft.com/office/drawing/2014/main" id="{723C9EB4-827A-4A57-8E70-CB9594FABBCE}"/>
+                <a16:creationId xmlns:a16="http://schemas.microsoft.com/office/drawing/2014/main" id="{7B4551EE-02C2-45C4-B3B9-619E40FF104A}"/>
               </a:ext>
             </a:extLst>
           </p:cNvPr>
@@ -26283,8 +26558,8 @@
         </p:nvSpPr>
         <p:spPr>
           <a:xfrm>
-            <a:off x="-975149" y="-76458"/>
-            <a:ext cx="3412067" cy="5562600"/>
+            <a:off x="1" y="1"/>
+            <a:ext cx="2436918" cy="5143500"/>
           </a:xfrm>
           <a:prstGeom prst="rect">
             <a:avLst/>

--- a/study/발표자료/20250220_밑딥2_이승건_chap2345발표자료_NotoSans.pptx
+++ b/study/발표자료/20250220_밑딥2_이승건_chap2345발표자료_NotoSans.pptx
@@ -862,7 +862,27 @@
               </a:spcAft>
               <a:buNone/>
             </a:pPr>
-            <a:endParaRPr dirty="0"/>
+            <a:r>
+              <a:rPr lang="ko-KR" altLang="en-US" b="1" dirty="0"/>
+              <a:t>밑바닥부터 시작하는 딥러닝</a:t>
+            </a:r>
+            <a:r>
+              <a:rPr lang="en-US" altLang="ko-KR" b="1" dirty="0"/>
+              <a:t>2 </a:t>
+            </a:r>
+            <a:r>
+              <a:rPr lang="ko-KR" altLang="en-US" b="1" dirty="0" err="1"/>
+              <a:t>스터디리뷰</a:t>
+            </a:r>
+            <a:r>
+              <a:rPr lang="ko-KR" altLang="en-US" b="1" dirty="0"/>
+              <a:t> 발표 시작하겠습니다</a:t>
+            </a:r>
+            <a:r>
+              <a:rPr lang="en-US" altLang="ko-KR" b="1" dirty="0"/>
+              <a:t>.</a:t>
+            </a:r>
+            <a:endParaRPr b="1" dirty="0"/>
           </a:p>
         </p:txBody>
       </p:sp>
@@ -957,6 +977,130 @@
           </a:bodyPr>
           <a:lstStyle/>
           <a:p>
+            <a:pPr marL="158750" indent="0">
+              <a:buNone/>
+            </a:pPr>
+            <a:r>
+              <a:rPr lang="ko-KR" altLang="en-US" b="1" dirty="0"/>
+              <a:t>앞서 </a:t>
+            </a:r>
+            <a:r>
+              <a:rPr lang="ko-KR" altLang="en-US" b="1" dirty="0" err="1"/>
+              <a:t>설명드렸던</a:t>
+            </a:r>
+            <a:r>
+              <a:rPr lang="ko-KR" altLang="en-US" b="1" dirty="0"/>
+              <a:t> 통계기반 기법의 문제점은</a:t>
+            </a:r>
+            <a:r>
+              <a:rPr lang="en-US" altLang="ko-KR" b="1" dirty="0"/>
+              <a:t>, </a:t>
+            </a:r>
+            <a:r>
+              <a:rPr lang="ko-KR" altLang="en-US" b="1" dirty="0"/>
+              <a:t>말뭉치 전체의 통계를 배치 학습으로 분산표현을 얻었습니다</a:t>
+            </a:r>
+            <a:r>
+              <a:rPr lang="en-US" altLang="ko-KR" b="1" dirty="0"/>
+              <a:t>. </a:t>
+            </a:r>
+          </a:p>
+          <a:p>
+            <a:pPr marL="158750" indent="0">
+              <a:buNone/>
+            </a:pPr>
+            <a:r>
+              <a:rPr lang="ko-KR" altLang="en-US" b="1" dirty="0"/>
+              <a:t>이러한 방법은 </a:t>
+            </a:r>
+            <a:r>
+              <a:rPr lang="en-US" altLang="ko-KR" b="1" dirty="0"/>
+              <a:t>SVD</a:t>
+            </a:r>
+            <a:r>
+              <a:rPr lang="ko-KR" altLang="en-US" b="1" dirty="0"/>
+              <a:t>의 </a:t>
+            </a:r>
+            <a:r>
+              <a:rPr lang="ko-KR" altLang="en-US" b="1" dirty="0" err="1"/>
+              <a:t>시간복잡도</a:t>
+            </a:r>
+            <a:r>
+              <a:rPr lang="ko-KR" altLang="en-US" b="1" dirty="0"/>
+              <a:t> 특성상 대규모 말뭉치를 다룰 경우 문제가 발생합니다</a:t>
+            </a:r>
+            <a:r>
+              <a:rPr lang="en-US" altLang="ko-KR" b="1" dirty="0"/>
+              <a:t>.</a:t>
+            </a:r>
+          </a:p>
+          <a:p>
+            <a:pPr marL="158750" indent="0">
+              <a:buNone/>
+            </a:pPr>
+            <a:r>
+              <a:rPr lang="ko-KR" altLang="en-US" b="1" dirty="0"/>
+              <a:t>또한</a:t>
+            </a:r>
+            <a:r>
+              <a:rPr lang="en-US" altLang="ko-KR" b="1" dirty="0"/>
+              <a:t>, </a:t>
+            </a:r>
+            <a:r>
+              <a:rPr lang="ko-KR" altLang="en-US" b="1" dirty="0"/>
+              <a:t>학습 데이터의 추가</a:t>
+            </a:r>
+            <a:r>
+              <a:rPr lang="en-US" altLang="ko-KR" b="1" dirty="0"/>
+              <a:t>, </a:t>
+            </a:r>
+            <a:r>
+              <a:rPr lang="ko-KR" altLang="en-US" b="1" dirty="0"/>
+              <a:t>삭제</a:t>
+            </a:r>
+            <a:r>
+              <a:rPr lang="en-US" altLang="ko-KR" b="1" dirty="0"/>
+              <a:t>, </a:t>
+            </a:r>
+            <a:r>
+              <a:rPr lang="ko-KR" altLang="en-US" b="1" dirty="0"/>
+              <a:t>변경이 있을 경우 처음부터 다시 일련의 학습과정을 거쳐야 하기 때문에 비효율적입니다</a:t>
+            </a:r>
+            <a:r>
+              <a:rPr lang="en-US" altLang="ko-KR" b="1" dirty="0"/>
+              <a:t>.</a:t>
+            </a:r>
+          </a:p>
+          <a:p>
+            <a:pPr marL="158750" indent="0">
+              <a:buNone/>
+            </a:pPr>
+            <a:r>
+              <a:rPr lang="ko-KR" altLang="en-US" b="1" dirty="0"/>
+              <a:t>반면 추론기반기법은 미니배치 학습을 통해 단어의 분산표현을 얻기 때문에 말뭉치가 변경점이 생기더라도 기존 학습된 가중치를 </a:t>
+            </a:r>
+            <a:r>
+              <a:rPr lang="ko-KR" altLang="en-US" b="1" dirty="0" err="1"/>
+              <a:t>초깃값으로</a:t>
+            </a:r>
+            <a:r>
+              <a:rPr lang="ko-KR" altLang="en-US" b="1" dirty="0"/>
+              <a:t> 학습을 </a:t>
+            </a:r>
+            <a:r>
+              <a:rPr lang="ko-KR" altLang="en-US" b="1" dirty="0" err="1"/>
+              <a:t>이어나가면</a:t>
+            </a:r>
+            <a:r>
+              <a:rPr lang="ko-KR" altLang="en-US" b="1" dirty="0"/>
+              <a:t> 됩니다</a:t>
+            </a:r>
+            <a:r>
+              <a:rPr lang="en-US" altLang="ko-KR" b="1" dirty="0"/>
+              <a:t>.</a:t>
+            </a:r>
+          </a:p>
+          <a:p>
             <a:pPr marL="0" lvl="0" indent="0" algn="l" rtl="0">
               <a:spcBef>
                 <a:spcPts val="0"/>
@@ -966,157 +1110,7 @@
               </a:spcAft>
               <a:buNone/>
             </a:pPr>
-            <a:r>
-              <a:rPr lang="ko-KR" altLang="en-US" dirty="0"/>
-              <a:t>통계기반 기법은 문제점이 있다</a:t>
-            </a:r>
-            <a:r>
-              <a:rPr lang="en-US" altLang="ko-KR" dirty="0"/>
-              <a:t>. </a:t>
-            </a:r>
-            <a:r>
-              <a:rPr lang="ko-KR" altLang="en-US" dirty="0"/>
-              <a:t>배치학습이라는 점</a:t>
-            </a:r>
-            <a:r>
-              <a:rPr lang="en-US" altLang="ko-KR" dirty="0"/>
-              <a:t>, </a:t>
-            </a:r>
-            <a:r>
-              <a:rPr lang="ko-KR" altLang="en-US" dirty="0"/>
-              <a:t>즉 전체 말뭉치에서 동시발생 행렬을 만들고</a:t>
-            </a:r>
-            <a:r>
-              <a:rPr lang="en-US" altLang="ko-KR" dirty="0"/>
-              <a:t>, SVD</a:t>
-            </a:r>
-            <a:r>
-              <a:rPr lang="ko-KR" altLang="en-US" dirty="0"/>
-              <a:t>를 적용하여 분산표현을 얻기 때문에 </a:t>
-            </a:r>
-            <a:endParaRPr lang="en-US" altLang="ko-KR" dirty="0"/>
-          </a:p>
-          <a:p>
-            <a:pPr marL="0" lvl="0" indent="0" algn="l" rtl="0">
-              <a:spcBef>
-                <a:spcPts val="0"/>
-              </a:spcBef>
-              <a:spcAft>
-                <a:spcPts val="0"/>
-              </a:spcAft>
-              <a:buNone/>
-            </a:pPr>
-            <a:r>
-              <a:rPr lang="ko-KR" altLang="en-US" dirty="0"/>
-              <a:t>말뭉치 단어의 변화가 생기면 처음부터 다시 해야 한다는 문제점이 있다</a:t>
-            </a:r>
-            <a:r>
-              <a:rPr lang="en-US" altLang="ko-KR" dirty="0"/>
-              <a:t>. </a:t>
-            </a:r>
-          </a:p>
-          <a:p>
-            <a:pPr marL="0" lvl="0" indent="0" algn="l" rtl="0">
-              <a:spcBef>
-                <a:spcPts val="0"/>
-              </a:spcBef>
-              <a:spcAft>
-                <a:spcPts val="0"/>
-              </a:spcAft>
-              <a:buNone/>
-            </a:pPr>
-            <a:r>
-              <a:rPr lang="ko-KR" altLang="en-US" dirty="0"/>
-              <a:t>반면 추론 기반 기법은 </a:t>
-            </a:r>
-            <a:r>
-              <a:rPr lang="ko-KR" altLang="en-US" dirty="0" err="1"/>
-              <a:t>미니배치학습이</a:t>
-            </a:r>
-            <a:r>
-              <a:rPr lang="ko-KR" altLang="en-US" dirty="0"/>
-              <a:t> 가능하기 때문에</a:t>
-            </a:r>
-            <a:r>
-              <a:rPr lang="en-US" altLang="ko-KR" dirty="0"/>
-              <a:t>, </a:t>
-            </a:r>
-            <a:r>
-              <a:rPr lang="ko-KR" altLang="en-US" dirty="0"/>
-              <a:t>새로운 단어나 문장이 추가되었더라도 기존의 가중치 정보를 </a:t>
-            </a:r>
-            <a:r>
-              <a:rPr lang="ko-KR" altLang="en-US" dirty="0" err="1"/>
-              <a:t>초깃값으로</a:t>
-            </a:r>
-            <a:r>
-              <a:rPr lang="ko-KR" altLang="en-US" dirty="0"/>
-              <a:t> 설정하여 학습을 진행하면 된다</a:t>
-            </a:r>
-            <a:r>
-              <a:rPr lang="en-US" altLang="ko-KR" dirty="0"/>
-              <a:t>. </a:t>
-            </a:r>
-          </a:p>
-          <a:p>
-            <a:pPr marL="0" lvl="0" indent="0" algn="l" rtl="0">
-              <a:spcBef>
-                <a:spcPts val="0"/>
-              </a:spcBef>
-              <a:spcAft>
-                <a:spcPts val="0"/>
-              </a:spcAft>
-              <a:buNone/>
-            </a:pPr>
-            <a:endParaRPr lang="en-US" dirty="0"/>
-          </a:p>
-          <a:p>
-            <a:pPr marL="0" lvl="0" indent="0" algn="l" rtl="0">
-              <a:spcBef>
-                <a:spcPts val="0"/>
-              </a:spcBef>
-              <a:spcAft>
-                <a:spcPts val="0"/>
-              </a:spcAft>
-              <a:buNone/>
-            </a:pPr>
-            <a:r>
-              <a:rPr lang="ko-KR" altLang="en-US" dirty="0"/>
-              <a:t>그렇다면 추론 기반 기법이 무엇일까</a:t>
-            </a:r>
-            <a:r>
-              <a:rPr lang="en-US" altLang="ko-KR" dirty="0"/>
-              <a:t>? </a:t>
-            </a:r>
-            <a:r>
-              <a:rPr lang="ko-KR" altLang="en-US" dirty="0"/>
-              <a:t>추론기반 기법도 분포 가설을 기초로 단어를 벡터로 표현함</a:t>
-            </a:r>
-            <a:endParaRPr lang="en-US" altLang="ko-KR" dirty="0"/>
-          </a:p>
-          <a:p>
-            <a:pPr marL="0" lvl="0" indent="0" algn="l" rtl="0">
-              <a:spcBef>
-                <a:spcPts val="0"/>
-              </a:spcBef>
-              <a:spcAft>
-                <a:spcPts val="0"/>
-              </a:spcAft>
-              <a:buNone/>
-            </a:pPr>
-            <a:r>
-              <a:rPr lang="ko-KR" altLang="en-US" dirty="0" err="1"/>
-              <a:t>뒷페이지에서</a:t>
-            </a:r>
-            <a:r>
-              <a:rPr lang="ko-KR" altLang="en-US" dirty="0"/>
-              <a:t> 좀 더 자세히 알아본다</a:t>
-            </a:r>
-            <a:r>
-              <a:rPr lang="en-US" altLang="ko-KR" dirty="0"/>
-              <a:t>.</a:t>
-            </a:r>
-            <a:endParaRPr dirty="0"/>
+            <a:endParaRPr lang="ko-KR" altLang="en-US" b="1" dirty="0"/>
           </a:p>
         </p:txBody>
       </p:sp>
@@ -1216,268 +1210,78 @@
           </a:bodyPr>
           <a:lstStyle/>
           <a:p>
-            <a:pPr marL="0" lvl="0" indent="0" algn="l" rtl="0">
-              <a:spcBef>
-                <a:spcPts val="0"/>
-              </a:spcBef>
-              <a:spcAft>
-                <a:spcPts val="0"/>
-              </a:spcAft>
+            <a:pPr marL="158750" indent="0">
               <a:buNone/>
             </a:pPr>
             <a:r>
-              <a:rPr lang="ko-KR" altLang="en-US" dirty="0"/>
-              <a:t>추론 기반 역시 분포 가설에 기초한다</a:t>
-            </a:r>
-            <a:r>
-              <a:rPr lang="en-US" altLang="ko-KR" dirty="0"/>
+              <a:rPr lang="ko-KR" altLang="en-US" b="1" dirty="0"/>
+              <a:t>추론기반기법 역시 분포가설에 기초하여 문맥이 </a:t>
+            </a:r>
+            <a:r>
+              <a:rPr lang="ko-KR" altLang="en-US" b="1" dirty="0" err="1"/>
+              <a:t>주어졌을때</a:t>
+            </a:r>
+            <a:r>
+              <a:rPr lang="ko-KR" altLang="en-US" b="1" dirty="0"/>
+              <a:t> 타겟을 추론하는 기법입니다</a:t>
+            </a:r>
+            <a:r>
+              <a:rPr lang="en-US" altLang="ko-KR" b="1" dirty="0"/>
               <a:t>. </a:t>
             </a:r>
             <a:r>
-              <a:rPr lang="ko-KR" altLang="en-US" dirty="0"/>
-              <a:t>단어의 의미는 주변 단어에 의해 형성되므로</a:t>
-            </a:r>
-            <a:r>
-              <a:rPr lang="en-US" altLang="ko-KR" dirty="0"/>
+              <a:rPr lang="ko-KR" altLang="en-US" b="1" dirty="0"/>
+              <a:t>타겟에 등장할 단어를 확률로 출력을 얻습니다</a:t>
+            </a:r>
+            <a:r>
+              <a:rPr lang="en-US" altLang="ko-KR" b="1" dirty="0"/>
+              <a:t>.</a:t>
+            </a:r>
+          </a:p>
+          <a:p>
+            <a:pPr marL="158750" indent="0">
+              <a:buNone/>
+            </a:pPr>
+            <a:r>
+              <a:rPr lang="ko-KR" altLang="en-US" b="1" dirty="0"/>
+              <a:t>추론기반기법을 신경망에서 단어 처리 관점에서 본다면</a:t>
+            </a:r>
+            <a:r>
+              <a:rPr lang="en-US" altLang="ko-KR" b="1" dirty="0"/>
+              <a:t> </a:t>
+            </a:r>
+            <a:r>
+              <a:rPr lang="ko-KR" altLang="en-US" b="1" dirty="0"/>
+              <a:t>말뭉치를 인덱스와 </a:t>
+            </a:r>
+            <a:r>
+              <a:rPr lang="ko-KR" altLang="en-US" b="1" dirty="0" err="1"/>
+              <a:t>원핫</a:t>
+            </a:r>
+            <a:r>
+              <a:rPr lang="ko-KR" altLang="en-US" b="1" dirty="0"/>
+              <a:t> 벡터로 변환 후</a:t>
+            </a:r>
+            <a:r>
+              <a:rPr lang="en-US" altLang="ko-KR" b="1" dirty="0"/>
               <a:t>, </a:t>
             </a:r>
-          </a:p>
-          <a:p>
-            <a:pPr marL="0" lvl="0" indent="0" algn="l" rtl="0">
-              <a:spcBef>
-                <a:spcPts val="0"/>
-              </a:spcBef>
-              <a:spcAft>
-                <a:spcPts val="0"/>
-              </a:spcAft>
-              <a:buNone/>
-            </a:pPr>
-            <a:r>
-              <a:rPr lang="ko-KR" altLang="en-US" dirty="0"/>
-              <a:t>문장의 예에서 </a:t>
-            </a:r>
-            <a:r>
-              <a:rPr lang="en-US" altLang="ko-KR" dirty="0"/>
-              <a:t>2</a:t>
-            </a:r>
-            <a:r>
-              <a:rPr lang="ko-KR" altLang="en-US" dirty="0"/>
-              <a:t>개의 </a:t>
-            </a:r>
-            <a:r>
-              <a:rPr lang="en-US" altLang="ko-KR" dirty="0"/>
-              <a:t>contexts</a:t>
-            </a:r>
-            <a:r>
-              <a:rPr lang="ko-KR" altLang="en-US" dirty="0"/>
-              <a:t>를 </a:t>
-            </a:r>
-            <a:r>
-              <a:rPr lang="ko-KR" altLang="en-US" dirty="0" err="1"/>
-              <a:t>입력받아</a:t>
-            </a:r>
-            <a:r>
-              <a:rPr lang="ko-KR" altLang="en-US" dirty="0"/>
-              <a:t> 물음표 박스의 </a:t>
-            </a:r>
-            <a:r>
-              <a:rPr lang="en-US" altLang="ko-KR" dirty="0"/>
-              <a:t>target</a:t>
-            </a:r>
-            <a:r>
-              <a:rPr lang="ko-KR" altLang="en-US" dirty="0"/>
-              <a:t>을 추론하는 기법을 추론 기반 기법이라고 한다</a:t>
-            </a:r>
-            <a:r>
-              <a:rPr lang="en-US" altLang="ko-KR" dirty="0"/>
-              <a:t>. </a:t>
-            </a:r>
-          </a:p>
-          <a:p>
-            <a:pPr marL="0" lvl="0" indent="0" algn="l" rtl="0">
-              <a:spcBef>
-                <a:spcPts val="0"/>
-              </a:spcBef>
-              <a:spcAft>
-                <a:spcPts val="0"/>
-              </a:spcAft>
-              <a:buNone/>
-            </a:pPr>
-            <a:endParaRPr lang="en-US" altLang="ko-KR" dirty="0"/>
-          </a:p>
-          <a:p>
-            <a:pPr marL="0" lvl="0" indent="0" algn="l" rtl="0">
-              <a:spcBef>
-                <a:spcPts val="0"/>
-              </a:spcBef>
-              <a:spcAft>
-                <a:spcPts val="0"/>
-              </a:spcAft>
-              <a:buNone/>
-            </a:pPr>
-            <a:endParaRPr lang="en-US" altLang="ko-KR" dirty="0"/>
-          </a:p>
-          <a:p>
-            <a:pPr marL="0" lvl="0" indent="0" algn="l" rtl="0">
-              <a:spcBef>
-                <a:spcPts val="0"/>
-              </a:spcBef>
-              <a:spcAft>
-                <a:spcPts val="0"/>
-              </a:spcAft>
-              <a:buNone/>
-            </a:pPr>
-            <a:r>
-              <a:rPr lang="ko-KR" altLang="en-US" dirty="0"/>
-              <a:t>이를 신경망으로 적용하기 위해 단어 처리 과정을 거치는데 </a:t>
-            </a:r>
-            <a:endParaRPr lang="en-US" altLang="ko-KR" dirty="0"/>
-          </a:p>
-          <a:p>
-            <a:pPr marL="0" lvl="0" indent="0" algn="l" rtl="0">
-              <a:spcBef>
-                <a:spcPts val="0"/>
-              </a:spcBef>
-              <a:spcAft>
-                <a:spcPts val="0"/>
-              </a:spcAft>
-              <a:buNone/>
-            </a:pPr>
-            <a:r>
-              <a:rPr lang="ko-KR" altLang="en-US" dirty="0"/>
-              <a:t>말뭉치에 있는 단어를 </a:t>
-            </a:r>
-            <a:r>
-              <a:rPr lang="ko-KR" altLang="en-US" dirty="0" err="1"/>
-              <a:t>맨앞부터</a:t>
-            </a:r>
-            <a:r>
-              <a:rPr lang="ko-KR" altLang="en-US" dirty="0"/>
-              <a:t> </a:t>
-            </a:r>
-            <a:r>
-              <a:rPr lang="en-US" altLang="ko-KR" dirty="0"/>
-              <a:t>index</a:t>
-            </a:r>
-            <a:r>
-              <a:rPr lang="ko-KR" altLang="en-US" dirty="0"/>
-              <a:t>를 부여하고 </a:t>
-            </a:r>
-            <a:r>
-              <a:rPr lang="ko-KR" altLang="en-US" dirty="0" err="1"/>
-              <a:t>원핫표현</a:t>
-            </a:r>
-            <a:r>
-              <a:rPr lang="en-US" altLang="ko-KR" dirty="0"/>
+            <a:r>
+              <a:rPr lang="ko-KR" altLang="en-US" b="1" dirty="0"/>
+              <a:t>가중치와의 곱을 통해 은닉 벡터</a:t>
+            </a:r>
+            <a:r>
+              <a:rPr lang="en-US" altLang="ko-KR" b="1" dirty="0"/>
               <a:t>, </a:t>
             </a:r>
             <a:r>
-              <a:rPr lang="ko-KR" altLang="en-US" dirty="0"/>
-              <a:t>즉 고정 길이 벡터로 변환이 가능하다</a:t>
-            </a:r>
-            <a:r>
-              <a:rPr lang="en-US" altLang="ko-KR" dirty="0"/>
-              <a:t>. </a:t>
-            </a:r>
-            <a:r>
-              <a:rPr lang="ko-KR" altLang="en-US" dirty="0"/>
-              <a:t>위의 예에서는 입력층의 뉴런이 총 </a:t>
-            </a:r>
-            <a:r>
-              <a:rPr lang="en-US" altLang="ko-KR" dirty="0"/>
-              <a:t>7</a:t>
-            </a:r>
-            <a:r>
-              <a:rPr lang="ko-KR" altLang="en-US" dirty="0"/>
-              <a:t>개가 되는 것이다</a:t>
-            </a:r>
-            <a:r>
-              <a:rPr lang="en-US" altLang="ko-KR" dirty="0"/>
-              <a:t>. </a:t>
-            </a:r>
-          </a:p>
-          <a:p>
-            <a:pPr marL="0" lvl="0" indent="0" algn="l" rtl="0">
-              <a:spcBef>
-                <a:spcPts val="0"/>
-              </a:spcBef>
-              <a:spcAft>
-                <a:spcPts val="0"/>
-              </a:spcAft>
-              <a:buNone/>
-            </a:pPr>
-            <a:endParaRPr lang="en-US" dirty="0"/>
-          </a:p>
-          <a:p>
-            <a:pPr marL="0" lvl="0" indent="0" algn="l" rtl="0">
-              <a:spcBef>
-                <a:spcPts val="0"/>
-              </a:spcBef>
-              <a:spcAft>
-                <a:spcPts val="0"/>
-              </a:spcAft>
-              <a:buNone/>
-            </a:pPr>
-            <a:r>
-              <a:rPr lang="ko-KR" altLang="en-US" dirty="0"/>
-              <a:t>이후</a:t>
-            </a:r>
-            <a:r>
-              <a:rPr lang="en-US" altLang="ko-KR" dirty="0"/>
-              <a:t>, </a:t>
-            </a:r>
-            <a:r>
-              <a:rPr lang="ko-KR" altLang="en-US" dirty="0"/>
-              <a:t>은닉층의 뉴런이 </a:t>
-            </a:r>
-            <a:r>
-              <a:rPr lang="en-US" altLang="ko-KR" dirty="0"/>
-              <a:t>3</a:t>
-            </a:r>
-            <a:r>
-              <a:rPr lang="ko-KR" altLang="en-US" dirty="0"/>
-              <a:t>개라고 가정한다면 그림과 같이 완전연결계층으로 구성할 수 있다</a:t>
-            </a:r>
-            <a:r>
-              <a:rPr lang="en-US" altLang="ko-KR" dirty="0"/>
-              <a:t>. </a:t>
-            </a:r>
-          </a:p>
-          <a:p>
-            <a:pPr marL="0" lvl="0" indent="0" algn="l" rtl="0">
-              <a:spcBef>
-                <a:spcPts val="0"/>
-              </a:spcBef>
-              <a:spcAft>
-                <a:spcPts val="0"/>
-              </a:spcAft>
-              <a:buNone/>
-            </a:pPr>
-            <a:r>
-              <a:rPr lang="ko-KR" altLang="en-US" dirty="0"/>
-              <a:t>화살표에는 가중치 매개변수가 존재하여</a:t>
-            </a:r>
-            <a:r>
-              <a:rPr lang="en-US" altLang="ko-KR" dirty="0"/>
-              <a:t>, </a:t>
-            </a:r>
-            <a:r>
-              <a:rPr lang="ko-KR" altLang="en-US" dirty="0"/>
-              <a:t>가중합이 </a:t>
-            </a:r>
-            <a:r>
-              <a:rPr lang="ko-KR" altLang="en-US" dirty="0" err="1"/>
-              <a:t>은닉층</a:t>
-            </a:r>
-            <a:r>
-              <a:rPr lang="ko-KR" altLang="en-US" dirty="0"/>
-              <a:t> 뉴런이 된다</a:t>
-            </a:r>
-            <a:r>
-              <a:rPr lang="en-US" altLang="ko-KR" dirty="0"/>
+              <a:rPr lang="ko-KR" altLang="en-US" b="1" dirty="0"/>
+              <a:t>즉 분산표현을 얻습니다</a:t>
+            </a:r>
+            <a:r>
+              <a:rPr lang="en-US" altLang="ko-KR" b="1" dirty="0"/>
               <a:t>.</a:t>
             </a:r>
-            <a:endParaRPr dirty="0"/>
           </a:p>
         </p:txBody>
       </p:sp>
@@ -1577,6 +1381,165 @@
           </a:bodyPr>
           <a:lstStyle/>
           <a:p>
+            <a:pPr marL="158750" indent="0">
+              <a:buNone/>
+            </a:pPr>
+            <a:r>
+              <a:rPr lang="ko-KR" altLang="en-US" b="1" dirty="0"/>
+              <a:t>추론기반 기법의 대표적인 기법인 </a:t>
+            </a:r>
+            <a:r>
+              <a:rPr lang="en-US" altLang="ko-KR" b="1" dirty="0"/>
+              <a:t>word2vec</a:t>
+            </a:r>
+            <a:r>
+              <a:rPr lang="ko-KR" altLang="en-US" b="1" dirty="0"/>
+              <a:t>의 </a:t>
+            </a:r>
+            <a:r>
+              <a:rPr lang="en-US" altLang="ko-KR" b="1" dirty="0" err="1"/>
+              <a:t>CBoW</a:t>
+            </a:r>
+            <a:r>
+              <a:rPr lang="en-US" altLang="ko-KR" b="1" dirty="0"/>
+              <a:t> </a:t>
+            </a:r>
+            <a:r>
+              <a:rPr lang="ko-KR" altLang="en-US" b="1" dirty="0"/>
+              <a:t>모델입니다</a:t>
+            </a:r>
+            <a:r>
+              <a:rPr lang="en-US" altLang="ko-KR" b="1" dirty="0"/>
+              <a:t>.</a:t>
+            </a:r>
+          </a:p>
+          <a:p>
+            <a:pPr marL="158750" indent="0">
+              <a:buNone/>
+            </a:pPr>
+            <a:r>
+              <a:rPr lang="ko-KR" altLang="en-US" b="1" dirty="0"/>
+              <a:t>오른쪽 그림은 문맥이 </a:t>
+            </a:r>
+            <a:r>
+              <a:rPr lang="en-US" altLang="ko-KR" b="1" dirty="0"/>
+              <a:t>2</a:t>
+            </a:r>
+            <a:r>
+              <a:rPr lang="ko-KR" altLang="en-US" b="1" dirty="0"/>
+              <a:t>개여서 </a:t>
+            </a:r>
+            <a:r>
+              <a:rPr lang="en-US" altLang="ko-KR" b="1" dirty="0"/>
+              <a:t>0.5 </a:t>
+            </a:r>
+            <a:r>
+              <a:rPr lang="ko-KR" altLang="en-US" b="1" dirty="0"/>
+              <a:t>곱이 들어갔는데</a:t>
+            </a:r>
+            <a:r>
+              <a:rPr lang="en-US" altLang="ko-KR" b="1" dirty="0"/>
+              <a:t>, </a:t>
+            </a:r>
+            <a:r>
+              <a:rPr lang="ko-KR" altLang="en-US" b="1" dirty="0"/>
+              <a:t>이처럼 문맥들의 가중치 곱 평균이 은닉층의 </a:t>
+            </a:r>
+            <a:r>
+              <a:rPr lang="ko-KR" altLang="en-US" b="1" dirty="0" err="1"/>
+              <a:t>입력값</a:t>
+            </a:r>
+            <a:r>
+              <a:rPr lang="ko-KR" altLang="en-US" b="1" dirty="0"/>
+              <a:t> </a:t>
+            </a:r>
+            <a:r>
+              <a:rPr lang="en-US" altLang="ko-KR" b="1" dirty="0"/>
+              <a:t>h</a:t>
+            </a:r>
+            <a:r>
+              <a:rPr lang="ko-KR" altLang="en-US" b="1" dirty="0"/>
+              <a:t>가 됩니다</a:t>
+            </a:r>
+            <a:r>
+              <a:rPr lang="en-US" altLang="ko-KR" b="1" dirty="0"/>
+              <a:t>. </a:t>
+            </a:r>
+          </a:p>
+          <a:p>
+            <a:pPr marL="158750" indent="0">
+              <a:buNone/>
+            </a:pPr>
+            <a:r>
+              <a:rPr lang="ko-KR" altLang="en-US" b="1" dirty="0"/>
+              <a:t>이후 </a:t>
+            </a:r>
+            <a:r>
+              <a:rPr lang="ko-KR" altLang="en-US" b="1" dirty="0" err="1"/>
+              <a:t>은닉층</a:t>
+            </a:r>
+            <a:r>
+              <a:rPr lang="ko-KR" altLang="en-US" b="1" dirty="0"/>
+              <a:t> 출력과 가중치 </a:t>
+            </a:r>
+            <a:r>
+              <a:rPr lang="en-US" altLang="ko-KR" b="1" dirty="0" err="1"/>
+              <a:t>Wout</a:t>
+            </a:r>
+            <a:r>
+              <a:rPr lang="ko-KR" altLang="en-US" b="1" dirty="0"/>
+              <a:t>의 곱을 통해 </a:t>
+            </a:r>
+            <a:r>
+              <a:rPr lang="en-US" altLang="ko-KR" b="1" dirty="0"/>
+              <a:t>Score</a:t>
+            </a:r>
+            <a:r>
+              <a:rPr lang="ko-KR" altLang="en-US" b="1" dirty="0"/>
+              <a:t>를 얻을 수 있습니다</a:t>
+            </a:r>
+            <a:r>
+              <a:rPr lang="en-US" altLang="ko-KR" b="1" dirty="0"/>
+              <a:t>.</a:t>
+            </a:r>
+          </a:p>
+          <a:p>
+            <a:pPr marL="0" lvl="0" indent="0" algn="l" rtl="0">
+              <a:spcBef>
+                <a:spcPts val="0"/>
+              </a:spcBef>
+              <a:spcAft>
+                <a:spcPts val="0"/>
+              </a:spcAft>
+              <a:buNone/>
+            </a:pPr>
+            <a:endParaRPr lang="en-US" b="1" dirty="0"/>
+          </a:p>
+          <a:p>
+            <a:pPr marL="0" lvl="0" indent="0" algn="l" rtl="0">
+              <a:spcBef>
+                <a:spcPts val="0"/>
+              </a:spcBef>
+              <a:spcAft>
+                <a:spcPts val="0"/>
+              </a:spcAft>
+              <a:buNone/>
+            </a:pPr>
+            <a:endParaRPr lang="en-US" dirty="0"/>
+          </a:p>
+          <a:p>
+            <a:pPr marL="0" lvl="0" indent="0" algn="l" rtl="0">
+              <a:spcBef>
+                <a:spcPts val="0"/>
+              </a:spcBef>
+              <a:spcAft>
+                <a:spcPts val="0"/>
+              </a:spcAft>
+              <a:buNone/>
+            </a:pPr>
+            <a:endParaRPr lang="en-US" dirty="0"/>
+          </a:p>
+          <a:p>
             <a:pPr marL="0" lvl="0" indent="0" algn="l" rtl="0">
               <a:spcBef>
                 <a:spcPts val="0"/>
@@ -1815,70 +1778,26 @@
               <a:buNone/>
             </a:pPr>
             <a:r>
-              <a:rPr lang="ko-KR" altLang="en-US" dirty="0"/>
-              <a:t>은닉벡터 </a:t>
-            </a:r>
-            <a:r>
-              <a:rPr lang="en-US" altLang="ko-KR" dirty="0"/>
-              <a:t>h</a:t>
-            </a:r>
-            <a:r>
-              <a:rPr lang="ko-KR" altLang="en-US" dirty="0"/>
-              <a:t>가 </a:t>
-            </a:r>
-            <a:r>
-              <a:rPr lang="en-US" altLang="ko-KR" dirty="0" err="1"/>
-              <a:t>Wout</a:t>
-            </a:r>
-            <a:r>
-              <a:rPr lang="ko-KR" altLang="en-US" dirty="0"/>
-              <a:t>과의 곱을 통해 나온 </a:t>
-            </a:r>
-            <a:r>
-              <a:rPr lang="en-US" altLang="ko-KR" dirty="0"/>
-              <a:t>Score -&gt; </a:t>
-            </a:r>
-            <a:r>
-              <a:rPr lang="en-US" altLang="ko-KR" dirty="0" err="1"/>
-              <a:t>Softmax</a:t>
-            </a:r>
-            <a:r>
-              <a:rPr lang="ko-KR" altLang="en-US" dirty="0"/>
-              <a:t>를 통한 정규화 </a:t>
-            </a:r>
-            <a:r>
-              <a:rPr lang="en-US" altLang="ko-KR" dirty="0"/>
-              <a:t>-&gt; </a:t>
-            </a:r>
-            <a:r>
-              <a:rPr lang="ko-KR" altLang="en-US" dirty="0"/>
-              <a:t>이후 정답 레이블</a:t>
-            </a:r>
-            <a:r>
-              <a:rPr lang="en-US" altLang="ko-KR" dirty="0"/>
-              <a:t>(</a:t>
-            </a:r>
-            <a:r>
-              <a:rPr lang="ko-KR" altLang="en-US" dirty="0"/>
-              <a:t>원</a:t>
-            </a:r>
-            <a:r>
-              <a:rPr lang="en-US" altLang="ko-KR" dirty="0"/>
-              <a:t>-</a:t>
-            </a:r>
-            <a:r>
-              <a:rPr lang="ko-KR" altLang="en-US" dirty="0"/>
-              <a:t>핫 인코딩</a:t>
-            </a:r>
-            <a:r>
-              <a:rPr lang="en-US" altLang="ko-KR" dirty="0"/>
-              <a:t>) </a:t>
-            </a:r>
-            <a:r>
-              <a:rPr lang="ko-KR" altLang="en-US" dirty="0"/>
-              <a:t>을 통해 교차 엔트로피 손실 함수를 통해 최종 손실이 출력</a:t>
-            </a:r>
-            <a:endParaRPr dirty="0"/>
+              <a:rPr lang="en-US" altLang="ko-KR" b="1" dirty="0"/>
+              <a:t>score</a:t>
+            </a:r>
+            <a:r>
+              <a:rPr lang="ko-KR" altLang="en-US" b="1" dirty="0"/>
+              <a:t>를 </a:t>
+            </a:r>
+            <a:r>
+              <a:rPr lang="en-US" altLang="ko-KR" b="1" dirty="0" err="1"/>
+              <a:t>softmax</a:t>
+            </a:r>
+            <a:r>
+              <a:rPr lang="ko-KR" altLang="en-US" b="1" dirty="0"/>
+              <a:t>함수를 통해 확률을 얻어 교차 엔트로피 오차를 통해 최종 손실을 구합니다</a:t>
+            </a:r>
+            <a:r>
+              <a:rPr lang="en-US" altLang="ko-KR" b="1" dirty="0"/>
+              <a:t>. </a:t>
+            </a:r>
+            <a:endParaRPr b="1" dirty="0"/>
           </a:p>
         </p:txBody>
       </p:sp>
@@ -1978,6 +1897,101 @@
           </a:bodyPr>
           <a:lstStyle/>
           <a:p>
+            <a:pPr marL="158750" indent="0">
+              <a:buNone/>
+            </a:pPr>
+            <a:r>
+              <a:rPr lang="en-US" altLang="ko-KR" b="1" dirty="0"/>
+              <a:t>Word2vec</a:t>
+            </a:r>
+            <a:r>
+              <a:rPr lang="ko-KR" altLang="en-US" b="1" dirty="0"/>
+              <a:t>의 또 다른 모델인 </a:t>
+            </a:r>
+            <a:r>
+              <a:rPr lang="en-US" altLang="ko-KR" b="1" dirty="0"/>
+              <a:t>skip-gram</a:t>
+            </a:r>
+            <a:r>
+              <a:rPr lang="ko-KR" altLang="en-US" b="1" dirty="0"/>
+              <a:t>입니다</a:t>
+            </a:r>
+            <a:r>
+              <a:rPr lang="en-US" altLang="ko-KR" b="1" dirty="0"/>
+              <a:t>.</a:t>
+            </a:r>
+          </a:p>
+          <a:p>
+            <a:pPr marL="158750" indent="0">
+              <a:buNone/>
+            </a:pPr>
+            <a:r>
+              <a:rPr lang="ko-KR" altLang="en-US" b="1" dirty="0"/>
+              <a:t>앞서 </a:t>
+            </a:r>
+            <a:r>
+              <a:rPr lang="ko-KR" altLang="en-US" b="1" dirty="0" err="1"/>
+              <a:t>설명드렸던</a:t>
+            </a:r>
+            <a:r>
+              <a:rPr lang="ko-KR" altLang="en-US" b="1" dirty="0"/>
+              <a:t> </a:t>
+            </a:r>
+            <a:r>
+              <a:rPr lang="en-US" altLang="ko-KR" b="1" dirty="0" err="1"/>
+              <a:t>CBoW</a:t>
+            </a:r>
+            <a:r>
+              <a:rPr lang="ko-KR" altLang="en-US" b="1" dirty="0"/>
+              <a:t>는 문맥으로부터 타겟 단어를 추론하는 </a:t>
+            </a:r>
+            <a:r>
+              <a:rPr lang="ko-KR" altLang="en-US" b="1" dirty="0" err="1"/>
+              <a:t>과정이였고</a:t>
+            </a:r>
+            <a:r>
+              <a:rPr lang="en-US" altLang="ko-KR" b="1" dirty="0"/>
+              <a:t>, skip-gram</a:t>
+            </a:r>
+            <a:r>
+              <a:rPr lang="ko-KR" altLang="en-US" b="1" dirty="0"/>
+              <a:t>은 반대로 </a:t>
+            </a:r>
+            <a:r>
+              <a:rPr lang="ko-KR" altLang="en-US" b="1" dirty="0" err="1"/>
+              <a:t>타겟으로부터</a:t>
+            </a:r>
+            <a:r>
+              <a:rPr lang="ko-KR" altLang="en-US" b="1" dirty="0"/>
+              <a:t> 주위 문맥을 추론합니다</a:t>
+            </a:r>
+            <a:r>
+              <a:rPr lang="en-US" altLang="ko-KR" b="1" dirty="0"/>
+              <a:t>. </a:t>
+            </a:r>
+          </a:p>
+          <a:p>
+            <a:pPr marL="158750" indent="0">
+              <a:buNone/>
+            </a:pPr>
+            <a:r>
+              <a:rPr lang="ko-KR" altLang="en-US" b="1" dirty="0"/>
+              <a:t>손실 </a:t>
+            </a:r>
+            <a:r>
+              <a:rPr lang="ko-KR" altLang="en-US" b="1" dirty="0" err="1"/>
+              <a:t>함수값은</a:t>
+            </a:r>
+            <a:r>
+              <a:rPr lang="ko-KR" altLang="en-US" b="1" dirty="0"/>
+              <a:t> 문맥 손실합의 평균이 됩니다</a:t>
+            </a:r>
+            <a:r>
+              <a:rPr lang="en-US" altLang="ko-KR" b="1" dirty="0"/>
+              <a:t>.</a:t>
+            </a:r>
+          </a:p>
+          <a:p>
             <a:pPr marL="0" lvl="0" indent="0" algn="l" rtl="0">
               <a:spcBef>
                 <a:spcPts val="0"/>
@@ -1987,7 +2001,7 @@
               </a:spcAft>
               <a:buNone/>
             </a:pPr>
-            <a:endParaRPr dirty="0"/>
+            <a:endParaRPr b="1" dirty="0"/>
           </a:p>
         </p:txBody>
       </p:sp>
@@ -2087,6 +2101,111 @@
           </a:bodyPr>
           <a:lstStyle/>
           <a:p>
+            <a:pPr marL="158750" indent="0">
+              <a:buNone/>
+            </a:pPr>
+            <a:r>
+              <a:rPr lang="ko-KR" altLang="en-US" b="1" dirty="0"/>
+              <a:t>통계 기반 기법과 추론 기반 기법을 비교해 보았을 때</a:t>
+            </a:r>
+            <a:r>
+              <a:rPr lang="en-US" altLang="ko-KR" b="1" dirty="0"/>
+              <a:t>, </a:t>
+            </a:r>
+            <a:r>
+              <a:rPr lang="ko-KR" altLang="en-US" b="1" dirty="0"/>
+              <a:t>효율적인 면에서는 추론 기반 기법이 </a:t>
+            </a:r>
+            <a:r>
+              <a:rPr lang="ko-KR" altLang="en-US" b="1" dirty="0" err="1"/>
+              <a:t>효율적이였습니다</a:t>
+            </a:r>
+            <a:r>
+              <a:rPr lang="en-US" altLang="ko-KR" b="1" dirty="0"/>
+              <a:t>. </a:t>
+            </a:r>
+          </a:p>
+          <a:p>
+            <a:pPr marL="158750" indent="0">
+              <a:buNone/>
+            </a:pPr>
+            <a:r>
+              <a:rPr lang="ko-KR" altLang="en-US" b="1" dirty="0"/>
+              <a:t>하지만 유사성을 정량 평가 결과 우열을 가릴 순 없었다고 합니다</a:t>
+            </a:r>
+            <a:r>
+              <a:rPr lang="en-US" altLang="ko-KR" b="1" dirty="0"/>
+              <a:t>.</a:t>
+            </a:r>
+          </a:p>
+          <a:p>
+            <a:pPr marL="158750" indent="0">
+              <a:buNone/>
+            </a:pPr>
+            <a:r>
+              <a:rPr lang="en-US" altLang="ko-KR" b="1" dirty="0"/>
+              <a:t>word2vec</a:t>
+            </a:r>
+            <a:r>
+              <a:rPr lang="ko-KR" altLang="en-US" b="1" dirty="0"/>
+              <a:t>의 경우 다음 예와 같은 유추 문제를 풀 수 있습니다</a:t>
+            </a:r>
+            <a:r>
+              <a:rPr lang="en-US" altLang="ko-KR" b="1" dirty="0"/>
+              <a:t>.</a:t>
+            </a:r>
+          </a:p>
+          <a:p>
+            <a:pPr marL="158750" indent="0">
+              <a:buNone/>
+            </a:pPr>
+            <a:r>
+              <a:rPr lang="ko-KR" altLang="en-US" b="1" dirty="0"/>
+              <a:t>통계기반 기법과 추론기반 기법을 융합한 단어 </a:t>
+            </a:r>
+            <a:r>
+              <a:rPr lang="ko-KR" altLang="en-US" b="1" dirty="0" err="1"/>
+              <a:t>임베딩</a:t>
+            </a:r>
+            <a:r>
+              <a:rPr lang="ko-KR" altLang="en-US" b="1" dirty="0"/>
+              <a:t> 모델인 </a:t>
+            </a:r>
+            <a:r>
+              <a:rPr lang="en-US" altLang="ko-KR" b="1" dirty="0" err="1"/>
+              <a:t>GloVe</a:t>
+            </a:r>
+            <a:r>
+              <a:rPr lang="ko-KR" altLang="en-US" b="1" dirty="0"/>
+              <a:t>가 있습니다</a:t>
+            </a:r>
+            <a:r>
+              <a:rPr lang="en-US" altLang="ko-KR" b="1" dirty="0"/>
+              <a:t>.</a:t>
+            </a:r>
+          </a:p>
+          <a:p>
+            <a:pPr marL="158750" indent="0">
+              <a:buNone/>
+            </a:pPr>
+            <a:r>
+              <a:rPr lang="ko-KR" altLang="en-US" b="1" dirty="0"/>
+              <a:t>행렬 분해 기반 방식을 사용해 단어 벡터를 직접 최적화하고</a:t>
+            </a:r>
+            <a:r>
+              <a:rPr lang="en-US" altLang="ko-KR" b="1" dirty="0"/>
+              <a:t>, </a:t>
+            </a:r>
+            <a:r>
+              <a:rPr lang="ko-KR" altLang="en-US" b="1" dirty="0"/>
+              <a:t>확률을 이용합니다</a:t>
+            </a:r>
+            <a:r>
+              <a:rPr lang="en-US" altLang="ko-KR" b="1" dirty="0"/>
+              <a:t>.</a:t>
+            </a:r>
+          </a:p>
+          <a:p>
             <a:pPr marL="0" lvl="0" indent="0" algn="l" rtl="0">
               <a:spcBef>
                 <a:spcPts val="0"/>
@@ -2096,6 +2215,42 @@
               </a:spcAft>
               <a:buNone/>
             </a:pPr>
+            <a:endParaRPr lang="en-US" altLang="ko-KR" dirty="0"/>
+          </a:p>
+          <a:p>
+            <a:pPr marL="0" lvl="0" indent="0" algn="l" rtl="0">
+              <a:spcBef>
+                <a:spcPts val="0"/>
+              </a:spcBef>
+              <a:spcAft>
+                <a:spcPts val="0"/>
+              </a:spcAft>
+              <a:buNone/>
+            </a:pPr>
+            <a:endParaRPr lang="en-US" altLang="ko-KR" dirty="0"/>
+          </a:p>
+          <a:p>
+            <a:pPr marL="0" lvl="0" indent="0" algn="l" rtl="0">
+              <a:spcBef>
+                <a:spcPts val="0"/>
+              </a:spcBef>
+              <a:spcAft>
+                <a:spcPts val="0"/>
+              </a:spcAft>
+              <a:buNone/>
+            </a:pPr>
+            <a:endParaRPr lang="en-US" altLang="ko-KR" dirty="0"/>
+          </a:p>
+          <a:p>
+            <a:pPr marL="0" lvl="0" indent="0" algn="l" rtl="0">
+              <a:spcBef>
+                <a:spcPts val="0"/>
+              </a:spcBef>
+              <a:spcAft>
+                <a:spcPts val="0"/>
+              </a:spcAft>
+              <a:buNone/>
+            </a:pPr>
             <a:r>
               <a:rPr lang="ko-KR" altLang="en-US" dirty="0" err="1"/>
               <a:t>동시등장행렬</a:t>
@@ -2215,22 +2370,22 @@
               <a:buNone/>
             </a:pPr>
             <a:r>
-              <a:rPr lang="ko-KR" altLang="en-US" b="1" dirty="0"/>
+              <a:rPr lang="ko-KR" altLang="en-US" b="0" dirty="0"/>
               <a:t>행렬 분해 기반 방식을 사용해 단어 벡터를 직접 최적화</a:t>
             </a:r>
             <a:r>
-              <a:rPr lang="en-US" altLang="ko-KR" b="1" dirty="0"/>
+              <a:rPr lang="en-US" altLang="ko-KR" b="0" dirty="0"/>
               <a:t>, </a:t>
             </a:r>
             <a:r>
-              <a:rPr lang="ko-KR" altLang="en-US" b="1" dirty="0"/>
+              <a:rPr lang="ko-KR" altLang="en-US" b="0" dirty="0"/>
               <a:t>확률을 이용한다</a:t>
             </a:r>
             <a:r>
-              <a:rPr lang="en-US" altLang="ko-KR" b="1" dirty="0"/>
+              <a:rPr lang="en-US" altLang="ko-KR" b="0" dirty="0"/>
               <a:t>. </a:t>
             </a:r>
-            <a:endParaRPr b="1" dirty="0"/>
+            <a:endParaRPr b="0" dirty="0"/>
           </a:p>
         </p:txBody>
       </p:sp>
@@ -2337,34 +2492,25 @@
               <a:spcAft>
                 <a:spcPts val="0"/>
               </a:spcAft>
-              <a:buClr>
-                <a:schemeClr val="dk1"/>
-              </a:buClr>
-              <a:buSzPts val="1100"/>
-              <a:buFont typeface="Noto Sans"/>
               <a:buNone/>
             </a:pPr>
-            <a:endParaRPr sz="1200" i="1" dirty="0">
-              <a:solidFill>
-                <a:srgbClr val="595959"/>
-              </a:solidFill>
-              <a:latin typeface="Noto Sans" panose="020B0502040504020204" pitchFamily="34" charset="0"/>
-              <a:ea typeface="Noto Sans" panose="020B0502040504020204" pitchFamily="34" charset="0"/>
-              <a:cs typeface="Anaheim"/>
-              <a:sym typeface="Anaheim"/>
-            </a:endParaRPr>
-          </a:p>
-          <a:p>
-            <a:pPr marL="0" lvl="0" indent="0" algn="l" rtl="0">
-              <a:spcBef>
-                <a:spcPts val="0"/>
-              </a:spcBef>
-              <a:spcAft>
-                <a:spcPts val="0"/>
-              </a:spcAft>
-              <a:buNone/>
-            </a:pPr>
-            <a:endParaRPr dirty="0"/>
+            <a:r>
+              <a:rPr lang="ko-KR" altLang="en-US" b="1" dirty="0"/>
+              <a:t>추론기반 기법 </a:t>
+            </a:r>
+            <a:r>
+              <a:rPr lang="en-US" altLang="ko-KR" b="1" dirty="0"/>
+              <a:t>Word2vec</a:t>
+            </a:r>
+            <a:r>
+              <a:rPr lang="ko-KR" altLang="en-US" b="1" dirty="0"/>
+              <a:t>의 속도 개선을 다루는 챕터입니다</a:t>
+            </a:r>
+            <a:r>
+              <a:rPr lang="en-US" altLang="ko-KR" b="1" dirty="0"/>
+              <a:t>. </a:t>
+            </a:r>
+            <a:endParaRPr b="1" dirty="0"/>
           </a:p>
         </p:txBody>
       </p:sp>
@@ -2464,6 +2610,163 @@
           </a:bodyPr>
           <a:lstStyle/>
           <a:p>
+            <a:pPr marL="158750" indent="0">
+              <a:buNone/>
+            </a:pPr>
+            <a:r>
+              <a:rPr lang="ko-KR" altLang="en-US" b="1" dirty="0"/>
+              <a:t>기존 </a:t>
+            </a:r>
+            <a:r>
+              <a:rPr lang="en-US" altLang="ko-KR" b="1" dirty="0" err="1"/>
+              <a:t>CboW</a:t>
+            </a:r>
+            <a:r>
+              <a:rPr lang="ko-KR" altLang="en-US" b="1" dirty="0"/>
+              <a:t>모델의 문제점은 어휘와 </a:t>
+            </a:r>
+            <a:r>
+              <a:rPr lang="ko-KR" altLang="en-US" b="1" dirty="0" err="1"/>
+              <a:t>은닉층</a:t>
+            </a:r>
+            <a:r>
+              <a:rPr lang="ko-KR" altLang="en-US" b="1" dirty="0"/>
+              <a:t> 뉴런의 개수가 많아지면 </a:t>
+            </a:r>
+            <a:r>
+              <a:rPr lang="ko-KR" altLang="en-US" b="1" dirty="0" err="1"/>
+              <a:t>계산량이</a:t>
+            </a:r>
+            <a:r>
+              <a:rPr lang="ko-KR" altLang="en-US" b="1" dirty="0"/>
+              <a:t> 커져 병목현상이 발생합니다</a:t>
+            </a:r>
+            <a:r>
+              <a:rPr lang="en-US" altLang="ko-KR" b="1" dirty="0"/>
+              <a:t>. </a:t>
+            </a:r>
+          </a:p>
+          <a:p>
+            <a:pPr marL="158750" indent="0">
+              <a:buNone/>
+            </a:pPr>
+            <a:r>
+              <a:rPr lang="ko-KR" altLang="en-US" b="1" dirty="0"/>
+              <a:t>이를 해결하기 위해 </a:t>
+            </a:r>
+            <a:r>
+              <a:rPr lang="en-US" altLang="ko-KR" b="1" dirty="0"/>
+              <a:t>Embedding</a:t>
+            </a:r>
+            <a:r>
+              <a:rPr lang="ko-KR" altLang="en-US" b="1" dirty="0"/>
+              <a:t>계층이 도입됩니다</a:t>
+            </a:r>
+            <a:r>
+              <a:rPr lang="en-US" altLang="ko-KR" b="1" dirty="0"/>
+              <a:t>.</a:t>
+            </a:r>
+          </a:p>
+          <a:p>
+            <a:pPr marL="158750" indent="0">
+              <a:buNone/>
+            </a:pPr>
+            <a:r>
+              <a:rPr lang="ko-KR" altLang="en-US" b="1" dirty="0"/>
+              <a:t>기존 </a:t>
+            </a:r>
+            <a:r>
+              <a:rPr lang="en-US" altLang="ko-KR" b="1" dirty="0" err="1"/>
+              <a:t>CBoW</a:t>
+            </a:r>
+            <a:r>
+              <a:rPr lang="ko-KR" altLang="en-US" b="1" dirty="0"/>
+              <a:t>모델의 </a:t>
+            </a:r>
+            <a:r>
+              <a:rPr lang="ko-KR" altLang="en-US" b="1" dirty="0" err="1"/>
+              <a:t>은닉층</a:t>
+            </a:r>
+            <a:r>
+              <a:rPr lang="ko-KR" altLang="en-US" b="1" dirty="0"/>
+              <a:t> 입력구간을 보면 희소벡터와 가중치의 곱은 인덱스에 해당하는 가중치 </a:t>
+            </a:r>
+            <a:r>
+              <a:rPr lang="ko-KR" altLang="en-US" b="1" dirty="0" err="1"/>
+              <a:t>행벡터</a:t>
+            </a:r>
+            <a:r>
+              <a:rPr lang="ko-KR" altLang="en-US" b="1" dirty="0"/>
+              <a:t> 추출과 동일합니다</a:t>
+            </a:r>
+            <a:r>
+              <a:rPr lang="en-US" altLang="ko-KR" b="1" dirty="0"/>
+              <a:t>.</a:t>
+            </a:r>
+          </a:p>
+          <a:p>
+            <a:pPr marL="158750" indent="0">
+              <a:buNone/>
+            </a:pPr>
+            <a:r>
+              <a:rPr lang="ko-KR" altLang="en-US" b="1" dirty="0"/>
+              <a:t>따라서 희소벡터가 아닌 인덱스를 </a:t>
+            </a:r>
+            <a:r>
+              <a:rPr lang="ko-KR" altLang="en-US" b="1" dirty="0" err="1"/>
+              <a:t>입력값으로</a:t>
+            </a:r>
+            <a:r>
+              <a:rPr lang="ko-KR" altLang="en-US" b="1" dirty="0"/>
+              <a:t> 주어 해당 </a:t>
+            </a:r>
+            <a:r>
+              <a:rPr lang="ko-KR" altLang="en-US" b="1" dirty="0" err="1"/>
+              <a:t>행만들</a:t>
+            </a:r>
+            <a:r>
+              <a:rPr lang="ko-KR" altLang="en-US" b="1" dirty="0"/>
+              <a:t> 추출하도록 합니다</a:t>
+            </a:r>
+            <a:r>
+              <a:rPr lang="en-US" altLang="ko-KR" b="1" dirty="0"/>
+              <a:t>.</a:t>
+            </a:r>
+          </a:p>
+          <a:p>
+            <a:pPr marL="158750" indent="0">
+              <a:buNone/>
+            </a:pPr>
+            <a:r>
+              <a:rPr lang="ko-KR" altLang="en-US" b="1" dirty="0" err="1"/>
+              <a:t>역전파</a:t>
+            </a:r>
+            <a:r>
+              <a:rPr lang="ko-KR" altLang="en-US" b="1" dirty="0"/>
+              <a:t> 과정에서 한 단어가 </a:t>
+            </a:r>
+            <a:r>
+              <a:rPr lang="ko-KR" altLang="en-US" b="1" dirty="0" err="1"/>
+              <a:t>여러번</a:t>
+            </a:r>
+            <a:r>
+              <a:rPr lang="ko-KR" altLang="en-US" b="1" dirty="0"/>
+              <a:t> 등장할 경우 </a:t>
+            </a:r>
+            <a:r>
+              <a:rPr lang="ko-KR" altLang="en-US" b="1" dirty="0" err="1"/>
+              <a:t>갱신값이</a:t>
+            </a:r>
+            <a:r>
+              <a:rPr lang="ko-KR" altLang="en-US" b="1" dirty="0"/>
+              <a:t> 덮어쓰기 될 경우를 대비하여 손실함수 값을 더하기로 학습합니다</a:t>
+            </a:r>
+            <a:r>
+              <a:rPr lang="en-US" altLang="ko-KR" b="1" dirty="0"/>
+              <a:t>.</a:t>
+            </a:r>
+          </a:p>
+          <a:p>
             <a:pPr marL="0" lvl="0" indent="0" algn="l" rtl="0">
               <a:spcBef>
                 <a:spcPts val="0"/>
@@ -2473,7 +2776,7 @@
               </a:spcAft>
               <a:buNone/>
             </a:pPr>
-            <a:endParaRPr dirty="0"/>
+            <a:endParaRPr b="1" dirty="0"/>
           </a:p>
         </p:txBody>
       </p:sp>
@@ -2573,6 +2876,156 @@
           </a:bodyPr>
           <a:lstStyle/>
           <a:p>
+            <a:pPr marL="158750" indent="0">
+              <a:buNone/>
+            </a:pPr>
+            <a:r>
+              <a:rPr lang="ko-KR" altLang="en-US" b="1" dirty="0"/>
+              <a:t>앞장의 내용과 마찬가지로</a:t>
+            </a:r>
+            <a:r>
+              <a:rPr lang="en-US" altLang="ko-KR" b="1" dirty="0"/>
+              <a:t>, </a:t>
+            </a:r>
+            <a:r>
+              <a:rPr lang="ko-KR" altLang="en-US" b="1" dirty="0" err="1"/>
+              <a:t>은닉층</a:t>
+            </a:r>
+            <a:r>
+              <a:rPr lang="ko-KR" altLang="en-US" b="1" dirty="0"/>
+              <a:t> 출력과 가중치 </a:t>
+            </a:r>
+            <a:r>
+              <a:rPr lang="en-US" altLang="ko-KR" b="1" dirty="0" err="1"/>
+              <a:t>Wout</a:t>
+            </a:r>
+            <a:r>
+              <a:rPr lang="ko-KR" altLang="en-US" b="1" dirty="0"/>
+              <a:t>의 곱 </a:t>
+            </a:r>
+            <a:r>
+              <a:rPr lang="ko-KR" altLang="en-US" b="1" dirty="0" err="1"/>
+              <a:t>계산량과</a:t>
+            </a:r>
+            <a:r>
+              <a:rPr lang="ko-KR" altLang="en-US" b="1" dirty="0"/>
+              <a:t> </a:t>
+            </a:r>
+            <a:r>
+              <a:rPr lang="en-US" altLang="ko-KR" b="1" dirty="0" err="1"/>
+              <a:t>Softmax</a:t>
+            </a:r>
+            <a:r>
+              <a:rPr lang="en-US" altLang="ko-KR" b="1" dirty="0"/>
+              <a:t> </a:t>
+            </a:r>
+            <a:r>
+              <a:rPr lang="ko-KR" altLang="en-US" b="1" dirty="0"/>
+              <a:t>계산식의 무거움의 문제점도 있습니다</a:t>
+            </a:r>
+            <a:r>
+              <a:rPr lang="en-US" altLang="ko-KR" b="1" dirty="0"/>
+              <a:t>.</a:t>
+            </a:r>
+          </a:p>
+          <a:p>
+            <a:pPr marL="158750" indent="0">
+              <a:buNone/>
+            </a:pPr>
+            <a:r>
+              <a:rPr lang="ko-KR" altLang="en-US" b="1" dirty="0"/>
+              <a:t>해결 방법으로 네거티브 샘플링 기법을 도입했는데요</a:t>
+            </a:r>
+            <a:r>
+              <a:rPr lang="en-US" altLang="ko-KR" b="1" dirty="0"/>
+              <a:t>, </a:t>
+            </a:r>
+            <a:r>
+              <a:rPr lang="ko-KR" altLang="en-US" b="1" dirty="0"/>
+              <a:t>기존의 </a:t>
+            </a:r>
+            <a:r>
+              <a:rPr lang="en-US" altLang="ko-KR" b="1" dirty="0" err="1"/>
+              <a:t>Softmax</a:t>
+            </a:r>
+            <a:r>
+              <a:rPr lang="ko-KR" altLang="en-US" b="1" dirty="0"/>
+              <a:t>함수의 다중 분류 방식을 </a:t>
+            </a:r>
+            <a:r>
+              <a:rPr lang="en-US" altLang="ko-KR" b="1" dirty="0"/>
+              <a:t>Sigmoid</a:t>
+            </a:r>
+            <a:r>
+              <a:rPr lang="ko-KR" altLang="en-US" b="1" dirty="0"/>
+              <a:t>함수를 사용하여 예</a:t>
+            </a:r>
+            <a:r>
+              <a:rPr lang="en-US" altLang="ko-KR" b="1" dirty="0"/>
+              <a:t>/</a:t>
+            </a:r>
+            <a:r>
+              <a:rPr lang="ko-KR" altLang="en-US" b="1" dirty="0" err="1"/>
+              <a:t>아니오와</a:t>
+            </a:r>
+            <a:r>
+              <a:rPr lang="ko-KR" altLang="en-US" b="1" dirty="0"/>
+              <a:t> 같은 이진 분류로 근사하는 기법입니다</a:t>
+            </a:r>
+            <a:r>
+              <a:rPr lang="en-US" altLang="ko-KR" b="1" dirty="0"/>
+              <a:t>.</a:t>
+            </a:r>
+          </a:p>
+          <a:p>
+            <a:pPr marL="0" lvl="0" indent="0" algn="l" rtl="0">
+              <a:spcBef>
+                <a:spcPts val="0"/>
+              </a:spcBef>
+              <a:spcAft>
+                <a:spcPts val="0"/>
+              </a:spcAft>
+              <a:buNone/>
+            </a:pPr>
+            <a:endParaRPr lang="en-US" altLang="ko-KR" b="1" dirty="0"/>
+          </a:p>
+          <a:p>
+            <a:pPr marL="0" lvl="0" indent="0" algn="l" rtl="0">
+              <a:spcBef>
+                <a:spcPts val="0"/>
+              </a:spcBef>
+              <a:spcAft>
+                <a:spcPts val="0"/>
+              </a:spcAft>
+              <a:buNone/>
+            </a:pPr>
+            <a:endParaRPr lang="en-US" altLang="ko-KR" b="1" dirty="0"/>
+          </a:p>
+          <a:p>
+            <a:pPr marL="0" lvl="0" indent="0" algn="l" rtl="0">
+              <a:spcBef>
+                <a:spcPts val="0"/>
+              </a:spcBef>
+              <a:spcAft>
+                <a:spcPts val="0"/>
+              </a:spcAft>
+              <a:buNone/>
+            </a:pPr>
+            <a:endParaRPr lang="en-US" altLang="ko-KR" dirty="0"/>
+          </a:p>
+          <a:p>
+            <a:pPr marL="0" lvl="0" indent="0" algn="l" rtl="0">
+              <a:spcBef>
+                <a:spcPts val="0"/>
+              </a:spcBef>
+              <a:spcAft>
+                <a:spcPts val="0"/>
+              </a:spcAft>
+              <a:buNone/>
+            </a:pPr>
+            <a:endParaRPr lang="en-US" altLang="ko-KR" dirty="0"/>
+          </a:p>
+          <a:p>
             <a:pPr marL="0" lvl="0" indent="0" algn="l" rtl="0">
               <a:spcBef>
                 <a:spcPts val="0"/>
@@ -2777,6 +3230,81 @@
           </a:bodyPr>
           <a:lstStyle/>
           <a:p>
+            <a:pPr marL="158750" indent="0">
+              <a:buNone/>
+            </a:pPr>
+            <a:r>
+              <a:rPr lang="ko-KR" altLang="en-US" b="1" dirty="0"/>
+              <a:t>정답 레이블인 긍정적 예와 오답 레이블인 부정적 예를 몇개 학습하는데</a:t>
+            </a:r>
+            <a:r>
+              <a:rPr lang="en-US" altLang="ko-KR" b="1" dirty="0"/>
+              <a:t>, </a:t>
+            </a:r>
+            <a:r>
+              <a:rPr lang="ko-KR" altLang="en-US" b="1" dirty="0"/>
+              <a:t>이때 부정적 예는 적은 수를 </a:t>
+            </a:r>
+            <a:r>
+              <a:rPr lang="ko-KR" altLang="en-US" b="1" dirty="0" err="1"/>
+              <a:t>샘플링합니다</a:t>
+            </a:r>
+            <a:r>
+              <a:rPr lang="en-US" altLang="ko-KR" b="1" dirty="0"/>
+              <a:t>.</a:t>
+            </a:r>
+          </a:p>
+          <a:p>
+            <a:pPr marL="158750" indent="0">
+              <a:buNone/>
+            </a:pPr>
+            <a:r>
+              <a:rPr lang="ko-KR" altLang="en-US" b="1" dirty="0"/>
+              <a:t>말뭉치의 단어 빈도를 기준으로 확률분포를 통해 샘플링하고</a:t>
+            </a:r>
+            <a:r>
+              <a:rPr lang="en-US" altLang="ko-KR" b="1" dirty="0"/>
+              <a:t>, </a:t>
+            </a:r>
+            <a:r>
+              <a:rPr lang="ko-KR" altLang="en-US" b="1" dirty="0"/>
+              <a:t>낮은 확률의 단어를 배제하지 않기 위해 확률보정을 통해 낮은 확률은 높게</a:t>
+            </a:r>
+            <a:r>
+              <a:rPr lang="en-US" altLang="ko-KR" b="1" dirty="0"/>
+              <a:t>, </a:t>
+            </a:r>
+            <a:r>
+              <a:rPr lang="ko-KR" altLang="en-US" b="1" dirty="0"/>
+              <a:t>높은 확률은 낮게 보정합니다</a:t>
+            </a:r>
+            <a:r>
+              <a:rPr lang="en-US" altLang="ko-KR" b="1" dirty="0"/>
+              <a:t>.</a:t>
+            </a:r>
+          </a:p>
+          <a:p>
+            <a:pPr marL="158750" indent="0">
+              <a:buNone/>
+            </a:pPr>
+            <a:r>
+              <a:rPr lang="ko-KR" altLang="en-US" b="1" dirty="0"/>
+              <a:t>각각의 샘플에서 교차 엔트로피 </a:t>
+            </a:r>
+            <a:r>
+              <a:rPr lang="ko-KR" altLang="en-US" b="1" dirty="0" err="1"/>
+              <a:t>오차값의</a:t>
+            </a:r>
+            <a:r>
+              <a:rPr lang="ko-KR" altLang="en-US" b="1" dirty="0"/>
+              <a:t> 합이 최종 손실이 됩니다</a:t>
+            </a:r>
+            <a:r>
+              <a:rPr lang="en-US" altLang="ko-KR" b="1" dirty="0"/>
+              <a:t>.</a:t>
+            </a:r>
+          </a:p>
+          <a:p>
             <a:pPr marL="0" lvl="0" indent="0" algn="l" rtl="0">
               <a:spcBef>
                 <a:spcPts val="0"/>
@@ -2786,31 +3314,7 @@
               </a:spcAft>
               <a:buNone/>
             </a:pPr>
-            <a:r>
-              <a:rPr lang="ko-KR" altLang="en-US" dirty="0"/>
-              <a:t>네거티브 샘플을 사용하는 이유</a:t>
-            </a:r>
-            <a:r>
-              <a:rPr lang="en-US" altLang="ko-KR" dirty="0"/>
-              <a:t>: </a:t>
-            </a:r>
-            <a:r>
-              <a:rPr lang="en-US" altLang="ko-KR" dirty="0" err="1"/>
-              <a:t>Softmax</a:t>
-            </a:r>
-            <a:r>
-              <a:rPr lang="ko-KR" altLang="en-US" dirty="0"/>
-              <a:t>의 </a:t>
-            </a:r>
-            <a:r>
-              <a:rPr lang="ko-KR" altLang="en-US" dirty="0" err="1"/>
-              <a:t>계산량을</a:t>
-            </a:r>
-            <a:r>
-              <a:rPr lang="ko-KR" altLang="en-US" dirty="0"/>
-              <a:t> 줄이고 학습 속도를 높이기 위함 </a:t>
-            </a:r>
-            <a:endParaRPr lang="en-US" altLang="ko-KR" dirty="0"/>
+            <a:endParaRPr lang="en-US" dirty="0"/>
           </a:p>
           <a:p>
             <a:pPr marL="0" lvl="0" indent="0" algn="l" rtl="0">
@@ -2824,31 +3328,59 @@
             </a:pPr>
             <a:r>
               <a:rPr lang="ko-KR" altLang="en-US" dirty="0"/>
-              <a:t>너무 적으면 학습이 부족하고</a:t>
+              <a:t>위 사진은 </a:t>
+            </a:r>
+            <a:r>
+              <a:rPr lang="en-US" altLang="ko-KR" dirty="0" err="1"/>
+              <a:t>CBoW</a:t>
+            </a:r>
+            <a:r>
+              <a:rPr lang="ko-KR" altLang="en-US" dirty="0"/>
+              <a:t>의 네거티브 샘플링 방법이며</a:t>
             </a:r>
             <a:r>
               <a:rPr lang="en-US" altLang="ko-KR" dirty="0"/>
-              <a:t>, </a:t>
+              <a:t>, skip-gram</a:t>
             </a:r>
             <a:r>
               <a:rPr lang="ko-KR" altLang="en-US" dirty="0"/>
-              <a:t>샘플을 너무 많이 넣으면 원래 방식과 차이가 없어진다</a:t>
+              <a:t> 또한 동일하게 네거티브 샘플링이 가능하다</a:t>
             </a:r>
             <a:r>
               <a:rPr lang="en-US" altLang="ko-KR" dirty="0"/>
-              <a:t>.(</a:t>
+              <a:t>. (</a:t>
             </a:r>
             <a:r>
               <a:rPr lang="en-US" altLang="ko-KR" dirty="0" err="1"/>
-              <a:t>Softmax</a:t>
+              <a:t>target,context</a:t>
+            </a:r>
+            <a:r>
+              <a:rPr lang="en-US" altLang="ko-KR" dirty="0"/>
+              <a:t>) </a:t>
+            </a:r>
+            <a:r>
+              <a:rPr lang="ko-KR" altLang="en-US" dirty="0" err="1"/>
+              <a:t>한개씩이</a:t>
             </a:r>
             <a:r>
               <a:rPr lang="ko-KR" altLang="en-US" dirty="0"/>
-              <a:t>의 무거움</a:t>
+              <a:t> 한 </a:t>
+            </a:r>
+            <a:r>
+              <a:rPr lang="ko-KR" altLang="en-US" dirty="0" err="1"/>
+              <a:t>쌍이되어</a:t>
+            </a:r>
+            <a:r>
+              <a:rPr lang="ko-KR" altLang="en-US" dirty="0"/>
+              <a:t> </a:t>
+            </a:r>
+            <a:r>
+              <a:rPr lang="ko-KR" altLang="en-US" dirty="0" err="1"/>
+              <a:t>진행하면된다</a:t>
             </a:r>
             <a:r>
               <a:rPr lang="en-US" altLang="ko-KR" dirty="0"/>
-              <a:t>)</a:t>
+              <a:t>. </a:t>
             </a:r>
           </a:p>
           <a:p>
@@ -2861,148 +3393,29 @@
               </a:spcAft>
               <a:buNone/>
             </a:pPr>
-            <a:endParaRPr lang="en-US" altLang="ko-KR" dirty="0"/>
-          </a:p>
-          <a:p>
-            <a:pPr marL="0" lvl="0" indent="0" algn="l" rtl="0">
-              <a:spcBef>
-                <a:spcPts val="0"/>
-              </a:spcBef>
-              <a:spcAft>
-                <a:spcPts val="0"/>
-              </a:spcAft>
-              <a:buNone/>
-            </a:pPr>
+            <a:r>
+              <a:rPr lang="en-US" altLang="ko-KR" dirty="0"/>
+              <a:t>Word2vec</a:t>
+            </a:r>
             <a:r>
               <a:rPr lang="ko-KR" altLang="en-US" dirty="0"/>
-              <a:t>적은 계산으로 일반화를 하는 것이 목적</a:t>
-            </a:r>
-            <a:r>
-              <a:rPr lang="en-US" altLang="ko-KR" dirty="0"/>
-              <a:t>.</a:t>
-            </a:r>
-            <a:endParaRPr lang="ko-KR" altLang="en-US" dirty="0"/>
-          </a:p>
-          <a:p>
-            <a:pPr marL="0" lvl="0" indent="0" algn="l" rtl="0">
-              <a:spcBef>
-                <a:spcPts val="0"/>
-              </a:spcBef>
-              <a:spcAft>
-                <a:spcPts val="0"/>
-              </a:spcAft>
-              <a:buNone/>
-            </a:pPr>
-            <a:endParaRPr lang="en-US" dirty="0"/>
-          </a:p>
-          <a:p>
-            <a:pPr marL="0" lvl="0" indent="0" algn="l" rtl="0">
-              <a:spcBef>
-                <a:spcPts val="0"/>
-              </a:spcBef>
-              <a:spcAft>
-                <a:spcPts val="0"/>
-              </a:spcAft>
-              <a:buNone/>
-            </a:pPr>
+              <a:t>의 특성상 문장에서 단어의 순서나 어순을 </a:t>
+            </a:r>
+            <a:r>
+              <a:rPr lang="ko-KR" altLang="en-US" dirty="0" err="1"/>
+              <a:t>고려하는게</a:t>
+            </a:r>
             <a:r>
               <a:rPr lang="ko-KR" altLang="en-US" dirty="0"/>
-              <a:t>위 사진은 </a:t>
-            </a:r>
-            <a:r>
-              <a:rPr lang="en-US" altLang="ko-KR" dirty="0" err="1"/>
-              <a:t>CBoW</a:t>
-            </a:r>
-            <a:r>
-              <a:rPr lang="ko-KR" altLang="en-US" dirty="0"/>
-              <a:t>의 네거티브 샘플링 방법이며</a:t>
-            </a:r>
-            <a:r>
-              <a:rPr lang="en-US" altLang="ko-KR" dirty="0"/>
-              <a:t>, skip-gram</a:t>
-            </a:r>
-            <a:r>
-              <a:rPr lang="ko-KR" altLang="en-US" dirty="0"/>
-              <a:t> 또한 동일하게 네거티브 샘플링이 가능하다</a:t>
-            </a:r>
-            <a:r>
-              <a:rPr lang="en-US" altLang="ko-KR" dirty="0"/>
-              <a:t>. (</a:t>
-            </a:r>
-            <a:r>
-              <a:rPr lang="en-US" altLang="ko-KR" dirty="0" err="1"/>
-              <a:t>target,context</a:t>
-            </a:r>
-            <a:r>
-              <a:rPr lang="en-US" altLang="ko-KR" dirty="0"/>
-              <a:t>) </a:t>
-            </a:r>
-            <a:r>
-              <a:rPr lang="ko-KR" altLang="en-US" dirty="0" err="1"/>
-              <a:t>한개씩이</a:t>
-            </a:r>
-            <a:r>
-              <a:rPr lang="ko-KR" altLang="en-US" dirty="0"/>
-              <a:t> 한 </a:t>
-            </a:r>
-            <a:r>
-              <a:rPr lang="ko-KR" altLang="en-US" dirty="0" err="1"/>
-              <a:t>쌍이되어</a:t>
-            </a:r>
-            <a:r>
-              <a:rPr lang="ko-KR" altLang="en-US" dirty="0"/>
-              <a:t> </a:t>
-            </a:r>
-            <a:r>
-              <a:rPr lang="ko-KR" altLang="en-US" dirty="0" err="1"/>
-              <a:t>진행하면된다</a:t>
+              <a:t> 아니다</a:t>
             </a:r>
             <a:r>
               <a:rPr lang="en-US" altLang="ko-KR" dirty="0"/>
               <a:t>. </a:t>
             </a:r>
-          </a:p>
-          <a:p>
-            <a:pPr marL="0" lvl="0" indent="0" algn="l" rtl="0">
-              <a:spcBef>
-                <a:spcPts val="0"/>
-              </a:spcBef>
-              <a:spcAft>
-                <a:spcPts val="0"/>
-              </a:spcAft>
-              <a:buNone/>
-            </a:pPr>
-            <a:r>
-              <a:rPr lang="en-US" altLang="ko-KR" dirty="0"/>
-              <a:t>Word2vec</a:t>
-            </a:r>
             <a:r>
               <a:rPr lang="ko-KR" altLang="en-US" dirty="0"/>
-              <a:t>의 특성상 문장에서 단어의 순서나 어순을 </a:t>
-            </a:r>
-            <a:r>
-              <a:rPr lang="ko-KR" altLang="en-US" dirty="0" err="1"/>
-              <a:t>고려하는게</a:t>
-            </a:r>
-            <a:r>
-              <a:rPr lang="ko-KR" altLang="en-US" dirty="0"/>
-              <a:t> 아니다</a:t>
-            </a:r>
-            <a:r>
-              <a:rPr lang="en-US" altLang="ko-KR" dirty="0"/>
-              <a:t>. </a:t>
-            </a:r>
-            <a:r>
-              <a:rPr lang="ko-KR" altLang="en-US" dirty="0"/>
-              <a:t>단어의 의미 잘 </a:t>
-            </a:r>
-            <a:r>
-              <a:rPr lang="ko-KR" altLang="en-US" dirty="0" err="1"/>
-              <a:t>표현하는를</a:t>
-            </a:r>
-            <a:r>
-              <a:rPr lang="ko-KR" altLang="en-US" dirty="0"/>
-              <a:t> 벡터로 </a:t>
+              <a:t>단어의 의미 잘 표현하는가를 벡터로 </a:t>
             </a:r>
             <a:r>
               <a:rPr lang="ko-KR" altLang="en-US" dirty="0" err="1"/>
@@ -3127,7 +3540,10 @@
           </a:bodyPr>
           <a:lstStyle/>
           <a:p>
-            <a:pPr marL="0" lvl="0" indent="0" algn="l" rtl="0">
+            <a:pPr marL="0" marR="0" lvl="0" indent="0" algn="l" defTabSz="914400" rtl="0" eaLnBrk="1" fontAlgn="auto" latinLnBrk="0" hangingPunct="1">
+              <a:lnSpc>
+                <a:spcPct val="100000"/>
+              </a:lnSpc>
               <a:spcBef>
                 <a:spcPts val="0"/>
               </a:spcBef>
@@ -3135,21 +3551,54 @@
                 <a:spcPts val="0"/>
               </a:spcAft>
               <a:buClr>
-                <a:schemeClr val="dk1"/>
+                <a:srgbClr val="000000"/>
               </a:buClr>
               <a:buSzPts val="1100"/>
               <a:buFont typeface="Noto Sans"/>
               <a:buNone/>
+              <a:tabLst/>
+              <a:defRPr/>
             </a:pPr>
-            <a:endParaRPr sz="1200" i="1" dirty="0">
-              <a:solidFill>
-                <a:srgbClr val="595959"/>
-              </a:solidFill>
-              <a:latin typeface="Noto Sans" panose="020B0502040504020204" pitchFamily="34" charset="0"/>
-              <a:ea typeface="Noto Sans" panose="020B0502040504020204" pitchFamily="34" charset="0"/>
-              <a:cs typeface="Anaheim"/>
-              <a:sym typeface="Anaheim"/>
-            </a:endParaRPr>
+            <a:r>
+              <a:rPr lang="ko-KR" altLang="en-US" b="1" dirty="0"/>
+              <a:t>챕터 </a:t>
+            </a:r>
+            <a:r>
+              <a:rPr lang="en-US" altLang="ko-KR" b="1" dirty="0"/>
+              <a:t>2~5</a:t>
+            </a:r>
+            <a:r>
+              <a:rPr lang="ko-KR" altLang="en-US" b="1" dirty="0"/>
+              <a:t>에 대한 내용을 리뷰하려고 하는데</a:t>
+            </a:r>
+            <a:r>
+              <a:rPr lang="en-US" altLang="ko-KR" b="1" dirty="0"/>
+              <a:t>, </a:t>
+            </a:r>
+            <a:r>
+              <a:rPr lang="ko-KR" altLang="en-US" b="1" dirty="0"/>
+              <a:t>대략적인 내용은 자연어 처리에서 단어 표현에 사용되는 </a:t>
+            </a:r>
+            <a:r>
+              <a:rPr lang="en-US" altLang="ko-KR" b="1" dirty="0"/>
+              <a:t>3</a:t>
+            </a:r>
+            <a:r>
+              <a:rPr lang="ko-KR" altLang="en-US" b="1" dirty="0"/>
+              <a:t>가지 기법</a:t>
+            </a:r>
+            <a:r>
+              <a:rPr lang="en-US" altLang="ko-KR" b="1" dirty="0"/>
+              <a:t>, RNN</a:t>
+            </a:r>
+            <a:r>
+              <a:rPr lang="ko-KR" altLang="en-US" b="1" dirty="0"/>
+              <a:t>에 대한 소개 정도가 되겠습니다</a:t>
+            </a:r>
+            <a:r>
+              <a:rPr lang="en-US" altLang="ko-KR" b="1" dirty="0"/>
+              <a:t>.</a:t>
+            </a:r>
           </a:p>
           <a:p>
             <a:pPr marL="0" lvl="0" indent="0" algn="l" rtl="0">
@@ -3161,7 +3610,7 @@
               </a:spcAft>
               <a:buNone/>
             </a:pPr>
-            <a:endParaRPr dirty="0"/>
+            <a:endParaRPr b="1" dirty="0"/>
           </a:p>
         </p:txBody>
       </p:sp>
@@ -3256,6 +3705,86 @@
           </a:bodyPr>
           <a:lstStyle/>
           <a:p>
+            <a:pPr marL="158750" indent="0">
+              <a:buNone/>
+            </a:pPr>
+            <a:r>
+              <a:rPr lang="ko-KR" altLang="en-US" b="1" dirty="0"/>
+              <a:t>추론기반기법으로 얻은 분산표현을 전이학습을 통해 다양한 분야에 활용할 수 있고</a:t>
+            </a:r>
+            <a:r>
+              <a:rPr lang="en-US" altLang="ko-KR" b="1" dirty="0"/>
+              <a:t>, </a:t>
+            </a:r>
+            <a:r>
+              <a:rPr lang="ko-KR" altLang="en-US" b="1" dirty="0"/>
+              <a:t>분산표현 평가는 단어의 유사성이나 유추 문제를 활용한 평가가 일반적입니다</a:t>
+            </a:r>
+            <a:r>
+              <a:rPr lang="en-US" altLang="ko-KR" b="1" dirty="0"/>
+              <a:t>.</a:t>
+            </a:r>
+          </a:p>
+          <a:p>
+            <a:pPr marL="158750" indent="0">
+              <a:buNone/>
+            </a:pPr>
+            <a:r>
+              <a:rPr lang="ko-KR" altLang="en-US" b="1" dirty="0"/>
+              <a:t>오른쪽 그림은 유추 문제에 의한 단어 벡터의 평가 결과인데요</a:t>
+            </a:r>
+            <a:r>
+              <a:rPr lang="en-US" altLang="ko-KR" b="1" dirty="0"/>
+              <a:t>, </a:t>
+            </a:r>
+          </a:p>
+          <a:p>
+            <a:pPr marL="158750" indent="0">
+              <a:buNone/>
+            </a:pPr>
+            <a:r>
+              <a:rPr lang="ko-KR" altLang="en-US" b="1" dirty="0"/>
+              <a:t>평가 결과를 보면 데이터의 크기는 클수록 좋고</a:t>
+            </a:r>
+            <a:r>
+              <a:rPr lang="en-US" altLang="ko-KR" b="1" dirty="0"/>
+              <a:t>, </a:t>
+            </a:r>
+            <a:r>
+              <a:rPr lang="ko-KR" altLang="en-US" b="1" dirty="0" err="1"/>
+              <a:t>벡타의</a:t>
+            </a:r>
+            <a:r>
+              <a:rPr lang="ko-KR" altLang="en-US" b="1" dirty="0"/>
+              <a:t> 차원은 너무 커도 성능이 떨어집니다</a:t>
+            </a:r>
+            <a:r>
+              <a:rPr lang="en-US" altLang="ko-KR" b="1" dirty="0"/>
+              <a:t>. </a:t>
+            </a:r>
+          </a:p>
+          <a:p>
+            <a:pPr marL="158750" indent="0">
+              <a:buNone/>
+            </a:pPr>
+            <a:r>
+              <a:rPr lang="ko-KR" altLang="en-US" b="1" dirty="0"/>
+              <a:t>또한 모델에 따라 </a:t>
+            </a:r>
+            <a:r>
+              <a:rPr lang="en-US" altLang="ko-KR" b="1" dirty="0"/>
+              <a:t>task</a:t>
+            </a:r>
+            <a:r>
+              <a:rPr lang="ko-KR" altLang="en-US" b="1" dirty="0"/>
+              <a:t>에서 성능이 달라지는 것을 확인할 수 있습니다</a:t>
+            </a:r>
+            <a:r>
+              <a:rPr lang="en-US" altLang="ko-KR" b="1" dirty="0"/>
+              <a:t>.</a:t>
+            </a:r>
+          </a:p>
+          <a:p>
             <a:pPr marL="0" lvl="0" indent="0" algn="l" rtl="0">
               <a:spcBef>
                 <a:spcPts val="0"/>
@@ -3265,6 +3794,30 @@
               </a:spcAft>
               <a:buNone/>
             </a:pPr>
+            <a:endParaRPr lang="en-US" altLang="ko-KR" dirty="0"/>
+          </a:p>
+          <a:p>
+            <a:pPr marL="0" lvl="0" indent="0" algn="l" rtl="0">
+              <a:spcBef>
+                <a:spcPts val="0"/>
+              </a:spcBef>
+              <a:spcAft>
+                <a:spcPts val="0"/>
+              </a:spcAft>
+              <a:buNone/>
+            </a:pPr>
+            <a:endParaRPr lang="en-US" altLang="ko-KR" dirty="0"/>
+          </a:p>
+          <a:p>
+            <a:pPr marL="0" lvl="0" indent="0" algn="l" rtl="0">
+              <a:spcBef>
+                <a:spcPts val="0"/>
+              </a:spcBef>
+              <a:spcAft>
+                <a:spcPts val="0"/>
+              </a:spcAft>
+              <a:buNone/>
+            </a:pPr>
             <a:r>
               <a:rPr lang="ko-KR" altLang="en-US" dirty="0"/>
               <a:t>단어 벡터 평가 </a:t>
@@ -3329,18 +3882,6 @@
               <a:rPr lang="ko-KR" altLang="en-US" dirty="0" err="1"/>
               <a:t>위함임</a:t>
             </a:r>
-            <a:endParaRPr lang="en-US" altLang="ko-KR" dirty="0"/>
-          </a:p>
-          <a:p>
-            <a:pPr marL="0" lvl="0" indent="0" algn="l" rtl="0">
-              <a:spcBef>
-                <a:spcPts val="0"/>
-              </a:spcBef>
-              <a:spcAft>
-                <a:spcPts val="0"/>
-              </a:spcAft>
-              <a:buNone/>
-            </a:pPr>
             <a:endParaRPr lang="en-US" dirty="0"/>
           </a:p>
           <a:p>
@@ -3519,7 +4060,7 @@
               <a:buFont typeface="Noto Sans"/>
               <a:buNone/>
             </a:pPr>
-            <a:endParaRPr sz="1200" i="1" dirty="0">
+            <a:endParaRPr sz="1200" b="1" i="1" dirty="0">
               <a:solidFill>
                 <a:srgbClr val="595959"/>
               </a:solidFill>
@@ -3539,7 +4080,31 @@
               </a:spcAft>
               <a:buNone/>
             </a:pPr>
-            <a:endParaRPr dirty="0"/>
+            <a:r>
+              <a:rPr lang="ko-KR" altLang="en-US" b="1" dirty="0"/>
+              <a:t>마지막 </a:t>
+            </a:r>
+            <a:r>
+              <a:rPr lang="en-US" altLang="ko-KR" b="1" dirty="0"/>
+              <a:t>5</a:t>
+            </a:r>
+            <a:r>
+              <a:rPr lang="ko-KR" altLang="en-US" b="1" dirty="0"/>
+              <a:t>챕터는 </a:t>
+            </a:r>
+            <a:r>
+              <a:rPr lang="en-US" altLang="ko-KR" b="1" dirty="0"/>
+              <a:t>RNN</a:t>
+            </a:r>
+            <a:r>
+              <a:rPr lang="ko-KR" altLang="en-US" b="1" dirty="0"/>
+              <a:t>에 대한 내용입니다</a:t>
+            </a:r>
+            <a:r>
+              <a:rPr lang="en-US" altLang="ko-KR" b="1" dirty="0"/>
+              <a:t>.</a:t>
+            </a:r>
+            <a:endParaRPr b="1" dirty="0"/>
           </a:p>
         </p:txBody>
       </p:sp>
@@ -3639,37 +4204,107 @@
           </a:bodyPr>
           <a:lstStyle/>
           <a:p>
-            <a:pPr marL="0" lvl="0" indent="0" algn="l" rtl="0">
-              <a:spcBef>
-                <a:spcPts val="0"/>
-              </a:spcBef>
-              <a:spcAft>
-                <a:spcPts val="0"/>
-              </a:spcAft>
+            <a:pPr marL="158750" indent="0">
               <a:buNone/>
             </a:pPr>
             <a:r>
-              <a:rPr lang="ko-KR" altLang="en-US" dirty="0"/>
-              <a:t>한 문장에 단어가 </a:t>
-            </a:r>
-            <a:r>
-              <a:rPr lang="en-US" altLang="ko-KR" dirty="0"/>
-              <a:t>m</a:t>
-            </a:r>
-            <a:r>
-              <a:rPr lang="ko-KR" altLang="en-US" dirty="0"/>
-              <a:t>개 일 때</a:t>
-            </a:r>
-            <a:r>
-              <a:rPr lang="en-US" altLang="ko-KR" dirty="0"/>
+              <a:rPr lang="ko-KR" altLang="en-US" b="1" dirty="0"/>
+              <a:t>문장에서 단어의 순서</a:t>
+            </a:r>
+            <a:r>
+              <a:rPr lang="en-US" altLang="ko-KR" b="1" dirty="0"/>
               <a:t>, </a:t>
             </a:r>
             <a:r>
-              <a:rPr lang="ko-KR" altLang="en-US" dirty="0"/>
-              <a:t>확률로 해석할 때의 수식</a:t>
-            </a:r>
-            <a:r>
-              <a:rPr lang="en-US" altLang="ko-KR" dirty="0"/>
+              <a:rPr lang="ko-KR" altLang="en-US" b="1" dirty="0"/>
+              <a:t>즉 어순은 중요합니다</a:t>
+            </a:r>
+            <a:r>
+              <a:rPr lang="en-US" altLang="ko-KR" b="1" dirty="0"/>
+              <a:t>. </a:t>
+            </a:r>
+            <a:r>
+              <a:rPr lang="ko-KR" altLang="en-US" b="1" dirty="0"/>
+              <a:t>그렇기 때문에 언어 모델에서는 단어 시퀀스에 대해 각 자리의 단어가 무엇이 나올지에 대해 확률을 부여합니다</a:t>
+            </a:r>
+            <a:r>
+              <a:rPr lang="en-US" altLang="ko-KR" b="1" dirty="0"/>
+              <a:t>. </a:t>
+            </a:r>
+          </a:p>
+          <a:p>
+            <a:pPr marL="158750" indent="0">
+              <a:buNone/>
+            </a:pPr>
+            <a:r>
+              <a:rPr lang="ko-KR" altLang="en-US" b="1" dirty="0"/>
+              <a:t>이 점을 고려한다면 </a:t>
+            </a:r>
+            <a:r>
+              <a:rPr lang="en-US" altLang="ko-KR" b="1" dirty="0" err="1"/>
+              <a:t>CBoW</a:t>
+            </a:r>
+            <a:r>
+              <a:rPr lang="ko-KR" altLang="en-US" b="1" dirty="0"/>
+              <a:t>모델은 언어 모델로 부적합하다고 볼 수 있습니다</a:t>
+            </a:r>
+            <a:r>
+              <a:rPr lang="en-US" altLang="ko-KR" b="1" dirty="0"/>
+              <a:t>.</a:t>
+            </a:r>
+          </a:p>
+          <a:p>
+            <a:pPr marL="158750" indent="0">
+              <a:buNone/>
+            </a:pPr>
+            <a:r>
+              <a:rPr lang="en-US" altLang="ko-KR" b="1" dirty="0" err="1"/>
+              <a:t>CBoW</a:t>
+            </a:r>
+            <a:r>
+              <a:rPr lang="ko-KR" altLang="en-US" b="1" dirty="0"/>
+              <a:t>의 경우 맥락과 가중치 곱의 평균을 은닉층의 입력으로 받기 때문에 단어 순서가 무시됩니다</a:t>
+            </a:r>
+            <a:r>
+              <a:rPr lang="en-US" altLang="ko-KR" b="1" dirty="0"/>
+              <a:t>. </a:t>
+            </a:r>
+          </a:p>
+          <a:p>
+            <a:pPr marL="158750" indent="0">
+              <a:buNone/>
+            </a:pPr>
+            <a:r>
+              <a:rPr lang="ko-KR" altLang="en-US" b="1" dirty="0"/>
+              <a:t>이를 보완하기 위해 입력층과 가중치의 곱을 </a:t>
+            </a:r>
+            <a:r>
+              <a:rPr lang="en-US" altLang="ko-KR" b="1" dirty="0" err="1"/>
+              <a:t>concat</a:t>
+            </a:r>
+            <a:r>
+              <a:rPr lang="ko-KR" altLang="en-US" b="1" dirty="0"/>
+              <a:t>하게 되면 단어 순서를 고려할 수 있지만</a:t>
+            </a:r>
+            <a:r>
+              <a:rPr lang="en-US" altLang="ko-KR" b="1" dirty="0"/>
+              <a:t>, </a:t>
+            </a:r>
+          </a:p>
+          <a:p>
+            <a:pPr marL="158750" indent="0">
+              <a:buNone/>
+            </a:pPr>
+            <a:r>
+              <a:rPr lang="en-US" altLang="ko-KR" b="1" dirty="0"/>
+              <a:t>window size, </a:t>
+            </a:r>
+            <a:r>
+              <a:rPr lang="ko-KR" altLang="en-US" b="1" dirty="0"/>
+              <a:t>고려하는 문맥 개수가 커질 수록 매개변수가 증가하는 문제점이 있습니다</a:t>
+            </a:r>
+            <a:r>
+              <a:rPr lang="en-US" altLang="ko-KR" b="1" dirty="0"/>
               <a:t>.</a:t>
             </a:r>
           </a:p>
@@ -3858,6 +4493,215 @@
           </a:bodyPr>
           <a:lstStyle/>
           <a:p>
+            <a:pPr marL="158750" indent="0">
+              <a:buNone/>
+            </a:pPr>
+            <a:r>
+              <a:rPr lang="ko-KR" altLang="en-US" b="1" dirty="0"/>
+              <a:t>언어 모델인 </a:t>
+            </a:r>
+            <a:r>
+              <a:rPr lang="en-US" altLang="ko-KR" b="1" dirty="0"/>
+              <a:t>RNN</a:t>
+            </a:r>
+            <a:r>
+              <a:rPr lang="ko-KR" altLang="en-US" b="1" dirty="0"/>
+              <a:t>입니다</a:t>
+            </a:r>
+            <a:r>
+              <a:rPr lang="en-US" altLang="ko-KR" b="1" dirty="0"/>
+              <a:t>. RNN</a:t>
+            </a:r>
+            <a:r>
+              <a:rPr lang="ko-KR" altLang="en-US" b="1" dirty="0"/>
+              <a:t>은 기본적으로 계층의 출력이 다음 계층의 입력과 다음 시각의 입력으로 분기합니다</a:t>
+            </a:r>
+            <a:r>
+              <a:rPr lang="en-US" altLang="ko-KR" b="1" dirty="0"/>
+              <a:t>.</a:t>
+            </a:r>
+          </a:p>
+          <a:p>
+            <a:pPr marL="158750" indent="0">
+              <a:buNone/>
+            </a:pPr>
+            <a:r>
+              <a:rPr lang="ko-KR" altLang="en-US" b="1" dirty="0"/>
+              <a:t>해당 그림은 하나의 </a:t>
+            </a:r>
+            <a:r>
+              <a:rPr lang="en-US" altLang="ko-KR" b="1" dirty="0"/>
+              <a:t>RNN </a:t>
+            </a:r>
+            <a:r>
+              <a:rPr lang="ko-KR" altLang="en-US" b="1" dirty="0"/>
+              <a:t>계층을 오른쪽 방향으로 펼친 모습입니다</a:t>
+            </a:r>
+            <a:r>
+              <a:rPr lang="en-US" altLang="ko-KR" b="1" dirty="0"/>
+              <a:t>.</a:t>
+            </a:r>
+          </a:p>
+          <a:p>
+            <a:pPr marL="158750" indent="0">
+              <a:buNone/>
+            </a:pPr>
+            <a:r>
+              <a:rPr lang="ko-KR" altLang="en-US" b="1" dirty="0"/>
+              <a:t>이전 시각의 </a:t>
+            </a:r>
+            <a:r>
+              <a:rPr lang="en-US" altLang="ko-KR" b="1" dirty="0"/>
+              <a:t>h</a:t>
+            </a:r>
+            <a:r>
+              <a:rPr lang="ko-KR" altLang="en-US" b="1" dirty="0"/>
+              <a:t>와 가중치 </a:t>
+            </a:r>
+            <a:r>
+              <a:rPr lang="en-US" altLang="ko-KR" b="1" dirty="0" err="1"/>
+              <a:t>Wh</a:t>
+            </a:r>
+            <a:r>
+              <a:rPr lang="ko-KR" altLang="en-US" b="1" dirty="0"/>
+              <a:t>의 곱</a:t>
+            </a:r>
+            <a:r>
+              <a:rPr lang="en-US" altLang="ko-KR" b="1" dirty="0"/>
+              <a:t>, </a:t>
+            </a:r>
+            <a:r>
+              <a:rPr lang="ko-KR" altLang="en-US" b="1" dirty="0"/>
+              <a:t>현재 시각의 입력 </a:t>
+            </a:r>
+            <a:r>
+              <a:rPr lang="en-US" altLang="ko-KR" b="1" dirty="0" err="1"/>
+              <a:t>xt</a:t>
+            </a:r>
+            <a:r>
+              <a:rPr lang="ko-KR" altLang="en-US" b="1" dirty="0"/>
+              <a:t>와 </a:t>
+            </a:r>
+            <a:r>
+              <a:rPr lang="en-US" altLang="ko-KR" b="1" dirty="0" err="1"/>
+              <a:t>Wx</a:t>
+            </a:r>
+            <a:r>
+              <a:rPr lang="ko-KR" altLang="en-US" b="1" dirty="0"/>
+              <a:t>의 곱</a:t>
+            </a:r>
+            <a:r>
+              <a:rPr lang="en-US" altLang="ko-KR" b="1" dirty="0"/>
+              <a:t>, </a:t>
+            </a:r>
+            <a:r>
+              <a:rPr lang="ko-KR" altLang="en-US" b="1" dirty="0"/>
+              <a:t>편향을 더한 값에 </a:t>
+            </a:r>
+            <a:r>
+              <a:rPr lang="ko-KR" altLang="en-US" b="1" dirty="0" err="1"/>
+              <a:t>하이퍼볼릭탄젠트</a:t>
+            </a:r>
+            <a:r>
+              <a:rPr lang="ko-KR" altLang="en-US" b="1" dirty="0"/>
+              <a:t> 함수를 사용한 것이 현재 시각의 은닉 상태 벡터 </a:t>
+            </a:r>
+            <a:r>
+              <a:rPr lang="en-US" altLang="ko-KR" b="1" dirty="0" err="1"/>
+              <a:t>ht</a:t>
+            </a:r>
+            <a:r>
+              <a:rPr lang="ko-KR" altLang="en-US" b="1" dirty="0"/>
+              <a:t>가 됩니다</a:t>
+            </a:r>
+            <a:r>
+              <a:rPr lang="en-US" altLang="ko-KR" b="1" dirty="0"/>
+              <a:t>.</a:t>
+            </a:r>
+          </a:p>
+          <a:p>
+            <a:pPr marL="158750" indent="0">
+              <a:buNone/>
+            </a:pPr>
+            <a:r>
+              <a:rPr lang="ko-KR" altLang="en-US" b="1" dirty="0" err="1"/>
+              <a:t>하이퍼볼릭탄젠트</a:t>
+            </a:r>
+            <a:r>
+              <a:rPr lang="ko-KR" altLang="en-US" b="1" dirty="0"/>
+              <a:t> 함수는 </a:t>
+            </a:r>
+            <a:r>
+              <a:rPr lang="en-US" altLang="ko-KR" b="1" dirty="0"/>
+              <a:t>sigmoid</a:t>
+            </a:r>
+            <a:r>
+              <a:rPr lang="ko-KR" altLang="en-US" b="1" dirty="0"/>
+              <a:t>과 비교하여 </a:t>
+            </a:r>
+            <a:r>
+              <a:rPr lang="ko-KR" altLang="en-US" b="1" dirty="0" err="1"/>
+              <a:t>출력값이</a:t>
+            </a:r>
+            <a:r>
+              <a:rPr lang="ko-KR" altLang="en-US" b="1" dirty="0"/>
+              <a:t> </a:t>
+            </a:r>
+            <a:r>
+              <a:rPr lang="en-US" altLang="ko-KR" b="1" dirty="0"/>
+              <a:t>[-1,1] </a:t>
+            </a:r>
+            <a:r>
+              <a:rPr lang="ko-KR" altLang="en-US" b="1" dirty="0"/>
+              <a:t>사이로 보다 풍부한 표현력을 갖고 있으며</a:t>
+            </a:r>
+            <a:r>
+              <a:rPr lang="en-US" altLang="ko-KR" b="1" dirty="0"/>
+              <a:t>, </a:t>
+            </a:r>
+            <a:r>
+              <a:rPr lang="ko-KR" altLang="en-US" b="1" dirty="0"/>
+              <a:t>기울기 소실의 문제 또한 </a:t>
+            </a:r>
+            <a:r>
+              <a:rPr lang="en-US" altLang="ko-KR" b="1" dirty="0"/>
+              <a:t>sigmoid</a:t>
+            </a:r>
+            <a:r>
+              <a:rPr lang="ko-KR" altLang="en-US" b="1" dirty="0"/>
+              <a:t>보다 비교적 낫습니다</a:t>
+            </a:r>
+            <a:r>
+              <a:rPr lang="en-US" altLang="ko-KR" b="1" dirty="0"/>
+              <a:t>.</a:t>
+            </a:r>
+            <a:endParaRPr lang="en-US" altLang="ko-KR" dirty="0"/>
+          </a:p>
+          <a:p>
+            <a:pPr marL="0" lvl="0" indent="0" algn="l" rtl="0">
+              <a:spcBef>
+                <a:spcPts val="0"/>
+              </a:spcBef>
+              <a:spcAft>
+                <a:spcPts val="0"/>
+              </a:spcAft>
+              <a:buNone/>
+            </a:pPr>
+            <a:endParaRPr lang="en-US" altLang="ko-KR" dirty="0"/>
+          </a:p>
+          <a:p>
+            <a:pPr marL="0" lvl="0" indent="0" algn="l" rtl="0">
+              <a:spcBef>
+                <a:spcPts val="0"/>
+              </a:spcBef>
+              <a:spcAft>
+                <a:spcPts val="0"/>
+              </a:spcAft>
+              <a:buNone/>
+            </a:pPr>
+            <a:endParaRPr lang="en-US" altLang="ko-KR" dirty="0"/>
+          </a:p>
+          <a:p>
             <a:pPr marL="0" lvl="0" indent="0" algn="l" rtl="0">
               <a:spcBef>
                 <a:spcPts val="0"/>
@@ -4097,56 +4941,182 @@
           </a:bodyPr>
           <a:lstStyle/>
           <a:p>
-            <a:pPr marL="0" lvl="0" indent="0" algn="l" rtl="0">
-              <a:spcBef>
-                <a:spcPts val="0"/>
-              </a:spcBef>
-              <a:spcAft>
-                <a:spcPts val="0"/>
-              </a:spcAft>
+            <a:pPr marL="158750" indent="0">
               <a:buNone/>
             </a:pPr>
             <a:r>
-              <a:rPr lang="en-US" dirty="0"/>
-              <a:t>BPTT </a:t>
-            </a:r>
-            <a:r>
-              <a:rPr lang="ko-KR" altLang="en-US" dirty="0"/>
-              <a:t>기울기 불안정 이유 </a:t>
-            </a:r>
-            <a:r>
-              <a:rPr lang="en-US" altLang="ko-KR" dirty="0"/>
-              <a:t>– tanh</a:t>
-            </a:r>
-            <a:r>
-              <a:rPr lang="ko-KR" altLang="en-US" dirty="0"/>
-              <a:t>로 인한 기울기 소실</a:t>
-            </a:r>
-            <a:r>
-              <a:rPr lang="en-US" altLang="ko-KR" dirty="0"/>
+              <a:rPr lang="en-US" altLang="ko-KR" b="1" dirty="0"/>
+              <a:t>BPTT</a:t>
+            </a:r>
+            <a:r>
+              <a:rPr lang="ko-KR" altLang="en-US" b="1" dirty="0"/>
+              <a:t>는 </a:t>
+            </a:r>
+            <a:r>
+              <a:rPr lang="en-US" altLang="ko-KR" b="1" dirty="0"/>
+              <a:t>RNN</a:t>
+            </a:r>
+            <a:r>
+              <a:rPr lang="ko-KR" altLang="en-US" b="1" dirty="0"/>
+              <a:t>에서의 </a:t>
+            </a:r>
+            <a:r>
+              <a:rPr lang="ko-KR" altLang="en-US" b="1" dirty="0" err="1"/>
+              <a:t>오차역전파법입니다</a:t>
+            </a:r>
+            <a:r>
+              <a:rPr lang="en-US" altLang="ko-KR" b="1" dirty="0"/>
+              <a:t>. </a:t>
+            </a:r>
+          </a:p>
+          <a:p>
+            <a:pPr marL="158750" indent="0">
+              <a:buNone/>
+            </a:pPr>
+            <a:r>
+              <a:rPr lang="en-US" altLang="ko-KR" b="1" dirty="0"/>
+              <a:t>RNN</a:t>
+            </a:r>
+            <a:r>
+              <a:rPr lang="ko-KR" altLang="en-US" b="1" dirty="0"/>
+              <a:t>의 특성상 큰 시계열 데이터를 처리할 시</a:t>
+            </a:r>
+            <a:r>
+              <a:rPr lang="en-US" altLang="ko-KR" b="1" dirty="0"/>
+              <a:t>, tanh</a:t>
+            </a:r>
+            <a:r>
+              <a:rPr lang="ko-KR" altLang="en-US" b="1" dirty="0"/>
+              <a:t>함수의 기울기 소실의 문제</a:t>
+            </a:r>
+            <a:r>
+              <a:rPr lang="en-US" altLang="ko-KR" b="1" dirty="0"/>
               <a:t>, </a:t>
             </a:r>
             <a:r>
-              <a:rPr lang="ko-KR" altLang="en-US" dirty="0"/>
-              <a:t>같은 가중치 </a:t>
-            </a:r>
-            <a:r>
-              <a:rPr lang="en-US" altLang="ko-KR" dirty="0"/>
+              <a:rPr lang="ko-KR" altLang="en-US" b="1" dirty="0"/>
+              <a:t>가중치 </a:t>
+            </a:r>
+            <a:r>
+              <a:rPr lang="en-US" altLang="ko-KR" b="1" dirty="0"/>
               <a:t>W</a:t>
             </a:r>
             <a:r>
-              <a:rPr lang="ko-KR" altLang="en-US" dirty="0"/>
-              <a:t>의 반복적인 곱으로 인한 기울기 소실</a:t>
-            </a:r>
-            <a:r>
-              <a:rPr lang="en-US" altLang="ko-KR" dirty="0"/>
-              <a:t>/</a:t>
-            </a:r>
-            <a:r>
-              <a:rPr lang="ko-KR" altLang="en-US" dirty="0"/>
-              <a:t>폭발</a:t>
-            </a:r>
-            <a:endParaRPr dirty="0"/>
+              <a:rPr lang="ko-KR" altLang="en-US" b="1" dirty="0"/>
+              <a:t>의 반복적인 곱으로 인해 기울기 소실 또는 폭발의 문제가 있습니다</a:t>
+            </a:r>
+            <a:r>
+              <a:rPr lang="en-US" altLang="ko-KR" b="1" dirty="0"/>
+              <a:t>.</a:t>
+            </a:r>
+          </a:p>
+          <a:p>
+            <a:pPr marL="158750" indent="0">
+              <a:buNone/>
+            </a:pPr>
+            <a:r>
+              <a:rPr lang="ko-KR" altLang="en-US" b="1" dirty="0"/>
+              <a:t>따라서 </a:t>
+            </a:r>
+            <a:r>
+              <a:rPr lang="en-US" altLang="ko-KR" b="1" dirty="0"/>
+              <a:t>Truncated BPTT</a:t>
+            </a:r>
+            <a:r>
+              <a:rPr lang="ko-KR" altLang="en-US" b="1" dirty="0"/>
+              <a:t>를 통해 역전파를 수행하여 해결합니다</a:t>
+            </a:r>
+            <a:r>
+              <a:rPr lang="en-US" altLang="ko-KR" b="1" dirty="0"/>
+              <a:t>.</a:t>
+            </a:r>
+          </a:p>
+          <a:p>
+            <a:pPr marL="158750" indent="0">
+              <a:buNone/>
+            </a:pPr>
+            <a:r>
+              <a:rPr lang="ko-KR" altLang="en-US" b="1" dirty="0"/>
+              <a:t>시계열 데이터를 블록 단위로 나눠 역전파의 연결을 잘라내는데</a:t>
+            </a:r>
+            <a:r>
+              <a:rPr lang="en-US" altLang="ko-KR" b="1" dirty="0"/>
+              <a:t>, </a:t>
+            </a:r>
+            <a:r>
+              <a:rPr lang="ko-KR" altLang="en-US" b="1" dirty="0"/>
+              <a:t>이때 순전파의 입력은 그대로 유지합니다</a:t>
+            </a:r>
+            <a:r>
+              <a:rPr lang="en-US" altLang="ko-KR" b="1" dirty="0"/>
+              <a:t>.</a:t>
+            </a:r>
+          </a:p>
+          <a:p>
+            <a:pPr marL="158750" indent="0">
+              <a:buNone/>
+            </a:pPr>
+            <a:endParaRPr lang="en-US" altLang="ko-KR" dirty="0"/>
+          </a:p>
+          <a:p>
+            <a:pPr marL="158750" indent="0">
+              <a:buNone/>
+            </a:pPr>
+            <a:r>
+              <a:rPr lang="ko-KR" altLang="en-US" b="1" dirty="0"/>
+              <a:t>예상 질문</a:t>
+            </a:r>
+            <a:r>
+              <a:rPr lang="en-US" altLang="ko-KR" b="0" dirty="0"/>
+              <a:t>: </a:t>
+            </a:r>
+          </a:p>
+          <a:p>
+            <a:pPr marL="158750" indent="0">
+              <a:buNone/>
+            </a:pPr>
+            <a:r>
+              <a:rPr lang="en-US" altLang="ko-KR" b="0" dirty="0"/>
+              <a:t>Q. BPTT</a:t>
+            </a:r>
+            <a:r>
+              <a:rPr lang="ko-KR" altLang="en-US" b="0" dirty="0"/>
+              <a:t>에서 왜 기울기가 불안정해지는가</a:t>
+            </a:r>
+            <a:r>
+              <a:rPr lang="en-US" altLang="ko-KR" b="0" dirty="0"/>
+              <a:t>?</a:t>
+            </a:r>
+          </a:p>
+          <a:p>
+            <a:pPr marL="158750" indent="0">
+              <a:buNone/>
+            </a:pPr>
+            <a:r>
+              <a:rPr lang="en-US" altLang="ko-KR" b="0" dirty="0"/>
+              <a:t>A. tanh</a:t>
+            </a:r>
+            <a:r>
+              <a:rPr lang="ko-KR" altLang="en-US" b="0" dirty="0"/>
+              <a:t>함수의 기울기 소실의 문제</a:t>
+            </a:r>
+            <a:r>
+              <a:rPr lang="en-US" altLang="ko-KR" b="0" dirty="0"/>
+              <a:t>, </a:t>
+            </a:r>
+            <a:r>
+              <a:rPr lang="ko-KR" altLang="en-US" b="0" dirty="0"/>
+              <a:t>가중치 </a:t>
+            </a:r>
+            <a:r>
+              <a:rPr lang="en-US" altLang="ko-KR" b="0" dirty="0"/>
+              <a:t>W</a:t>
+            </a:r>
+            <a:r>
+              <a:rPr lang="ko-KR" altLang="en-US" b="0" dirty="0"/>
+              <a:t>의 반복적인 곱으로 인해 기울기 소실 또는 폭발의 문제</a:t>
+            </a:r>
+            <a:endParaRPr lang="en-US" altLang="ko-KR" b="0" dirty="0"/>
           </a:p>
         </p:txBody>
       </p:sp>
@@ -4246,6 +5216,158 @@
           </a:bodyPr>
           <a:lstStyle/>
           <a:p>
+            <a:pPr marL="158750" indent="0">
+              <a:buNone/>
+            </a:pPr>
+            <a:r>
+              <a:rPr lang="en-US" altLang="ko-KR" b="1" dirty="0"/>
+              <a:t>Truncated BPTT</a:t>
+            </a:r>
+            <a:r>
+              <a:rPr lang="ko-KR" altLang="en-US" b="1" dirty="0"/>
+              <a:t>의 미니배치 학습은</a:t>
+            </a:r>
+            <a:r>
+              <a:rPr lang="en-US" altLang="ko-KR" b="1" dirty="0"/>
+              <a:t>, </a:t>
+            </a:r>
+            <a:r>
+              <a:rPr lang="ko-KR" altLang="en-US" b="1" dirty="0"/>
+              <a:t>배치 사이즈에 맞게 </a:t>
+            </a:r>
+            <a:r>
+              <a:rPr lang="en-US" altLang="ko-KR" b="1" dirty="0"/>
+              <a:t>offset</a:t>
+            </a:r>
+            <a:r>
+              <a:rPr lang="ko-KR" altLang="en-US" b="1" dirty="0"/>
+              <a:t>을 수행합니다</a:t>
+            </a:r>
+            <a:r>
+              <a:rPr lang="en-US" altLang="ko-KR" b="1" dirty="0"/>
+              <a:t>.</a:t>
+            </a:r>
+          </a:p>
+          <a:p>
+            <a:pPr marL="158750" indent="0">
+              <a:buNone/>
+            </a:pPr>
+            <a:r>
+              <a:rPr lang="ko-KR" altLang="en-US" b="1" dirty="0"/>
+              <a:t>오른쪽의 예를 보면</a:t>
+            </a:r>
+            <a:r>
+              <a:rPr lang="en-US" altLang="ko-KR" b="1" dirty="0"/>
+              <a:t>, </a:t>
+            </a:r>
+            <a:r>
+              <a:rPr lang="ko-KR" altLang="en-US" b="1" dirty="0" err="1"/>
+              <a:t>비니배치</a:t>
+            </a:r>
+            <a:r>
+              <a:rPr lang="ko-KR" altLang="en-US" b="1" dirty="0"/>
+              <a:t> 수가 </a:t>
+            </a:r>
+            <a:r>
+              <a:rPr lang="en-US" altLang="ko-KR" b="1" dirty="0"/>
+              <a:t>2</a:t>
+            </a:r>
+            <a:r>
+              <a:rPr lang="ko-KR" altLang="en-US" b="1" dirty="0"/>
+              <a:t>이고 길이가 </a:t>
+            </a:r>
+            <a:r>
+              <a:rPr lang="en-US" altLang="ko-KR" b="1" dirty="0"/>
+              <a:t>1000</a:t>
+            </a:r>
+            <a:r>
+              <a:rPr lang="ko-KR" altLang="en-US" b="1" dirty="0"/>
+              <a:t>개인 데이터일 때 학습 처리 순서입니다</a:t>
+            </a:r>
+            <a:r>
+              <a:rPr lang="en-US" altLang="ko-KR" b="1" dirty="0"/>
+              <a:t>.</a:t>
+            </a:r>
+          </a:p>
+          <a:p>
+            <a:pPr marL="158750" indent="0">
+              <a:buNone/>
+            </a:pPr>
+            <a:r>
+              <a:rPr lang="ko-KR" altLang="en-US" b="1" dirty="0"/>
+              <a:t>두번째 미니배치 원소를 보시면 </a:t>
+            </a:r>
+            <a:r>
+              <a:rPr lang="en-US" altLang="ko-KR" b="1" dirty="0"/>
+              <a:t>500</a:t>
+            </a:r>
+            <a:r>
+              <a:rPr lang="ko-KR" altLang="en-US" b="1" dirty="0"/>
+              <a:t>으로 </a:t>
+            </a:r>
+            <a:r>
+              <a:rPr lang="en-US" altLang="ko-KR" b="1" dirty="0"/>
+              <a:t>offset</a:t>
+            </a:r>
+            <a:r>
+              <a:rPr lang="ko-KR" altLang="en-US" b="1" dirty="0"/>
+              <a:t>후 학습하는 것을 볼 수 있습니다</a:t>
+            </a:r>
+            <a:r>
+              <a:rPr lang="en-US" altLang="ko-KR" b="1" dirty="0"/>
+              <a:t>.</a:t>
+            </a:r>
+          </a:p>
+          <a:p>
+            <a:pPr marL="158750" indent="0">
+              <a:buNone/>
+            </a:pPr>
+            <a:r>
+              <a:rPr lang="ko-KR" altLang="en-US" b="1" dirty="0"/>
+              <a:t>데이터를 순서대로 입력하다 끝에 도달하면 다시 처음부터 입력하도록 합니다</a:t>
+            </a:r>
+            <a:r>
+              <a:rPr lang="en-US" altLang="ko-KR" b="1" dirty="0"/>
+              <a:t>.</a:t>
+            </a:r>
+          </a:p>
+          <a:p>
+            <a:pPr marL="0" lvl="0" indent="0" algn="l" rtl="0">
+              <a:spcBef>
+                <a:spcPts val="0"/>
+              </a:spcBef>
+              <a:spcAft>
+                <a:spcPts val="0"/>
+              </a:spcAft>
+              <a:buNone/>
+            </a:pPr>
+            <a:endParaRPr lang="en-US" altLang="ko-KR" dirty="0"/>
+          </a:p>
+          <a:p>
+            <a:pPr marL="0" lvl="0" indent="0" algn="l" rtl="0">
+              <a:spcBef>
+                <a:spcPts val="0"/>
+              </a:spcBef>
+              <a:spcAft>
+                <a:spcPts val="0"/>
+              </a:spcAft>
+              <a:buNone/>
+            </a:pPr>
+            <a:endParaRPr lang="en-US" altLang="ko-KR" dirty="0"/>
+          </a:p>
+          <a:p>
+            <a:pPr marL="0" lvl="0" indent="0" algn="l" rtl="0">
+              <a:spcBef>
+                <a:spcPts val="0"/>
+              </a:spcBef>
+              <a:spcAft>
+                <a:spcPts val="0"/>
+              </a:spcAft>
+              <a:buNone/>
+            </a:pPr>
+            <a:endParaRPr lang="en-US" altLang="ko-KR" dirty="0"/>
+          </a:p>
+          <a:p>
             <a:pPr marL="0" lvl="0" indent="0" algn="l" rtl="0">
               <a:spcBef>
                 <a:spcPts val="0"/>
@@ -4451,6 +5573,123 @@
               </a:spcAft>
               <a:buNone/>
             </a:pPr>
+            <a:r>
+              <a:rPr lang="en-US" altLang="ko-KR" b="1" dirty="0"/>
+              <a:t>RNNLM</a:t>
+            </a:r>
+            <a:r>
+              <a:rPr lang="ko-KR" altLang="en-US" b="1" dirty="0"/>
+              <a:t>은 </a:t>
+            </a:r>
+            <a:r>
+              <a:rPr lang="en-US" altLang="ko-KR" b="1" dirty="0"/>
+              <a:t>RNN</a:t>
+            </a:r>
+            <a:r>
+              <a:rPr lang="ko-KR" altLang="en-US" b="1" dirty="0"/>
+              <a:t>계층이 있는 언어 모델입니다</a:t>
+            </a:r>
+            <a:r>
+              <a:rPr lang="en-US" altLang="ko-KR" b="1" dirty="0"/>
+              <a:t>. </a:t>
+            </a:r>
+          </a:p>
+          <a:p>
+            <a:pPr marL="0" lvl="0" indent="0" algn="l" rtl="0">
+              <a:spcBef>
+                <a:spcPts val="0"/>
+              </a:spcBef>
+              <a:spcAft>
+                <a:spcPts val="0"/>
+              </a:spcAft>
+              <a:buNone/>
+            </a:pPr>
+            <a:r>
+              <a:rPr lang="ko-KR" altLang="en-US" b="1" dirty="0"/>
+              <a:t>앞에서 보았듯이</a:t>
+            </a:r>
+            <a:r>
+              <a:rPr lang="en-US" altLang="ko-KR" b="1" dirty="0"/>
+              <a:t>, RNN</a:t>
+            </a:r>
+            <a:r>
+              <a:rPr lang="ko-KR" altLang="en-US" b="1" dirty="0"/>
+              <a:t>계층은 과거 정보를 다음 시각에 활용하게 됩니다</a:t>
+            </a:r>
+            <a:r>
+              <a:rPr lang="en-US" altLang="ko-KR" b="1" dirty="0"/>
+              <a:t>. </a:t>
+            </a:r>
+          </a:p>
+          <a:p>
+            <a:pPr marL="0" lvl="0" indent="0" algn="l" rtl="0">
+              <a:spcBef>
+                <a:spcPts val="0"/>
+              </a:spcBef>
+              <a:spcAft>
+                <a:spcPts val="0"/>
+              </a:spcAft>
+              <a:buNone/>
+            </a:pPr>
+            <a:r>
+              <a:rPr lang="ko-KR" altLang="en-US" b="1" dirty="0"/>
+              <a:t>모든 시각의 손실합의 평균이 최종 손실이 됩니다</a:t>
+            </a:r>
+            <a:r>
+              <a:rPr lang="en-US" altLang="ko-KR" b="1" dirty="0"/>
+              <a:t>. </a:t>
+            </a:r>
+          </a:p>
+          <a:p>
+            <a:pPr marL="0" lvl="0" indent="0" algn="l" rtl="0">
+              <a:spcBef>
+                <a:spcPts val="0"/>
+              </a:spcBef>
+              <a:spcAft>
+                <a:spcPts val="0"/>
+              </a:spcAft>
+              <a:buNone/>
+            </a:pPr>
+            <a:endParaRPr lang="en-US" altLang="ko-KR" dirty="0"/>
+          </a:p>
+          <a:p>
+            <a:pPr marL="0" lvl="0" indent="0" algn="l" rtl="0">
+              <a:spcBef>
+                <a:spcPts val="0"/>
+              </a:spcBef>
+              <a:spcAft>
+                <a:spcPts val="0"/>
+              </a:spcAft>
+              <a:buNone/>
+            </a:pPr>
+            <a:r>
+              <a:rPr lang="ko-KR" altLang="en-US" dirty="0"/>
+              <a:t>그림의 예에서는 논리적으로 </a:t>
+            </a:r>
+            <a:r>
+              <a:rPr lang="en-US" altLang="ko-KR" dirty="0"/>
+              <a:t>N</a:t>
+            </a:r>
+            <a:r>
+              <a:rPr lang="ko-KR" altLang="en-US" dirty="0"/>
+              <a:t>개의 시각이 있다면 각 계층도 </a:t>
+            </a:r>
+            <a:r>
+              <a:rPr lang="en-US" altLang="ko-KR" dirty="0"/>
+              <a:t>N</a:t>
+            </a:r>
+            <a:r>
+              <a:rPr lang="ko-KR" altLang="en-US" dirty="0"/>
+              <a:t>개가 있는 것이 됨</a:t>
+            </a:r>
+            <a:r>
+              <a:rPr lang="en-US" altLang="ko-KR" dirty="0"/>
+              <a:t>. </a:t>
+            </a:r>
+            <a:r>
+              <a:rPr lang="ko-KR" altLang="en-US" dirty="0"/>
+              <a:t>물리적으로는 하나의 계층을 공유하여 재사용할 수 있음</a:t>
+            </a:r>
             <a:endParaRPr dirty="0"/>
           </a:p>
         </p:txBody>
@@ -4550,6 +5789,147 @@
             <a:noAutofit/>
           </a:bodyPr>
           <a:lstStyle/>
+          <a:p>
+            <a:pPr marL="158750" indent="0">
+              <a:buNone/>
+            </a:pPr>
+            <a:r>
+              <a:rPr lang="ko-KR" altLang="en-US" b="1" dirty="0" err="1"/>
+              <a:t>퍼플렉서티는</a:t>
+            </a:r>
+            <a:r>
+              <a:rPr lang="ko-KR" altLang="en-US" b="1" dirty="0"/>
+              <a:t> 언어 모델의 예측 성능을 평가하는 척도로 자주 이용됩니다</a:t>
+            </a:r>
+            <a:r>
+              <a:rPr lang="en-US" altLang="ko-KR" b="1" dirty="0"/>
+              <a:t>. </a:t>
+            </a:r>
+          </a:p>
+          <a:p>
+            <a:pPr marL="158750" indent="0">
+              <a:buNone/>
+            </a:pPr>
+            <a:r>
+              <a:rPr lang="ko-KR" altLang="en-US" b="1" dirty="0" err="1"/>
+              <a:t>퍼플렉서티는</a:t>
+            </a:r>
+            <a:r>
+              <a:rPr lang="ko-KR" altLang="en-US" b="1" dirty="0"/>
+              <a:t> 확률의 역수이며 분기 수를 의미합니다</a:t>
+            </a:r>
+            <a:r>
+              <a:rPr lang="en-US" altLang="ko-KR" b="1" dirty="0"/>
+              <a:t>. </a:t>
+            </a:r>
+          </a:p>
+          <a:p>
+            <a:pPr marL="158750" indent="0">
+              <a:buNone/>
+            </a:pPr>
+            <a:r>
+              <a:rPr lang="ko-KR" altLang="en-US" b="1" dirty="0"/>
+              <a:t>예를 들어 </a:t>
+            </a:r>
+            <a:r>
+              <a:rPr lang="ko-KR" altLang="en-US" b="1" dirty="0" err="1"/>
+              <a:t>퍼플렉서티</a:t>
+            </a:r>
+            <a:r>
+              <a:rPr lang="ko-KR" altLang="en-US" b="1" dirty="0"/>
+              <a:t> 값이 </a:t>
+            </a:r>
+            <a:r>
+              <a:rPr lang="en-US" altLang="ko-KR" b="1" dirty="0"/>
+              <a:t>2</a:t>
+            </a:r>
+            <a:r>
+              <a:rPr lang="ko-KR" altLang="en-US" b="1" dirty="0"/>
+              <a:t>라면</a:t>
+            </a:r>
+            <a:r>
+              <a:rPr lang="en-US" altLang="ko-KR" b="1" dirty="0"/>
+              <a:t>, </a:t>
+            </a:r>
+            <a:r>
+              <a:rPr lang="ko-KR" altLang="en-US" b="1" dirty="0"/>
+              <a:t>다음에 출현할 수 있는 단어 후보가 </a:t>
+            </a:r>
+            <a:r>
+              <a:rPr lang="en-US" altLang="ko-KR" b="1" dirty="0"/>
+              <a:t>2</a:t>
+            </a:r>
+            <a:r>
+              <a:rPr lang="ko-KR" altLang="en-US" b="1" dirty="0"/>
+              <a:t>개라는 의미입니다</a:t>
+            </a:r>
+            <a:r>
+              <a:rPr lang="en-US" altLang="ko-KR" b="1" dirty="0"/>
+              <a:t>.</a:t>
+            </a:r>
+          </a:p>
+          <a:p>
+            <a:pPr marL="158750" indent="0">
+              <a:buNone/>
+            </a:pPr>
+            <a:r>
+              <a:rPr lang="ko-KR" altLang="en-US" b="1" dirty="0"/>
+              <a:t>아래 그림을 보면</a:t>
+            </a:r>
+            <a:r>
+              <a:rPr lang="en-US" altLang="ko-KR" b="1" dirty="0"/>
+              <a:t>, </a:t>
+            </a:r>
+            <a:r>
+              <a:rPr lang="ko-KR" altLang="en-US" b="1" dirty="0"/>
+              <a:t>모델 </a:t>
+            </a:r>
+            <a:r>
+              <a:rPr lang="en-US" altLang="ko-KR" b="1" dirty="0"/>
+              <a:t>1,2</a:t>
+            </a:r>
+            <a:r>
+              <a:rPr lang="ko-KR" altLang="en-US" b="1" dirty="0"/>
+              <a:t>에 단어 “</a:t>
+            </a:r>
+            <a:r>
+              <a:rPr lang="en-US" altLang="ko-KR" b="1" dirty="0"/>
+              <a:t>say”</a:t>
+            </a:r>
+            <a:r>
+              <a:rPr lang="ko-KR" altLang="en-US" b="1" dirty="0"/>
+              <a:t>의 확률을 </a:t>
+            </a:r>
+            <a:r>
+              <a:rPr lang="ko-KR" altLang="en-US" b="1" dirty="0" err="1"/>
+              <a:t>퍼플렉서티로</a:t>
+            </a:r>
+            <a:r>
+              <a:rPr lang="ko-KR" altLang="en-US" b="1" dirty="0"/>
+              <a:t> 표현한 값을 볼 수 있습니다</a:t>
+            </a:r>
+            <a:r>
+              <a:rPr lang="en-US" altLang="ko-KR" b="1" dirty="0"/>
+              <a:t>.</a:t>
+            </a:r>
+          </a:p>
+          <a:p>
+            <a:pPr marL="158750" indent="0">
+              <a:buNone/>
+            </a:pPr>
+            <a:r>
+              <a:rPr lang="ko-KR" altLang="en-US" b="1" dirty="0" err="1"/>
+              <a:t>퍼플렉서티</a:t>
+            </a:r>
+            <a:r>
+              <a:rPr lang="ko-KR" altLang="en-US" b="1" dirty="0"/>
+              <a:t> 값이 작을수록 좋다는 것을 알 수 있습니다</a:t>
+            </a:r>
+            <a:r>
+              <a:rPr lang="en-US" altLang="ko-KR" b="1" dirty="0"/>
+              <a:t>.</a:t>
+            </a:r>
+          </a:p>
           <a:p>
             <a:pPr marL="0" lvl="0" indent="0" algn="l" rtl="0">
               <a:spcBef>
@@ -4787,6 +6167,204 @@
           </a:bodyPr>
           <a:lstStyle/>
           <a:p>
+            <a:pPr marL="158750" indent="0">
+              <a:buNone/>
+            </a:pPr>
+            <a:r>
+              <a:rPr lang="ko-KR" altLang="en-US" b="1" dirty="0"/>
+              <a:t>자연어 처리 분야는 컴퓨터가 일을 수행하기 때문에 컴퓨터가 자연어를 이해할 수 있도록 단어를 가공해야 합니다</a:t>
+            </a:r>
+            <a:r>
+              <a:rPr lang="en-US" altLang="ko-KR" b="1" dirty="0"/>
+              <a:t>. </a:t>
+            </a:r>
+          </a:p>
+          <a:p>
+            <a:pPr marL="158750" indent="0">
+              <a:buNone/>
+            </a:pPr>
+            <a:r>
+              <a:rPr lang="ko-KR" altLang="en-US" b="1" dirty="0"/>
+              <a:t>컴퓨터에게 단어를 잘 이해시키기 위해 </a:t>
+            </a:r>
+            <a:r>
+              <a:rPr lang="en-US" altLang="ko-KR" b="1" dirty="0"/>
+              <a:t>3</a:t>
+            </a:r>
+            <a:r>
+              <a:rPr lang="ko-KR" altLang="en-US" b="1" dirty="0"/>
+              <a:t>가지 단어 표현 기법이 있는데</a:t>
+            </a:r>
+            <a:r>
+              <a:rPr lang="en-US" altLang="ko-KR" b="1" dirty="0"/>
+              <a:t>, </a:t>
+            </a:r>
+            <a:r>
+              <a:rPr lang="ko-KR" altLang="en-US" b="1" dirty="0"/>
+              <a:t>제일 먼저 시소러스를 알아보겠습니다</a:t>
+            </a:r>
+            <a:r>
+              <a:rPr lang="en-US" altLang="ko-KR" b="1" dirty="0"/>
+              <a:t>.</a:t>
+            </a:r>
+          </a:p>
+          <a:p>
+            <a:pPr marL="158750" indent="0">
+              <a:buNone/>
+            </a:pPr>
+            <a:r>
+              <a:rPr lang="ko-KR" altLang="en-US" b="1" dirty="0"/>
+              <a:t>시소러스는 유의어</a:t>
+            </a:r>
+            <a:r>
+              <a:rPr lang="en-US" altLang="ko-KR" b="1" dirty="0"/>
+              <a:t>, </a:t>
+            </a:r>
+            <a:r>
+              <a:rPr lang="ko-KR" altLang="en-US" b="1" dirty="0"/>
+              <a:t>동의어 사전입니다</a:t>
+            </a:r>
+            <a:r>
+              <a:rPr lang="en-US" altLang="ko-KR" b="1" dirty="0"/>
+              <a:t>. </a:t>
+            </a:r>
+            <a:r>
+              <a:rPr lang="ko-KR" altLang="en-US" b="1" dirty="0"/>
+              <a:t>뜻이 비슷한</a:t>
+            </a:r>
+            <a:r>
+              <a:rPr lang="en-US" altLang="ko-KR" b="1" dirty="0"/>
+              <a:t>, </a:t>
+            </a:r>
+            <a:r>
+              <a:rPr lang="ko-KR" altLang="en-US" b="1" dirty="0"/>
+              <a:t>같은 단어끼리 그룹화한 것들을 말합니다</a:t>
+            </a:r>
+            <a:r>
+              <a:rPr lang="en-US" altLang="ko-KR" b="1" dirty="0"/>
+              <a:t>.</a:t>
+            </a:r>
+          </a:p>
+          <a:p>
+            <a:pPr marL="158750" indent="0">
+              <a:buNone/>
+            </a:pPr>
+            <a:r>
+              <a:rPr lang="ko-KR" altLang="en-US" b="1" dirty="0"/>
+              <a:t>전체와 </a:t>
+            </a:r>
+            <a:r>
+              <a:rPr lang="ko-KR" altLang="en-US" b="1" dirty="0" err="1"/>
+              <a:t>부분같은</a:t>
+            </a:r>
+            <a:r>
+              <a:rPr lang="ko-KR" altLang="en-US" b="1" dirty="0"/>
+              <a:t> 구체적인 관계까지 정의하는 경우도 있습니다</a:t>
+            </a:r>
+            <a:r>
+              <a:rPr lang="en-US" altLang="ko-KR" b="1" dirty="0"/>
+              <a:t>.</a:t>
+            </a:r>
+          </a:p>
+          <a:p>
+            <a:pPr marL="158750" indent="0">
+              <a:buNone/>
+            </a:pPr>
+            <a:r>
+              <a:rPr lang="ko-KR" altLang="en-US" b="1" dirty="0"/>
+              <a:t>시소러스의 단점은 </a:t>
+            </a:r>
+            <a:r>
+              <a:rPr lang="ko-KR" altLang="en-US" b="1" dirty="0" err="1"/>
+              <a:t>일일히</a:t>
+            </a:r>
+            <a:r>
+              <a:rPr lang="ko-KR" altLang="en-US" b="1" dirty="0"/>
+              <a:t> 그룹화하기 때문에 단어가 많을수록</a:t>
+            </a:r>
+            <a:r>
+              <a:rPr lang="en-US" altLang="ko-KR" b="1" dirty="0"/>
+              <a:t>, </a:t>
+            </a:r>
+            <a:r>
+              <a:rPr lang="ko-KR" altLang="en-US" b="1" dirty="0"/>
+              <a:t>그리고 새로운 의미의 단어가 생겨날수록 높은 인적 비용이 발생합니다</a:t>
+            </a:r>
+            <a:r>
+              <a:rPr lang="en-US" altLang="ko-KR" b="1" dirty="0"/>
+              <a:t>.</a:t>
+            </a:r>
+          </a:p>
+          <a:p>
+            <a:pPr marL="158750" indent="0">
+              <a:buNone/>
+            </a:pPr>
+            <a:r>
+              <a:rPr lang="ko-KR" altLang="en-US" b="1" dirty="0"/>
+              <a:t>또한</a:t>
+            </a:r>
+            <a:r>
+              <a:rPr lang="en-US" altLang="ko-KR" b="1" dirty="0"/>
+              <a:t>, </a:t>
+            </a:r>
+            <a:r>
+              <a:rPr lang="ko-KR" altLang="en-US" b="1" dirty="0"/>
+              <a:t>유의어의 경우 그룹 내에 있는 단어들의 의미 차이를 표현할 수 없습니다</a:t>
+            </a:r>
+            <a:r>
+              <a:rPr lang="en-US" altLang="ko-KR" b="1" dirty="0"/>
+              <a:t>.</a:t>
+            </a:r>
+          </a:p>
+          <a:p>
+            <a:pPr marL="0" lvl="0" indent="0" algn="l" rtl="0">
+              <a:spcBef>
+                <a:spcPts val="0"/>
+              </a:spcBef>
+              <a:spcAft>
+                <a:spcPts val="0"/>
+              </a:spcAft>
+              <a:buNone/>
+            </a:pPr>
+            <a:endParaRPr lang="en-US" altLang="ko-KR" b="1" dirty="0"/>
+          </a:p>
+          <a:p>
+            <a:pPr marL="0" lvl="0" indent="0" algn="l" rtl="0">
+              <a:spcBef>
+                <a:spcPts val="0"/>
+              </a:spcBef>
+              <a:spcAft>
+                <a:spcPts val="0"/>
+              </a:spcAft>
+              <a:buNone/>
+            </a:pPr>
+            <a:endParaRPr lang="en-US" altLang="ko-KR" b="1" dirty="0"/>
+          </a:p>
+          <a:p>
+            <a:pPr marL="0" lvl="0" indent="0" algn="l" rtl="0">
+              <a:spcBef>
+                <a:spcPts val="0"/>
+              </a:spcBef>
+              <a:spcAft>
+                <a:spcPts val="0"/>
+              </a:spcAft>
+              <a:buNone/>
+            </a:pPr>
+            <a:endParaRPr lang="en-US" altLang="ko-KR" dirty="0"/>
+          </a:p>
+          <a:p>
+            <a:pPr marL="0" lvl="0" indent="0" algn="l" rtl="0">
+              <a:spcBef>
+                <a:spcPts val="0"/>
+              </a:spcBef>
+              <a:spcAft>
+                <a:spcPts val="0"/>
+              </a:spcAft>
+              <a:buNone/>
+            </a:pPr>
+            <a:endParaRPr lang="en-US" altLang="ko-KR" dirty="0"/>
+          </a:p>
+          <a:p>
             <a:pPr marL="0" lvl="0" indent="0" algn="l" rtl="0">
               <a:spcBef>
                 <a:spcPts val="0"/>
@@ -5024,52 +6602,64 @@
           </a:bodyPr>
           <a:lstStyle/>
           <a:p>
-            <a:pPr marL="0" lvl="0" indent="0" algn="l" rtl="0">
-              <a:spcBef>
-                <a:spcPts val="0"/>
-              </a:spcBef>
-              <a:spcAft>
-                <a:spcPts val="0"/>
-              </a:spcAft>
+            <a:pPr marL="158750" indent="0">
               <a:buNone/>
             </a:pPr>
             <a:r>
-              <a:rPr lang="ko-KR" altLang="en-US" dirty="0"/>
-              <a:t>말뭉치는 다량의 텍스트 데이터인데</a:t>
-            </a:r>
-            <a:r>
-              <a:rPr lang="en-US" altLang="ko-KR" dirty="0"/>
+              <a:rPr lang="ko-KR" altLang="en-US" b="1" dirty="0"/>
+              <a:t>다음으로 통계 기반 기법을 알아보기 전 몇가지 단어들에 대한 정의를 알아보겠습니다</a:t>
+            </a:r>
+            <a:r>
+              <a:rPr lang="en-US" altLang="ko-KR" b="1" dirty="0"/>
+              <a:t>.</a:t>
+            </a:r>
+          </a:p>
+          <a:p>
+            <a:pPr marL="158750" indent="0">
+              <a:buNone/>
+            </a:pPr>
+            <a:r>
+              <a:rPr lang="ko-KR" altLang="en-US" b="1" dirty="0"/>
+              <a:t>먼저 말뭉치에 대한 정의입니다</a:t>
+            </a:r>
+            <a:r>
+              <a:rPr lang="en-US" altLang="ko-KR" b="1" dirty="0"/>
+              <a:t>. </a:t>
+            </a:r>
+          </a:p>
+          <a:p>
+            <a:pPr marL="158750" indent="0">
+              <a:buNone/>
+            </a:pPr>
+            <a:r>
+              <a:rPr lang="ko-KR" altLang="en-US" b="1" dirty="0"/>
+              <a:t>연구</a:t>
+            </a:r>
+            <a:r>
+              <a:rPr lang="en-US" altLang="ko-KR" b="1" dirty="0"/>
               <a:t>, </a:t>
             </a:r>
             <a:r>
-              <a:rPr lang="ko-KR" altLang="en-US" dirty="0"/>
-              <a:t>맹목적으로 수집된 것이 아님</a:t>
-            </a:r>
-            <a:endParaRPr lang="en-US" altLang="ko-KR" dirty="0"/>
-          </a:p>
-          <a:p>
-            <a:pPr marL="0" lvl="0" indent="0" algn="l" rtl="0">
-              <a:spcBef>
-                <a:spcPts val="0"/>
-              </a:spcBef>
-              <a:spcAft>
-                <a:spcPts val="0"/>
-              </a:spcAft>
+              <a:rPr lang="ko-KR" altLang="en-US" b="1" dirty="0"/>
+              <a:t>애플리케이션 개발 등의 목적으로 수집된 다량의 텍스트 데이터를 말뭉치라고 합니다</a:t>
+            </a:r>
+            <a:r>
+              <a:rPr lang="en-US" altLang="ko-KR" b="1" dirty="0"/>
+              <a:t>.</a:t>
+            </a:r>
+          </a:p>
+          <a:p>
+            <a:pPr marL="158750" indent="0">
               <a:buNone/>
             </a:pPr>
             <a:r>
-              <a:rPr lang="en-US" altLang="ko-KR" dirty="0"/>
-              <a:t> </a:t>
-            </a:r>
-            <a:r>
-              <a:rPr lang="ko-KR" altLang="en-US" dirty="0"/>
-              <a:t>연구나 애플리케이션 개발을 목표로 수집된 텍스트 데이터를 말뭉치라고 함</a:t>
-            </a:r>
-            <a:r>
-              <a:rPr lang="en-US" altLang="ko-KR" dirty="0"/>
-              <a:t>. </a:t>
-            </a:r>
-            <a:endParaRPr dirty="0"/>
+              <a:rPr lang="ko-KR" altLang="en-US" b="1" dirty="0"/>
+              <a:t>이때 맹목적으로 수집된 것이 아닌 그림과 같이 특정한 카테고리에 따라 수집된 텍스트 데이터를 말합니다</a:t>
+            </a:r>
+            <a:r>
+              <a:rPr lang="en-US" altLang="ko-KR" b="1" dirty="0"/>
+              <a:t>.</a:t>
+            </a:r>
           </a:p>
         </p:txBody>
       </p:sp>
@@ -5169,6 +6759,155 @@
           </a:bodyPr>
           <a:lstStyle/>
           <a:p>
+            <a:pPr marL="158750" indent="0">
+              <a:buNone/>
+            </a:pPr>
+            <a:r>
+              <a:rPr lang="ko-KR" altLang="en-US" b="1" dirty="0"/>
+              <a:t>다음으로는 분포 가설입니다</a:t>
+            </a:r>
+            <a:r>
+              <a:rPr lang="en-US" altLang="ko-KR" b="1" dirty="0"/>
+              <a:t>. </a:t>
+            </a:r>
+            <a:r>
+              <a:rPr lang="ko-KR" altLang="en-US" b="1" dirty="0"/>
+              <a:t>단어의 의미는 주변 단어에 의해 형성된다는 가설입니다</a:t>
+            </a:r>
+            <a:r>
+              <a:rPr lang="en-US" altLang="ko-KR" b="1" dirty="0"/>
+              <a:t>.</a:t>
+            </a:r>
+          </a:p>
+          <a:p>
+            <a:pPr marL="158750" indent="0">
+              <a:buNone/>
+            </a:pPr>
+            <a:r>
+              <a:rPr lang="ko-KR" altLang="en-US" b="1" dirty="0"/>
+              <a:t>문장을 예시로 보자면</a:t>
+            </a:r>
+            <a:r>
+              <a:rPr lang="en-US" altLang="ko-KR" b="1" dirty="0"/>
+              <a:t>, “goodbye”</a:t>
+            </a:r>
+            <a:r>
+              <a:rPr lang="ko-KR" altLang="en-US" b="1" dirty="0"/>
+              <a:t>는 주변 단어인 “</a:t>
+            </a:r>
+            <a:r>
+              <a:rPr lang="en-US" altLang="ko-KR" b="1" dirty="0"/>
+              <a:t>you”, “say”, “and”, “</a:t>
+            </a:r>
+            <a:r>
+              <a:rPr lang="en-US" altLang="ko-KR" b="1" dirty="0" err="1"/>
+              <a:t>i</a:t>
+            </a:r>
+            <a:r>
+              <a:rPr lang="en-US" altLang="ko-KR" b="1" dirty="0"/>
+              <a:t>”</a:t>
+            </a:r>
+            <a:r>
+              <a:rPr lang="ko-KR" altLang="en-US" b="1" dirty="0"/>
+              <a:t>에 의해 의미가 형성된다고 볼 수 있습니다</a:t>
+            </a:r>
+            <a:r>
+              <a:rPr lang="en-US" altLang="ko-KR" b="1" dirty="0"/>
+              <a:t>.</a:t>
+            </a:r>
+          </a:p>
+          <a:p>
+            <a:pPr marL="158750" indent="0">
+              <a:buNone/>
+            </a:pPr>
+            <a:r>
+              <a:rPr lang="ko-KR" altLang="en-US" b="1" dirty="0"/>
+              <a:t>분산 표현은 분포 가설을 기초로 단어를 특정 차원의 고정 길이 밀집 벡터로 나타냅니다</a:t>
+            </a:r>
+            <a:r>
+              <a:rPr lang="en-US" altLang="ko-KR" b="1" dirty="0"/>
+              <a:t>.</a:t>
+            </a:r>
+          </a:p>
+          <a:p>
+            <a:pPr marL="158750" indent="0">
+              <a:buNone/>
+            </a:pPr>
+            <a:r>
+              <a:rPr lang="ko-KR" altLang="en-US" b="1" dirty="0"/>
+              <a:t>이렇게 나타낸 분산표현을 통해 두 단어의 유사도를 구할 수 있는데요</a:t>
+            </a:r>
+            <a:r>
+              <a:rPr lang="en-US" altLang="ko-KR" b="1" dirty="0"/>
+              <a:t>, </a:t>
+            </a:r>
+          </a:p>
+          <a:p>
+            <a:pPr marL="158750" indent="0">
+              <a:buNone/>
+            </a:pPr>
+            <a:r>
+              <a:rPr lang="ko-KR" altLang="en-US" b="1" dirty="0"/>
+              <a:t>코사인 유사도 계산을 통해 </a:t>
+            </a:r>
+            <a:r>
+              <a:rPr lang="en-US" altLang="ko-KR" b="1" dirty="0"/>
+              <a:t>1</a:t>
+            </a:r>
+            <a:r>
+              <a:rPr lang="ko-KR" altLang="en-US" b="1" dirty="0"/>
+              <a:t>에 가까울수록 의미가 비슷한 것이고</a:t>
+            </a:r>
+            <a:r>
+              <a:rPr lang="en-US" altLang="ko-KR" b="1" dirty="0"/>
+              <a:t>, -1</a:t>
+            </a:r>
+            <a:r>
+              <a:rPr lang="ko-KR" altLang="en-US" b="1" dirty="0"/>
+              <a:t>에 가까울수록 의미가 반대에 가까워집니다</a:t>
+            </a:r>
+            <a:r>
+              <a:rPr lang="en-US" altLang="ko-KR" b="1" dirty="0"/>
+              <a:t>.</a:t>
+            </a:r>
+          </a:p>
+          <a:p>
+            <a:pPr marL="0" lvl="0" indent="0" algn="l" rtl="0">
+              <a:spcBef>
+                <a:spcPts val="0"/>
+              </a:spcBef>
+              <a:spcAft>
+                <a:spcPts val="0"/>
+              </a:spcAft>
+              <a:buNone/>
+            </a:pPr>
+            <a:endParaRPr lang="en-US" altLang="ko-KR" b="1" dirty="0"/>
+          </a:p>
+          <a:p>
+            <a:pPr marL="0" lvl="0" indent="0" algn="l" rtl="0">
+              <a:spcBef>
+                <a:spcPts val="0"/>
+              </a:spcBef>
+              <a:spcAft>
+                <a:spcPts val="0"/>
+              </a:spcAft>
+              <a:buNone/>
+            </a:pPr>
+            <a:endParaRPr lang="en-US" altLang="ko-KR" dirty="0"/>
+          </a:p>
+          <a:p>
+            <a:pPr marL="0" lvl="0" indent="0" algn="l" rtl="0">
+              <a:spcBef>
+                <a:spcPts val="0"/>
+              </a:spcBef>
+              <a:spcAft>
+                <a:spcPts val="0"/>
+              </a:spcAft>
+              <a:buNone/>
+            </a:pPr>
+            <a:endParaRPr lang="en-US" altLang="ko-KR" dirty="0"/>
+          </a:p>
+          <a:p>
             <a:pPr marL="0" lvl="0" indent="0" algn="l" rtl="0">
               <a:spcBef>
                 <a:spcPts val="0"/>
@@ -5394,6 +7133,53 @@
           </a:bodyPr>
           <a:lstStyle/>
           <a:p>
+            <a:pPr marL="158750" indent="0">
+              <a:buNone/>
+            </a:pPr>
+            <a:r>
+              <a:rPr lang="ko-KR" altLang="en-US" b="1" dirty="0"/>
+              <a:t>통계 기반 기법은 분포 가설을 바탕으로 단어 등장횟수의 통계를 통해 의미를 파악하는 기법입니다</a:t>
+            </a:r>
+            <a:r>
+              <a:rPr lang="en-US" altLang="ko-KR" b="1" dirty="0"/>
+              <a:t>.</a:t>
+            </a:r>
+          </a:p>
+          <a:p>
+            <a:pPr marL="158750" indent="0">
+              <a:buNone/>
+            </a:pPr>
+            <a:r>
+              <a:rPr lang="ko-KR" altLang="en-US" b="1" dirty="0"/>
+              <a:t>문장을 예시로 본다면</a:t>
+            </a:r>
+            <a:r>
+              <a:rPr lang="en-US" altLang="ko-KR" b="1" dirty="0"/>
+              <a:t>, say </a:t>
+            </a:r>
+            <a:r>
+              <a:rPr lang="ko-KR" altLang="en-US" b="1" dirty="0"/>
+              <a:t>주변의 단어 등장횟수를 그림과 같이 행벡터로 표현할 수 있습니다</a:t>
+            </a:r>
+            <a:r>
+              <a:rPr lang="en-US" altLang="ko-KR" b="1" dirty="0"/>
+              <a:t>.</a:t>
+            </a:r>
+          </a:p>
+          <a:p>
+            <a:pPr marL="158750" indent="0">
+              <a:buNone/>
+            </a:pPr>
+            <a:r>
+              <a:rPr lang="ko-KR" altLang="en-US" b="1" dirty="0"/>
+              <a:t>말뭉치에 있는 모든 단어에 대해 슬라이딩 윈도우를 통해 행벡터로 표현한 것을 행렬화 한 것을 동시발생 행렬이라고 정의합니다</a:t>
+            </a:r>
+            <a:r>
+              <a:rPr lang="en-US" altLang="ko-KR" b="1" dirty="0"/>
+              <a:t>.</a:t>
+            </a:r>
+          </a:p>
+          <a:p>
             <a:pPr marL="0" lvl="0" indent="0" algn="l" rtl="0">
               <a:spcBef>
                 <a:spcPts val="0"/>
@@ -5403,7 +7189,7 @@
               </a:spcAft>
               <a:buNone/>
             </a:pPr>
-            <a:endParaRPr dirty="0"/>
+            <a:endParaRPr b="1" dirty="0"/>
           </a:p>
         </p:txBody>
       </p:sp>
@@ -5503,6 +7289,150 @@
           </a:bodyPr>
           <a:lstStyle/>
           <a:p>
+            <a:pPr marL="158750" indent="0">
+              <a:buNone/>
+            </a:pPr>
+            <a:r>
+              <a:rPr lang="ko-KR" altLang="en-US" b="1" dirty="0"/>
+              <a:t>앞서 말씀드린 통계 기반 기법의 개선 기법 중 하나인 </a:t>
+            </a:r>
+            <a:r>
+              <a:rPr lang="ko-KR" altLang="en-US" b="1" dirty="0" err="1"/>
+              <a:t>점별</a:t>
+            </a:r>
+            <a:r>
+              <a:rPr lang="ko-KR" altLang="en-US" b="1" dirty="0"/>
+              <a:t> </a:t>
+            </a:r>
+            <a:r>
+              <a:rPr lang="ko-KR" altLang="en-US" b="1" dirty="0" err="1"/>
+              <a:t>상호정보량입니다</a:t>
+            </a:r>
+            <a:r>
+              <a:rPr lang="en-US" altLang="ko-KR" b="1" dirty="0"/>
+              <a:t>.</a:t>
+            </a:r>
+          </a:p>
+          <a:p>
+            <a:pPr marL="158750" indent="0">
+              <a:buNone/>
+            </a:pPr>
+            <a:r>
+              <a:rPr lang="ko-KR" altLang="en-US" b="1" dirty="0"/>
+              <a:t>통계 기반 기법에서는 단순히 단어의 빈도수를 파악하기 때문에 “</a:t>
+            </a:r>
+            <a:r>
+              <a:rPr lang="en-US" altLang="ko-KR" b="1" dirty="0"/>
+              <a:t>the”</a:t>
+            </a:r>
+            <a:r>
+              <a:rPr lang="ko-KR" altLang="en-US" b="1" dirty="0"/>
+              <a:t>와 같은 관사는 말뭉치에서 등장 횟수가 많다는 이유로 여러 단어와 관련성이 더 크다고 파악될 수 있습니다</a:t>
+            </a:r>
+            <a:r>
+              <a:rPr lang="en-US" altLang="ko-KR" b="1" dirty="0"/>
+              <a:t>.</a:t>
+            </a:r>
+          </a:p>
+          <a:p>
+            <a:pPr marL="158750" indent="0">
+              <a:buNone/>
+            </a:pPr>
+            <a:r>
+              <a:rPr lang="ko-KR" altLang="en-US" b="1" dirty="0"/>
+              <a:t>이런 점을 보완하기 위해 </a:t>
+            </a:r>
+            <a:r>
+              <a:rPr lang="ko-KR" altLang="en-US" b="1" dirty="0" err="1"/>
+              <a:t>점별</a:t>
+            </a:r>
+            <a:r>
+              <a:rPr lang="ko-KR" altLang="en-US" b="1" dirty="0"/>
+              <a:t> </a:t>
+            </a:r>
+            <a:r>
+              <a:rPr lang="ko-KR" altLang="en-US" b="1" dirty="0" err="1"/>
+              <a:t>상호정보량을</a:t>
+            </a:r>
+            <a:r>
+              <a:rPr lang="ko-KR" altLang="en-US" b="1" dirty="0"/>
+              <a:t> 통해 </a:t>
+            </a:r>
+            <a:r>
+              <a:rPr lang="en-US" altLang="ko-KR" b="1" dirty="0"/>
+              <a:t>PMI</a:t>
+            </a:r>
+            <a:r>
+              <a:rPr lang="ko-KR" altLang="en-US" b="1" dirty="0"/>
+              <a:t>행렬로 변환한다면</a:t>
+            </a:r>
+            <a:r>
+              <a:rPr lang="en-US" altLang="ko-KR" b="1" dirty="0"/>
+              <a:t>, </a:t>
+            </a:r>
+            <a:r>
+              <a:rPr lang="ko-KR" altLang="en-US" b="1" dirty="0"/>
+              <a:t>단어 사이의 관련성을 좀 더 개선할 수 있습니다</a:t>
+            </a:r>
+            <a:r>
+              <a:rPr lang="en-US" altLang="ko-KR" b="1" dirty="0"/>
+              <a:t>.</a:t>
+            </a:r>
+          </a:p>
+          <a:p>
+            <a:pPr marL="158750" indent="0">
+              <a:buNone/>
+            </a:pPr>
+            <a:r>
+              <a:rPr lang="en-US" altLang="ko-KR" b="1" dirty="0"/>
+              <a:t>PPMI</a:t>
+            </a:r>
+            <a:r>
+              <a:rPr lang="ko-KR" altLang="en-US" b="1" dirty="0"/>
+              <a:t>는 양의 </a:t>
+            </a:r>
+            <a:r>
+              <a:rPr lang="ko-KR" altLang="en-US" b="1" dirty="0" err="1"/>
+              <a:t>상호정보량입니다</a:t>
+            </a:r>
+            <a:r>
+              <a:rPr lang="en-US" altLang="ko-KR" b="1" dirty="0"/>
+              <a:t>. PMI </a:t>
+            </a:r>
+            <a:r>
+              <a:rPr lang="ko-KR" altLang="en-US" b="1" dirty="0"/>
+              <a:t>수식이 </a:t>
+            </a:r>
+            <a:r>
+              <a:rPr lang="en-US" altLang="ko-KR" b="1" dirty="0"/>
+              <a:t>log</a:t>
+            </a:r>
+            <a:r>
+              <a:rPr lang="ko-KR" altLang="en-US" b="1" dirty="0"/>
+              <a:t>함수이기 때문에 동시발생 횟수가 </a:t>
+            </a:r>
+            <a:r>
+              <a:rPr lang="en-US" altLang="ko-KR" b="1" dirty="0"/>
+              <a:t>0</a:t>
+            </a:r>
+            <a:r>
+              <a:rPr lang="ko-KR" altLang="en-US" b="1" dirty="0"/>
+              <a:t>회라면 그 값이 음의 무한대인 문제를 개선하기 위해 최소값을 </a:t>
+            </a:r>
+            <a:r>
+              <a:rPr lang="en-US" altLang="ko-KR" b="1" dirty="0"/>
+              <a:t>0</a:t>
+            </a:r>
+            <a:r>
+              <a:rPr lang="ko-KR" altLang="en-US" b="1" dirty="0"/>
+              <a:t>으로 지정해주는 개선을 하였습니다</a:t>
+            </a:r>
+            <a:r>
+              <a:rPr lang="en-US" altLang="ko-KR" b="1" dirty="0"/>
+              <a:t>.</a:t>
+            </a:r>
+          </a:p>
+          <a:p>
             <a:pPr marL="0" lvl="0" indent="0" algn="l" rtl="0">
               <a:spcBef>
                 <a:spcPts val="0"/>
@@ -5512,30 +7442,18 @@
               </a:spcAft>
               <a:buNone/>
             </a:pPr>
-            <a:r>
-              <a:rPr lang="ko-KR" altLang="en-US" dirty="0"/>
-              <a:t>관사 </a:t>
-            </a:r>
-            <a:r>
-              <a:rPr lang="en-US" altLang="ko-KR" dirty="0" err="1"/>
-              <a:t>a,the</a:t>
-            </a:r>
-            <a:r>
-              <a:rPr lang="ko-KR" altLang="en-US" dirty="0"/>
-              <a:t>가 더 </a:t>
-            </a:r>
-            <a:r>
-              <a:rPr lang="ko-KR" altLang="en-US" dirty="0" err="1"/>
-              <a:t>관련있다</a:t>
-            </a:r>
-            <a:r>
-              <a:rPr lang="ko-KR" altLang="en-US" dirty="0"/>
-              <a:t> 나올 수 있음</a:t>
-            </a:r>
-            <a:r>
-              <a:rPr lang="en-US" altLang="ko-KR" dirty="0"/>
-              <a:t>. </a:t>
-            </a:r>
+            <a:endParaRPr lang="en-US" altLang="ko-KR" dirty="0"/>
+          </a:p>
+          <a:p>
+            <a:pPr marL="0" lvl="0" indent="0" algn="l" rtl="0">
+              <a:spcBef>
+                <a:spcPts val="0"/>
+              </a:spcBef>
+              <a:spcAft>
+                <a:spcPts val="0"/>
+              </a:spcAft>
+              <a:buNone/>
+            </a:pPr>
             <a:r>
               <a:rPr lang="ko-KR" altLang="en-US" dirty="0" err="1"/>
               <a:t>단어간의</a:t>
@@ -5656,6 +7574,196 @@
           </a:bodyPr>
           <a:lstStyle/>
           <a:p>
+            <a:pPr marL="158750" indent="0">
+              <a:buNone/>
+            </a:pPr>
+            <a:r>
+              <a:rPr lang="ko-KR" altLang="en-US" b="1" dirty="0"/>
+              <a:t>통계 기반 기법의 다른 개선 사항으로는</a:t>
+            </a:r>
+            <a:r>
+              <a:rPr lang="en-US" altLang="ko-KR" b="1" dirty="0"/>
+              <a:t>, </a:t>
+            </a:r>
+            <a:r>
+              <a:rPr lang="ko-KR" altLang="en-US" b="1" dirty="0"/>
+              <a:t>차원 감소가 있습니다</a:t>
+            </a:r>
+            <a:r>
+              <a:rPr lang="en-US" altLang="ko-KR" b="1" dirty="0"/>
+              <a:t>.</a:t>
+            </a:r>
+          </a:p>
+          <a:p>
+            <a:pPr marL="158750" indent="0">
+              <a:buNone/>
+            </a:pPr>
+            <a:r>
+              <a:rPr lang="ko-KR" altLang="en-US" b="1" dirty="0"/>
+              <a:t>희소 벡터를 밀집 벡터로 변환하는 작업은 </a:t>
+            </a:r>
+            <a:r>
+              <a:rPr lang="ko-KR" altLang="en-US" b="1" dirty="0" err="1"/>
+              <a:t>원핫</a:t>
+            </a:r>
+            <a:r>
+              <a:rPr lang="ko-KR" altLang="en-US" b="1" dirty="0"/>
+              <a:t> 벡터</a:t>
+            </a:r>
+            <a:r>
+              <a:rPr lang="en-US" altLang="ko-KR" b="1" dirty="0"/>
+              <a:t>, </a:t>
+            </a:r>
+            <a:r>
+              <a:rPr lang="ko-KR" altLang="en-US" b="1" dirty="0"/>
+              <a:t>즉 대부분의 원소가 </a:t>
+            </a:r>
+            <a:r>
+              <a:rPr lang="en-US" altLang="ko-KR" b="1" dirty="0"/>
+              <a:t>0</a:t>
+            </a:r>
+            <a:r>
+              <a:rPr lang="ko-KR" altLang="en-US" b="1" dirty="0"/>
+              <a:t>인 벡터를 원소가 </a:t>
+            </a:r>
+            <a:r>
+              <a:rPr lang="ko-KR" altLang="en-US" b="1" dirty="0" err="1"/>
+              <a:t>실수값으로</a:t>
+            </a:r>
+            <a:r>
+              <a:rPr lang="ko-KR" altLang="en-US" b="1" dirty="0"/>
+              <a:t> 표현된 밀집 벡터로 변환하는 것이 있습니다</a:t>
+            </a:r>
+            <a:r>
+              <a:rPr lang="en-US" altLang="ko-KR" b="1" dirty="0"/>
+              <a:t>.</a:t>
+            </a:r>
+          </a:p>
+          <a:p>
+            <a:pPr marL="158750" indent="0">
+              <a:buNone/>
+            </a:pPr>
+            <a:r>
+              <a:rPr lang="ko-KR" altLang="en-US" b="1" dirty="0" err="1"/>
+              <a:t>특잇값</a:t>
+            </a:r>
+            <a:r>
+              <a:rPr lang="ko-KR" altLang="en-US" b="1" dirty="0"/>
+              <a:t> 분해는 행렬 </a:t>
+            </a:r>
+            <a:r>
+              <a:rPr lang="en-US" altLang="ko-KR" b="1" dirty="0"/>
+              <a:t>X</a:t>
+            </a:r>
+            <a:r>
+              <a:rPr lang="ko-KR" altLang="en-US" b="1" dirty="0"/>
+              <a:t>를 세 행렬의 곱으로 분해합니다</a:t>
+            </a:r>
+            <a:r>
+              <a:rPr lang="en-US" altLang="ko-KR" b="1" dirty="0"/>
+              <a:t>. </a:t>
+            </a:r>
+          </a:p>
+          <a:p>
+            <a:pPr marL="158750" indent="0">
+              <a:buNone/>
+            </a:pPr>
+            <a:r>
+              <a:rPr lang="ko-KR" altLang="en-US" b="1" dirty="0"/>
+              <a:t>행렬 </a:t>
+            </a:r>
+            <a:r>
+              <a:rPr lang="en-US" altLang="ko-KR" b="1" dirty="0"/>
+              <a:t>S</a:t>
+            </a:r>
+            <a:r>
+              <a:rPr lang="ko-KR" altLang="en-US" b="1" dirty="0"/>
+              <a:t>의 대각성분에는 </a:t>
+            </a:r>
+            <a:r>
+              <a:rPr lang="ko-KR" altLang="en-US" b="1" dirty="0" err="1"/>
+              <a:t>특잇값이</a:t>
+            </a:r>
+            <a:r>
+              <a:rPr lang="ko-KR" altLang="en-US" b="1" dirty="0"/>
+              <a:t> 큰 순서대로 나열되어 있습니다</a:t>
+            </a:r>
+            <a:r>
+              <a:rPr lang="en-US" altLang="ko-KR" b="1" dirty="0"/>
+              <a:t>. </a:t>
+            </a:r>
+          </a:p>
+          <a:p>
+            <a:pPr marL="158750" indent="0">
+              <a:buNone/>
+            </a:pPr>
+            <a:r>
+              <a:rPr lang="ko-KR" altLang="en-US" b="1" dirty="0"/>
+              <a:t>이 </a:t>
+            </a:r>
+            <a:r>
+              <a:rPr lang="ko-KR" altLang="en-US" b="1" dirty="0" err="1"/>
+              <a:t>특잇값</a:t>
+            </a:r>
+            <a:r>
+              <a:rPr lang="ko-KR" altLang="en-US" b="1" dirty="0"/>
+              <a:t> 중 작은 값을 무시하고</a:t>
+            </a:r>
+            <a:r>
+              <a:rPr lang="en-US" altLang="ko-KR" b="1" dirty="0"/>
+              <a:t>, </a:t>
+            </a:r>
+            <a:r>
+              <a:rPr lang="ko-KR" altLang="en-US" b="1" dirty="0"/>
+              <a:t>그에 대응되는 열을 행렬 </a:t>
+            </a:r>
+            <a:r>
+              <a:rPr lang="en-US" altLang="ko-KR" b="1" dirty="0"/>
+              <a:t>U</a:t>
+            </a:r>
+            <a:r>
+              <a:rPr lang="ko-KR" altLang="en-US" b="1" dirty="0"/>
+              <a:t>에서 제거하여 수행합니다</a:t>
+            </a:r>
+            <a:r>
+              <a:rPr lang="en-US" altLang="ko-KR" b="1" dirty="0"/>
+              <a:t>.</a:t>
+            </a:r>
+          </a:p>
+          <a:p>
+            <a:pPr marL="158750" indent="0">
+              <a:buNone/>
+            </a:pPr>
+            <a:r>
+              <a:rPr lang="en-US" altLang="ko-KR" b="1" dirty="0"/>
+              <a:t>Truncated SVD</a:t>
+            </a:r>
+            <a:r>
+              <a:rPr lang="ko-KR" altLang="en-US" b="1" dirty="0"/>
+              <a:t>는 미리 지정한 몇 개의 </a:t>
+            </a:r>
+            <a:r>
+              <a:rPr lang="ko-KR" altLang="en-US" b="1" dirty="0" err="1"/>
+              <a:t>특잇값만</a:t>
+            </a:r>
+            <a:r>
+              <a:rPr lang="ko-KR" altLang="en-US" b="1" dirty="0"/>
+              <a:t> 보존하여 </a:t>
+            </a:r>
+            <a:r>
+              <a:rPr lang="ko-KR" altLang="en-US" b="1" dirty="0" err="1"/>
+              <a:t>계산량을</a:t>
+            </a:r>
+            <a:r>
+              <a:rPr lang="ko-KR" altLang="en-US" b="1" dirty="0"/>
+              <a:t> 줄이는 방법입니다</a:t>
+            </a:r>
+            <a:r>
+              <a:rPr lang="en-US" altLang="ko-KR" b="1" dirty="0"/>
+              <a:t>.</a:t>
+            </a:r>
+          </a:p>
+          <a:p>
             <a:pPr marL="0" lvl="0" indent="0" algn="l" rtl="0">
               <a:spcBef>
                 <a:spcPts val="0"/>
@@ -5665,7 +7773,7 @@
               </a:spcAft>
               <a:buNone/>
             </a:pPr>
-            <a:endParaRPr dirty="0"/>
+            <a:endParaRPr b="1" dirty="0"/>
           </a:p>
         </p:txBody>
       </p:sp>
@@ -5779,7 +7887,7 @@
               <a:buFont typeface="Noto Sans"/>
               <a:buNone/>
             </a:pPr>
-            <a:endParaRPr sz="1200" i="1" dirty="0">
+            <a:endParaRPr sz="1200" b="1" i="1" dirty="0">
               <a:solidFill>
                 <a:srgbClr val="595959"/>
               </a:solidFill>
@@ -5799,7 +7907,19 @@
               </a:spcAft>
               <a:buNone/>
             </a:pPr>
-            <a:endParaRPr dirty="0"/>
+            <a:r>
+              <a:rPr lang="en-US" altLang="ko-KR" b="1" dirty="0"/>
+              <a:t>3</a:t>
+            </a:r>
+            <a:r>
+              <a:rPr lang="ko-KR" altLang="en-US" b="1" dirty="0"/>
+              <a:t>챕터는 추론 기반 기법에 관한 챕터입니다</a:t>
+            </a:r>
+            <a:r>
+              <a:rPr lang="en-US" altLang="ko-KR" b="1" dirty="0"/>
+              <a:t>.</a:t>
+            </a:r>
+            <a:endParaRPr b="1" dirty="0"/>
           </a:p>
         </p:txBody>
       </p:sp>
@@ -11186,14 +13306,14 @@
                 <a:ea typeface="Noto Sans" panose="020B0502040504020204" pitchFamily="34" charset="0"/>
                 <a:cs typeface="Noto Sans" panose="020B0502040504020204" pitchFamily="34" charset="0"/>
               </a:rPr>
-              <a:t>Chapter 2-5 </a:t>
+              <a:t>Chapter 2~5 </a:t>
             </a:r>
             <a:r>
               <a:rPr lang="ko-KR" altLang="en-US" sz="2500" b="1" dirty="0" err="1">
                 <a:latin typeface="Noto Sans" panose="020B0502040504020204" pitchFamily="34" charset="0"/>
                 <a:cs typeface="Noto Sans" panose="020B0502040504020204" pitchFamily="34" charset="0"/>
               </a:rPr>
-              <a:t>스터디발표</a:t>
+              <a:t>스터디리뷰</a:t>
             </a:r>
             <a:endParaRPr lang="ko-KR" altLang="en-US" sz="2500" b="1" dirty="0">
               <a:latin typeface="Noto Sans" panose="020B0502040504020204" pitchFamily="34" charset="0"/>
@@ -13616,7 +15736,7 @@
         </p:blipFill>
         <p:spPr>
           <a:xfrm>
-            <a:off x="5189465" y="3923799"/>
+            <a:off x="5231410" y="3923799"/>
             <a:ext cx="764295" cy="701648"/>
           </a:xfrm>
           <a:prstGeom prst="rect">
@@ -13624,6 +15744,82 @@
           </a:prstGeom>
         </p:spPr>
       </p:pic>
+      <p:sp>
+        <p:nvSpPr>
+          <p:cNvPr id="11" name="TextBox 10">
+            <a:extLst>
+              <a:ext uri="{FF2B5EF4-FFF2-40B4-BE49-F238E27FC236}">
+                <a16:creationId xmlns:a16="http://schemas.microsoft.com/office/drawing/2014/main" id="{2736EEE9-E248-4B2F-9507-EDB0B2EE99E0}"/>
+              </a:ext>
+            </a:extLst>
+          </p:cNvPr>
+          <p:cNvSpPr txBox="1"/>
+          <p:nvPr/>
+        </p:nvSpPr>
+        <p:spPr>
+          <a:xfrm>
+            <a:off x="4478696" y="4585118"/>
+            <a:ext cx="4869814" cy="230832"/>
+          </a:xfrm>
+          <a:prstGeom prst="rect">
+            <a:avLst/>
+          </a:prstGeom>
+          <a:noFill/>
+        </p:spPr>
+        <p:txBody>
+          <a:bodyPr wrap="square" rtlCol="0">
+            <a:spAutoFit/>
+          </a:bodyPr>
+          <a:lstStyle/>
+          <a:p>
+            <a:r>
+              <a:rPr lang="en-US" altLang="ko-KR" sz="900" dirty="0" err="1">
+                <a:latin typeface="Noto Sans" panose="020B0502040504020204" pitchFamily="34" charset="0"/>
+                <a:ea typeface="Noto Sans" panose="020B0502040504020204" pitchFamily="34" charset="0"/>
+                <a:cs typeface="Noto Sans" panose="020B0502040504020204" pitchFamily="34" charset="0"/>
+              </a:rPr>
+              <a:t>Softmax</a:t>
+            </a:r>
+            <a:r>
+              <a:rPr lang="ko-KR" altLang="en-US" sz="900" dirty="0">
+                <a:latin typeface="Noto Sans" panose="020B0502040504020204" pitchFamily="34" charset="0"/>
+                <a:ea typeface="Noto Sans" panose="020B0502040504020204" pitchFamily="34" charset="0"/>
+                <a:cs typeface="Noto Sans" panose="020B0502040504020204" pitchFamily="34" charset="0"/>
+              </a:rPr>
+              <a:t>함수를 통해 </a:t>
+            </a:r>
+            <a:r>
+              <a:rPr lang="en-US" altLang="ko-KR" sz="900" b="1" dirty="0">
+                <a:latin typeface="Noto Sans" panose="020B0502040504020204" pitchFamily="34" charset="0"/>
+                <a:ea typeface="Noto Sans" panose="020B0502040504020204" pitchFamily="34" charset="0"/>
+                <a:cs typeface="Noto Sans" panose="020B0502040504020204" pitchFamily="34" charset="0"/>
+              </a:rPr>
+              <a:t>score</a:t>
+            </a:r>
+            <a:r>
+              <a:rPr lang="ko-KR" altLang="en-US" sz="900" b="1" dirty="0">
+                <a:latin typeface="Noto Sans" panose="020B0502040504020204" pitchFamily="34" charset="0"/>
+                <a:ea typeface="Noto Sans" panose="020B0502040504020204" pitchFamily="34" charset="0"/>
+                <a:cs typeface="Noto Sans" panose="020B0502040504020204" pitchFamily="34" charset="0"/>
+              </a:rPr>
+              <a:t>를 확률로 </a:t>
+            </a:r>
+            <a:r>
+              <a:rPr lang="ko-KR" altLang="en-US" sz="900" dirty="0">
+                <a:latin typeface="Noto Sans" panose="020B0502040504020204" pitchFamily="34" charset="0"/>
+                <a:ea typeface="Noto Sans" panose="020B0502040504020204" pitchFamily="34" charset="0"/>
+                <a:cs typeface="Noto Sans" panose="020B0502040504020204" pitchFamily="34" charset="0"/>
+              </a:rPr>
+              <a:t>변환</a:t>
+            </a:r>
+            <a:endParaRPr lang="en-US" altLang="ko-KR" sz="900" dirty="0">
+              <a:latin typeface="Noto Sans" panose="020B0502040504020204" pitchFamily="34" charset="0"/>
+              <a:ea typeface="Noto Sans" panose="020B0502040504020204" pitchFamily="34" charset="0"/>
+              <a:cs typeface="Noto Sans" panose="020B0502040504020204" pitchFamily="34" charset="0"/>
+            </a:endParaRPr>
+          </a:p>
+        </p:txBody>
+      </p:sp>
     </p:spTree>
     <p:extLst>
       <p:ext uri="{BB962C8B-B14F-4D97-AF65-F5344CB8AC3E}">
@@ -14626,7 +16822,7 @@
         <p:spPr>
           <a:xfrm>
             <a:off x="636908" y="2886913"/>
-            <a:ext cx="4629359" cy="769441"/>
+            <a:ext cx="4629359" cy="600164"/>
           </a:xfrm>
           <a:prstGeom prst="rect">
             <a:avLst/>
@@ -14703,7 +16899,7 @@
                 <a:latin typeface="Noto Sans" panose="020B0502040504020204" pitchFamily="34" charset="0"/>
                 <a:cs typeface="Noto Sans" panose="020B0502040504020204" pitchFamily="34" charset="0"/>
               </a:rPr>
-              <a:t>을 기반으로 단어 간 의미적 관계를 학습</a:t>
+              <a:t> 기반</a:t>
             </a:r>
             <a:br>
               <a:rPr lang="en-US" altLang="ko-KR" sz="1100" dirty="0">
@@ -14726,7 +16922,7 @@
                 <a:ea typeface="Noto Sans" panose="020B0502040504020204" pitchFamily="34" charset="0"/>
                 <a:cs typeface="Noto Sans" panose="020B0502040504020204" pitchFamily="34" charset="0"/>
               </a:rPr>
-              <a:t>고차원 행렬을 </a:t>
+              <a:t>행렬 분해 기반 방식으로 고차원 행렬을 </a:t>
             </a:r>
             <a:r>
               <a:rPr lang="ko-KR" altLang="en-US" sz="1100" dirty="0" err="1">
@@ -15049,7 +17245,7 @@
         <p:spPr>
           <a:xfrm>
             <a:off x="2436918" y="1951229"/>
-            <a:ext cx="4270166" cy="784830"/>
+            <a:ext cx="4270166" cy="692497"/>
           </a:xfrm>
           <a:prstGeom prst="rect">
             <a:avLst/>
@@ -15066,7 +17262,7 @@
               <a:buAutoNum type="arabicPeriod"/>
             </a:pPr>
             <a:r>
-              <a:rPr lang="en-US" altLang="ko-KR" sz="1500" dirty="0">
+              <a:rPr lang="en-US" altLang="ko-KR" sz="1300" dirty="0">
                 <a:latin typeface="Noto Sans" panose="020B0502040504020204" pitchFamily="34" charset="0"/>
                 <a:ea typeface="Noto Sans" panose="020B0502040504020204" pitchFamily="34" charset="0"/>
                 <a:cs typeface="Noto Sans" panose="020B0502040504020204" pitchFamily="34" charset="0"/>
@@ -15074,13 +17270,13 @@
               <a:t>Embedding</a:t>
             </a:r>
             <a:r>
-              <a:rPr lang="ko-KR" altLang="en-US" sz="1500" dirty="0">
+              <a:rPr lang="ko-KR" altLang="en-US" sz="1300" dirty="0">
                 <a:latin typeface="Noto Sans" panose="020B0502040504020204" pitchFamily="34" charset="0"/>
                 <a:cs typeface="Noto Sans" panose="020B0502040504020204" pitchFamily="34" charset="0"/>
               </a:rPr>
               <a:t>계층</a:t>
             </a:r>
-            <a:endParaRPr lang="en-US" altLang="ko-KR" sz="1500" dirty="0">
+            <a:endParaRPr lang="en-US" altLang="ko-KR" sz="1300" dirty="0">
               <a:latin typeface="Noto Sans" panose="020B0502040504020204" pitchFamily="34" charset="0"/>
               <a:ea typeface="Noto Sans" panose="020B0502040504020204" pitchFamily="34" charset="0"/>
               <a:cs typeface="Noto Sans" panose="020B0502040504020204" pitchFamily="34" charset="0"/>
@@ -15091,13 +17287,13 @@
               <a:buAutoNum type="arabicPeriod"/>
             </a:pPr>
             <a:r>
-              <a:rPr lang="ko-KR" altLang="en-US" sz="1500" dirty="0">
+              <a:rPr lang="ko-KR" altLang="en-US" sz="1300" dirty="0">
                 <a:latin typeface="Noto Sans" panose="020B0502040504020204" pitchFamily="34" charset="0"/>
                 <a:cs typeface="Noto Sans" panose="020B0502040504020204" pitchFamily="34" charset="0"/>
               </a:rPr>
               <a:t>네거티브 샘플링</a:t>
             </a:r>
-            <a:endParaRPr lang="en-US" altLang="ko-KR" sz="1500" dirty="0">
+            <a:endParaRPr lang="en-US" altLang="ko-KR" sz="1300" dirty="0">
               <a:latin typeface="Noto Sans" panose="020B0502040504020204" pitchFamily="34" charset="0"/>
               <a:ea typeface="Noto Sans" panose="020B0502040504020204" pitchFamily="34" charset="0"/>
               <a:cs typeface="Noto Sans" panose="020B0502040504020204" pitchFamily="34" charset="0"/>
@@ -15108,13 +17304,13 @@
               <a:buAutoNum type="arabicPeriod"/>
             </a:pPr>
             <a:r>
-              <a:rPr lang="ko-KR" altLang="en-US" sz="1500" dirty="0">
+              <a:rPr lang="ko-KR" altLang="en-US" sz="1300" dirty="0">
                 <a:latin typeface="Noto Sans" panose="020B0502040504020204" pitchFamily="34" charset="0"/>
                 <a:cs typeface="Noto Sans" panose="020B0502040504020204" pitchFamily="34" charset="0"/>
               </a:rPr>
               <a:t>활용 및 평가방법</a:t>
             </a:r>
-            <a:endParaRPr lang="en-US" altLang="ko-KR" sz="1500" dirty="0">
+            <a:endParaRPr lang="en-US" altLang="ko-KR" sz="1300" dirty="0">
               <a:latin typeface="Noto Sans" panose="020B0502040504020204" pitchFamily="34" charset="0"/>
               <a:ea typeface="Noto Sans" panose="020B0502040504020204" pitchFamily="34" charset="0"/>
               <a:cs typeface="Noto Sans" panose="020B0502040504020204" pitchFamily="34" charset="0"/>
@@ -15748,14 +17944,14 @@
               <a:t> 과정에서 인덱스가 겹치는 경우를 고려하여 </a:t>
             </a:r>
             <a:r>
-              <a:rPr lang="ko-KR" altLang="en-US" sz="1100" dirty="0" err="1">
+              <a:rPr lang="ko-KR" altLang="en-US" sz="1100" b="1" dirty="0" err="1">
                 <a:latin typeface="Noto Sans" panose="020B0502040504020204" pitchFamily="34" charset="0"/>
                 <a:cs typeface="Noto Sans" panose="020B0502040504020204" pitchFamily="34" charset="0"/>
               </a:rPr>
               <a:t>손실함수값을</a:t>
             </a:r>
             <a:r>
-              <a:rPr lang="ko-KR" altLang="en-US" sz="1100" dirty="0">
+              <a:rPr lang="ko-KR" altLang="en-US" sz="1100" b="1" dirty="0">
                 <a:latin typeface="Noto Sans" panose="020B0502040504020204" pitchFamily="34" charset="0"/>
                 <a:cs typeface="Noto Sans" panose="020B0502040504020204" pitchFamily="34" charset="0"/>
               </a:rPr>
@@ -16606,13 +18802,13 @@
               <a:t>- </a:t>
             </a:r>
             <a:r>
-              <a:rPr lang="ko-KR" altLang="en-US" sz="1100" dirty="0">
+              <a:rPr lang="ko-KR" altLang="en-US" sz="1100" b="1" dirty="0">
                 <a:latin typeface="Noto Sans" panose="020B0502040504020204" pitchFamily="34" charset="0"/>
                 <a:cs typeface="Noto Sans" panose="020B0502040504020204" pitchFamily="34" charset="0"/>
               </a:rPr>
               <a:t>다중 분류를 이진 분류로 근사</a:t>
             </a:r>
-            <a:endParaRPr lang="en-US" altLang="ko-KR" sz="1100" dirty="0">
+            <a:endParaRPr lang="en-US" altLang="ko-KR" sz="1100" b="1" dirty="0">
               <a:latin typeface="Noto Sans" panose="020B0502040504020204" pitchFamily="34" charset="0"/>
               <a:ea typeface="Noto Sans" panose="020B0502040504020204" pitchFamily="34" charset="0"/>
               <a:cs typeface="Noto Sans" panose="020B0502040504020204" pitchFamily="34" charset="0"/>
@@ -17503,7 +19699,7 @@
         <p:spPr>
           <a:xfrm>
             <a:off x="2436918" y="1951229"/>
-            <a:ext cx="4270166" cy="1246495"/>
+            <a:ext cx="4270166" cy="1092607"/>
           </a:xfrm>
           <a:prstGeom prst="rect">
             <a:avLst/>
@@ -17520,13 +19716,13 @@
               <a:buAutoNum type="arabicPeriod"/>
             </a:pPr>
             <a:r>
-              <a:rPr lang="ko-KR" altLang="en-US" sz="1500" dirty="0">
+              <a:rPr lang="ko-KR" altLang="en-US" sz="1300" dirty="0">
                 <a:latin typeface="Noto Sans" panose="020B0502040504020204" pitchFamily="34" charset="0"/>
                 <a:cs typeface="Noto Sans" panose="020B0502040504020204" pitchFamily="34" charset="0"/>
               </a:rPr>
               <a:t>시소러스</a:t>
             </a:r>
-            <a:endParaRPr lang="en-US" altLang="ko-KR" sz="1500" dirty="0">
+            <a:endParaRPr lang="en-US" altLang="ko-KR" sz="1300" dirty="0">
               <a:latin typeface="Noto Sans" panose="020B0502040504020204" pitchFamily="34" charset="0"/>
               <a:ea typeface="Noto Sans" panose="020B0502040504020204" pitchFamily="34" charset="0"/>
               <a:cs typeface="Noto Sans" panose="020B0502040504020204" pitchFamily="34" charset="0"/>
@@ -17537,13 +19733,13 @@
               <a:buAutoNum type="arabicPeriod"/>
             </a:pPr>
             <a:r>
-              <a:rPr lang="ko-KR" altLang="en-US" sz="1500" dirty="0">
+              <a:rPr lang="ko-KR" altLang="en-US" sz="1300" dirty="0">
                 <a:latin typeface="Noto Sans" panose="020B0502040504020204" pitchFamily="34" charset="0"/>
                 <a:cs typeface="Noto Sans" panose="020B0502040504020204" pitchFamily="34" charset="0"/>
               </a:rPr>
               <a:t>통계 기반 기법 </a:t>
             </a:r>
-            <a:endParaRPr lang="en-US" altLang="ko-KR" sz="1500" dirty="0">
+            <a:endParaRPr lang="en-US" altLang="ko-KR" sz="1300" dirty="0">
               <a:latin typeface="Noto Sans" panose="020B0502040504020204" pitchFamily="34" charset="0"/>
               <a:ea typeface="Noto Sans" panose="020B0502040504020204" pitchFamily="34" charset="0"/>
               <a:cs typeface="Noto Sans" panose="020B0502040504020204" pitchFamily="34" charset="0"/>
@@ -17554,13 +19750,13 @@
               <a:buAutoNum type="arabicPeriod"/>
             </a:pPr>
             <a:r>
-              <a:rPr lang="ko-KR" altLang="en-US" sz="1500" dirty="0">
+              <a:rPr lang="ko-KR" altLang="en-US" sz="1300" dirty="0">
                 <a:latin typeface="Noto Sans" panose="020B0502040504020204" pitchFamily="34" charset="0"/>
                 <a:cs typeface="Noto Sans" panose="020B0502040504020204" pitchFamily="34" charset="0"/>
               </a:rPr>
               <a:t>분포가설과 분산표현</a:t>
             </a:r>
-            <a:endParaRPr lang="en-US" altLang="ko-KR" sz="1500" dirty="0">
+            <a:endParaRPr lang="en-US" altLang="ko-KR" sz="1300" dirty="0">
               <a:latin typeface="Noto Sans" panose="020B0502040504020204" pitchFamily="34" charset="0"/>
               <a:ea typeface="Noto Sans" panose="020B0502040504020204" pitchFamily="34" charset="0"/>
               <a:cs typeface="Noto Sans" panose="020B0502040504020204" pitchFamily="34" charset="0"/>
@@ -17571,13 +19767,13 @@
               <a:buAutoNum type="arabicPeriod"/>
             </a:pPr>
             <a:r>
-              <a:rPr lang="ko-KR" altLang="en-US" sz="1500" dirty="0">
+              <a:rPr lang="ko-KR" altLang="en-US" sz="1300" dirty="0">
                 <a:latin typeface="Noto Sans" panose="020B0502040504020204" pitchFamily="34" charset="0"/>
                 <a:cs typeface="Noto Sans" panose="020B0502040504020204" pitchFamily="34" charset="0"/>
               </a:rPr>
               <a:t>동시발생 행렬</a:t>
             </a:r>
-            <a:endParaRPr lang="en-US" altLang="ko-KR" sz="1500" dirty="0">
+            <a:endParaRPr lang="en-US" altLang="ko-KR" sz="1300" dirty="0">
               <a:latin typeface="Noto Sans" panose="020B0502040504020204" pitchFamily="34" charset="0"/>
               <a:ea typeface="Noto Sans" panose="020B0502040504020204" pitchFamily="34" charset="0"/>
               <a:cs typeface="Noto Sans" panose="020B0502040504020204" pitchFamily="34" charset="0"/>
@@ -17588,13 +19784,13 @@
               <a:buAutoNum type="arabicPeriod"/>
             </a:pPr>
             <a:r>
-              <a:rPr lang="ko-KR" altLang="en-US" sz="1500" dirty="0">
+              <a:rPr lang="ko-KR" altLang="en-US" sz="1300" dirty="0">
                 <a:latin typeface="Noto Sans" panose="020B0502040504020204" pitchFamily="34" charset="0"/>
                 <a:cs typeface="Noto Sans" panose="020B0502040504020204" pitchFamily="34" charset="0"/>
               </a:rPr>
               <a:t>통계 기반 기법 개선하기</a:t>
             </a:r>
-            <a:endParaRPr lang="en-US" altLang="ko-KR" sz="1500" dirty="0">
+            <a:endParaRPr lang="en-US" altLang="ko-KR" sz="1300" dirty="0">
               <a:latin typeface="Noto Sans" panose="020B0502040504020204" pitchFamily="34" charset="0"/>
               <a:ea typeface="Noto Sans" panose="020B0502040504020204" pitchFamily="34" charset="0"/>
               <a:cs typeface="Noto Sans" panose="020B0502040504020204" pitchFamily="34" charset="0"/>
@@ -18180,11 +20376,11 @@
               <a:t>같은 문제의 </a:t>
             </a:r>
             <a:r>
-              <a:rPr lang="ko-KR" altLang="en-US" sz="1100" dirty="0" err="1">
-                <a:latin typeface="Noto Sans" panose="020B0502040504020204" pitchFamily="34" charset="0"/>
-                <a:cs typeface="Noto Sans" panose="020B0502040504020204" pitchFamily="34" charset="0"/>
-              </a:rPr>
-              <a:t>정답률로</a:t>
+              <a:rPr lang="en-US" altLang="ko-KR" sz="1100" dirty="0" err="1">
+                <a:latin typeface="Noto Sans" panose="020B0502040504020204" pitchFamily="34" charset="0"/>
+                <a:cs typeface="Noto Sans" panose="020B0502040504020204" pitchFamily="34" charset="0"/>
+              </a:rPr>
+              <a:t>Accuarcy</a:t>
             </a:r>
             <a:r>
               <a:rPr lang="ko-KR" altLang="en-US" sz="1100" dirty="0">
@@ -18515,7 +20711,7 @@
         <p:spPr>
           <a:xfrm>
             <a:off x="2436918" y="1951229"/>
-            <a:ext cx="4270166" cy="1477328"/>
+            <a:ext cx="4270166" cy="1292662"/>
           </a:xfrm>
           <a:prstGeom prst="rect">
             <a:avLst/>
@@ -18532,13 +20728,13 @@
               <a:buAutoNum type="arabicPeriod"/>
             </a:pPr>
             <a:r>
-              <a:rPr lang="ko-KR" altLang="en-US" sz="1500" dirty="0">
+              <a:rPr lang="ko-KR" altLang="en-US" sz="1300" dirty="0">
                 <a:latin typeface="Noto Sans" panose="020B0502040504020204" pitchFamily="34" charset="0"/>
                 <a:cs typeface="Noto Sans" panose="020B0502040504020204" pitchFamily="34" charset="0"/>
               </a:rPr>
               <a:t>언어모델</a:t>
             </a:r>
-            <a:endParaRPr lang="en-US" altLang="ko-KR" sz="1500" dirty="0">
+            <a:endParaRPr lang="en-US" altLang="ko-KR" sz="1300" dirty="0">
               <a:latin typeface="Noto Sans" panose="020B0502040504020204" pitchFamily="34" charset="0"/>
               <a:ea typeface="Noto Sans" panose="020B0502040504020204" pitchFamily="34" charset="0"/>
               <a:cs typeface="Noto Sans" panose="020B0502040504020204" pitchFamily="34" charset="0"/>
@@ -18549,7 +20745,7 @@
               <a:buAutoNum type="arabicPeriod"/>
             </a:pPr>
             <a:r>
-              <a:rPr lang="en-US" altLang="ko-KR" sz="1500" dirty="0">
+              <a:rPr lang="en-US" altLang="ko-KR" sz="1300" dirty="0">
                 <a:latin typeface="Noto Sans" panose="020B0502040504020204" pitchFamily="34" charset="0"/>
                 <a:ea typeface="Noto Sans" panose="020B0502040504020204" pitchFamily="34" charset="0"/>
                 <a:cs typeface="Noto Sans" panose="020B0502040504020204" pitchFamily="34" charset="0"/>
@@ -18557,13 +20753,13 @@
               <a:t>RNN</a:t>
             </a:r>
             <a:r>
-              <a:rPr lang="ko-KR" altLang="en-US" sz="1500" dirty="0">
+              <a:rPr lang="ko-KR" altLang="en-US" sz="1300" dirty="0">
                 <a:latin typeface="Noto Sans" panose="020B0502040504020204" pitchFamily="34" charset="0"/>
                 <a:cs typeface="Noto Sans" panose="020B0502040504020204" pitchFamily="34" charset="0"/>
               </a:rPr>
               <a:t>이란</a:t>
             </a:r>
-            <a:endParaRPr lang="en-US" altLang="ko-KR" sz="1500" dirty="0">
+            <a:endParaRPr lang="en-US" altLang="ko-KR" sz="1300" dirty="0">
               <a:latin typeface="Noto Sans" panose="020B0502040504020204" pitchFamily="34" charset="0"/>
               <a:ea typeface="Noto Sans" panose="020B0502040504020204" pitchFamily="34" charset="0"/>
               <a:cs typeface="Noto Sans" panose="020B0502040504020204" pitchFamily="34" charset="0"/>
@@ -18574,7 +20770,7 @@
               <a:buAutoNum type="arabicPeriod"/>
             </a:pPr>
             <a:r>
-              <a:rPr lang="en-US" altLang="ko-KR" sz="1500" dirty="0">
+              <a:rPr lang="en-US" altLang="ko-KR" sz="1300" dirty="0">
                 <a:latin typeface="Noto Sans" panose="020B0502040504020204" pitchFamily="34" charset="0"/>
                 <a:ea typeface="Noto Sans" panose="020B0502040504020204" pitchFamily="34" charset="0"/>
                 <a:cs typeface="Noto Sans" panose="020B0502040504020204" pitchFamily="34" charset="0"/>
@@ -18587,7 +20783,7 @@
               <a:buAutoNum type="arabicPeriod"/>
             </a:pPr>
             <a:r>
-              <a:rPr lang="en-US" altLang="ko-KR" sz="1500" dirty="0">
+              <a:rPr lang="en-US" altLang="ko-KR" sz="1300" dirty="0">
                 <a:latin typeface="Noto Sans" panose="020B0502040504020204" pitchFamily="34" charset="0"/>
                 <a:ea typeface="Noto Sans" panose="020B0502040504020204" pitchFamily="34" charset="0"/>
                 <a:cs typeface="Noto Sans" panose="020B0502040504020204" pitchFamily="34" charset="0"/>
@@ -18595,13 +20791,13 @@
               <a:t>Truncated BPTT </a:t>
             </a:r>
             <a:r>
-              <a:rPr lang="ko-KR" altLang="en-US" sz="1500" dirty="0">
+              <a:rPr lang="ko-KR" altLang="en-US" sz="1300" dirty="0">
                 <a:latin typeface="Noto Sans" panose="020B0502040504020204" pitchFamily="34" charset="0"/>
                 <a:cs typeface="Noto Sans" panose="020B0502040504020204" pitchFamily="34" charset="0"/>
               </a:rPr>
               <a:t>미니배치 학습</a:t>
             </a:r>
-            <a:endParaRPr lang="en-US" altLang="ko-KR" sz="1500" dirty="0">
+            <a:endParaRPr lang="en-US" altLang="ko-KR" sz="1300" dirty="0">
               <a:latin typeface="Noto Sans" panose="020B0502040504020204" pitchFamily="34" charset="0"/>
               <a:ea typeface="Noto Sans" panose="020B0502040504020204" pitchFamily="34" charset="0"/>
               <a:cs typeface="Noto Sans" panose="020B0502040504020204" pitchFamily="34" charset="0"/>
@@ -18612,7 +20808,7 @@
               <a:buAutoNum type="arabicPeriod"/>
             </a:pPr>
             <a:r>
-              <a:rPr lang="en-US" altLang="ko-KR" sz="1500" dirty="0">
+              <a:rPr lang="en-US" altLang="ko-KR" sz="1300" dirty="0">
                 <a:latin typeface="Noto Sans" panose="020B0502040504020204" pitchFamily="34" charset="0"/>
                 <a:ea typeface="Noto Sans" panose="020B0502040504020204" pitchFamily="34" charset="0"/>
                 <a:cs typeface="Noto Sans" panose="020B0502040504020204" pitchFamily="34" charset="0"/>
@@ -18625,14 +20821,14 @@
               <a:buAutoNum type="arabicPeriod"/>
             </a:pPr>
             <a:r>
-              <a:rPr lang="ko-KR" altLang="en-US" sz="1500" dirty="0">
+              <a:rPr lang="ko-KR" altLang="en-US" sz="1300" dirty="0">
                 <a:latin typeface="Noto Sans" panose="020B0502040504020204" pitchFamily="34" charset="0"/>
                 <a:cs typeface="Noto Sans" panose="020B0502040504020204" pitchFamily="34" charset="0"/>
               </a:rPr>
               <a:t>언어모델 평가</a:t>
             </a:r>
             <a:r>
-              <a:rPr lang="en-US" altLang="ko-KR" sz="1500" dirty="0">
+              <a:rPr lang="en-US" altLang="ko-KR" sz="1300" dirty="0">
                 <a:latin typeface="Noto Sans" panose="020B0502040504020204" pitchFamily="34" charset="0"/>
                 <a:ea typeface="Noto Sans" panose="020B0502040504020204" pitchFamily="34" charset="0"/>
                 <a:cs typeface="Noto Sans" panose="020B0502040504020204" pitchFamily="34" charset="0"/>
@@ -18943,7 +21139,7 @@
         <p:spPr>
           <a:xfrm>
             <a:off x="526138" y="1498902"/>
-            <a:ext cx="4299861" cy="600164"/>
+            <a:ext cx="4299861" cy="430887"/>
           </a:xfrm>
           <a:prstGeom prst="rect">
             <a:avLst/>
@@ -18999,22 +21195,7 @@
                 <a:latin typeface="Noto Sans" panose="020B0502040504020204" pitchFamily="34" charset="0"/>
                 <a:cs typeface="Noto Sans" panose="020B0502040504020204" pitchFamily="34" charset="0"/>
               </a:rPr>
-              <a:t>는 맥락 크기</a:t>
-            </a:r>
-            <a:r>
-              <a:rPr lang="en-US" altLang="ko-KR" sz="1100" dirty="0">
-                <a:latin typeface="Noto Sans" panose="020B0502040504020204" pitchFamily="34" charset="0"/>
-                <a:ea typeface="Noto Sans" panose="020B0502040504020204" pitchFamily="34" charset="0"/>
-                <a:cs typeface="Noto Sans" panose="020B0502040504020204" pitchFamily="34" charset="0"/>
-              </a:rPr>
-              <a:t>, </a:t>
-            </a:r>
-            <a:r>
-              <a:rPr lang="ko-KR" altLang="en-US" sz="1100" dirty="0">
-                <a:latin typeface="Noto Sans" panose="020B0502040504020204" pitchFamily="34" charset="0"/>
-                <a:cs typeface="Noto Sans" panose="020B0502040504020204" pitchFamily="34" charset="0"/>
-              </a:rPr>
-              <a:t>단어 순서 무시의 문제점 때문에 언어 모델에 부적합</a:t>
+              <a:t>는 언어 모델로 부적합</a:t>
             </a:r>
             <a:endParaRPr lang="en-US" altLang="ko-KR" sz="1100" dirty="0">
               <a:latin typeface="Noto Sans" panose="020B0502040504020204" pitchFamily="34" charset="0"/>
@@ -19407,7 +21588,7 @@
         </p:nvSpPr>
         <p:spPr>
           <a:xfrm>
-            <a:off x="158655" y="1063729"/>
+            <a:off x="158655" y="567547"/>
             <a:ext cx="5316852" cy="338554"/>
           </a:xfrm>
           <a:prstGeom prst="rect">
@@ -19451,7 +21632,7 @@
         </p:nvSpPr>
         <p:spPr>
           <a:xfrm>
-            <a:off x="1259864" y="1412842"/>
+            <a:off x="1259864" y="916660"/>
             <a:ext cx="5316852" cy="769441"/>
           </a:xfrm>
           <a:prstGeom prst="rect">
@@ -19636,8 +21817,8 @@
         </p:blipFill>
         <p:spPr>
           <a:xfrm>
-            <a:off x="1324755" y="2330154"/>
-            <a:ext cx="6494489" cy="1285058"/>
+            <a:off x="1324755" y="1789201"/>
+            <a:ext cx="6344864" cy="1255452"/>
           </a:xfrm>
           <a:prstGeom prst="rect">
             <a:avLst/>
@@ -19666,7 +21847,7 @@
         </p:blipFill>
         <p:spPr>
           <a:xfrm>
-            <a:off x="1324755" y="3693109"/>
+            <a:off x="1324755" y="3096372"/>
             <a:ext cx="2984653" cy="355618"/>
           </a:xfrm>
           <a:prstGeom prst="rect">
@@ -19674,6 +21855,182 @@
           </a:prstGeom>
         </p:spPr>
       </p:pic>
+      <p:pic>
+        <p:nvPicPr>
+          <p:cNvPr id="4" name="그림 3">
+            <a:extLst>
+              <a:ext uri="{FF2B5EF4-FFF2-40B4-BE49-F238E27FC236}">
+                <a16:creationId xmlns:a16="http://schemas.microsoft.com/office/drawing/2014/main" id="{B60A8AC5-2D8F-4310-A478-A2ABBD2236D0}"/>
+              </a:ext>
+            </a:extLst>
+          </p:cNvPr>
+          <p:cNvPicPr>
+            <a:picLocks noChangeAspect="1"/>
+          </p:cNvPicPr>
+          <p:nvPr/>
+        </p:nvPicPr>
+        <p:blipFill>
+          <a:blip r:embed="rId6"/>
+          <a:stretch>
+            <a:fillRect/>
+          </a:stretch>
+        </p:blipFill>
+        <p:spPr>
+          <a:xfrm>
+            <a:off x="4559883" y="3513180"/>
+            <a:ext cx="2592283" cy="1442480"/>
+          </a:xfrm>
+          <a:prstGeom prst="rect">
+            <a:avLst/>
+          </a:prstGeom>
+        </p:spPr>
+      </p:pic>
+      <p:pic>
+        <p:nvPicPr>
+          <p:cNvPr id="9" name="그림 8">
+            <a:extLst>
+              <a:ext uri="{FF2B5EF4-FFF2-40B4-BE49-F238E27FC236}">
+                <a16:creationId xmlns:a16="http://schemas.microsoft.com/office/drawing/2014/main" id="{586D8870-B724-4D28-AFBA-E45FD4532FEE}"/>
+              </a:ext>
+            </a:extLst>
+          </p:cNvPr>
+          <p:cNvPicPr>
+            <a:picLocks noChangeAspect="1"/>
+          </p:cNvPicPr>
+          <p:nvPr/>
+        </p:nvPicPr>
+        <p:blipFill>
+          <a:blip r:embed="rId7"/>
+          <a:stretch>
+            <a:fillRect/>
+          </a:stretch>
+        </p:blipFill>
+        <p:spPr>
+          <a:xfrm>
+            <a:off x="2354117" y="3655384"/>
+            <a:ext cx="1877641" cy="1272823"/>
+          </a:xfrm>
+          <a:prstGeom prst="rect">
+            <a:avLst/>
+          </a:prstGeom>
+        </p:spPr>
+      </p:pic>
+      <p:pic>
+        <p:nvPicPr>
+          <p:cNvPr id="13" name="그림 12">
+            <a:extLst>
+              <a:ext uri="{FF2B5EF4-FFF2-40B4-BE49-F238E27FC236}">
+                <a16:creationId xmlns:a16="http://schemas.microsoft.com/office/drawing/2014/main" id="{F366FF59-44C7-4022-9EC3-E680194F3B47}"/>
+              </a:ext>
+            </a:extLst>
+          </p:cNvPr>
+          <p:cNvPicPr>
+            <a:picLocks noChangeAspect="1"/>
+          </p:cNvPicPr>
+          <p:nvPr/>
+        </p:nvPicPr>
+        <p:blipFill>
+          <a:blip r:embed="rId8"/>
+          <a:stretch>
+            <a:fillRect/>
+          </a:stretch>
+        </p:blipFill>
+        <p:spPr>
+          <a:xfrm>
+            <a:off x="3164434" y="3518344"/>
+            <a:ext cx="358488" cy="129952"/>
+          </a:xfrm>
+          <a:prstGeom prst="rect">
+            <a:avLst/>
+          </a:prstGeom>
+        </p:spPr>
+      </p:pic>
+      <p:sp>
+        <p:nvSpPr>
+          <p:cNvPr id="16" name="TextBox 15">
+            <a:extLst>
+              <a:ext uri="{FF2B5EF4-FFF2-40B4-BE49-F238E27FC236}">
+                <a16:creationId xmlns:a16="http://schemas.microsoft.com/office/drawing/2014/main" id="{F394470B-871C-4BAE-B725-7DF764A089BB}"/>
+              </a:ext>
+            </a:extLst>
+          </p:cNvPr>
+          <p:cNvSpPr txBox="1"/>
+          <p:nvPr/>
+        </p:nvSpPr>
+        <p:spPr>
+          <a:xfrm>
+            <a:off x="2424179" y="4820059"/>
+            <a:ext cx="854307" cy="174407"/>
+          </a:xfrm>
+          <a:prstGeom prst="rect">
+            <a:avLst/>
+          </a:prstGeom>
+          <a:noFill/>
+        </p:spPr>
+        <p:txBody>
+          <a:bodyPr wrap="square" rtlCol="0">
+            <a:spAutoFit/>
+          </a:bodyPr>
+          <a:lstStyle/>
+          <a:p>
+            <a:r>
+              <a:rPr lang="en-US" altLang="ko-KR" sz="800" baseline="-25000"/>
+              <a:t>tanh</a:t>
+            </a:r>
+            <a:r>
+              <a:rPr lang="ko-KR" altLang="en-US" sz="800" baseline="-25000" dirty="0"/>
+              <a:t> 그래프</a:t>
+            </a:r>
+          </a:p>
+        </p:txBody>
+      </p:sp>
+      <p:sp>
+        <p:nvSpPr>
+          <p:cNvPr id="19" name="TextBox 18">
+            <a:extLst>
+              <a:ext uri="{FF2B5EF4-FFF2-40B4-BE49-F238E27FC236}">
+                <a16:creationId xmlns:a16="http://schemas.microsoft.com/office/drawing/2014/main" id="{2821E270-3555-48C3-A43F-F5CF2B64E772}"/>
+              </a:ext>
+            </a:extLst>
+          </p:cNvPr>
+          <p:cNvSpPr txBox="1"/>
+          <p:nvPr/>
+        </p:nvSpPr>
+        <p:spPr>
+          <a:xfrm>
+            <a:off x="4639073" y="4799156"/>
+            <a:ext cx="1571401" cy="174407"/>
+          </a:xfrm>
+          <a:prstGeom prst="rect">
+            <a:avLst/>
+          </a:prstGeom>
+          <a:noFill/>
+        </p:spPr>
+        <p:txBody>
+          <a:bodyPr wrap="square" rtlCol="0">
+            <a:spAutoFit/>
+          </a:bodyPr>
+          <a:lstStyle/>
+          <a:p>
+            <a:r>
+              <a:rPr lang="en-US" altLang="ko-KR" sz="800" baseline="-25000" dirty="0"/>
+              <a:t>sigmoid</a:t>
+            </a:r>
+            <a:r>
+              <a:rPr lang="ko-KR" altLang="en-US" sz="800" baseline="-25000" dirty="0"/>
+              <a:t>와 </a:t>
+            </a:r>
+            <a:r>
+              <a:rPr lang="en-US" altLang="ko-KR" sz="800" baseline="-25000" dirty="0"/>
+              <a:t>tanh </a:t>
+            </a:r>
+            <a:r>
+              <a:rPr lang="ko-KR" altLang="en-US" sz="800" baseline="-25000" dirty="0"/>
+              <a:t>기울기 그래프</a:t>
+            </a:r>
+          </a:p>
+        </p:txBody>
+      </p:sp>
     </p:spTree>
     <p:extLst>
       <p:ext uri="{BB962C8B-B14F-4D97-AF65-F5344CB8AC3E}">
@@ -21102,7 +23459,7 @@
         </p:blipFill>
         <p:spPr>
           <a:xfrm>
-            <a:off x="1510771" y="3063953"/>
+            <a:off x="1510771" y="2527406"/>
             <a:ext cx="6122457" cy="1096766"/>
           </a:xfrm>
           <a:prstGeom prst="rect">
@@ -21132,7 +23489,7 @@
         </p:blipFill>
         <p:spPr>
           <a:xfrm>
-            <a:off x="4100744" y="1731349"/>
+            <a:off x="4864001" y="1058776"/>
             <a:ext cx="1893933" cy="555828"/>
           </a:xfrm>
           <a:prstGeom prst="rect">
@@ -21162,7 +23519,7 @@
         </p:blipFill>
         <p:spPr>
           <a:xfrm>
-            <a:off x="4258394" y="2412723"/>
+            <a:off x="5021651" y="1740150"/>
             <a:ext cx="1578633" cy="374784"/>
           </a:xfrm>
           <a:prstGeom prst="rect">
@@ -21184,7 +23541,7 @@
         </p:nvSpPr>
         <p:spPr>
           <a:xfrm>
-            <a:off x="1421433" y="4143328"/>
+            <a:off x="1421433" y="3606781"/>
             <a:ext cx="3913048" cy="430887"/>
           </a:xfrm>
           <a:prstGeom prst="rect">
@@ -21250,7 +23607,7 @@
         </p:nvSpPr>
         <p:spPr>
           <a:xfrm>
-            <a:off x="659433" y="1673627"/>
+            <a:off x="810573" y="1137080"/>
             <a:ext cx="3190323" cy="338554"/>
           </a:xfrm>
           <a:prstGeom prst="rect">
@@ -21300,7 +23657,7 @@
         </p:nvSpPr>
         <p:spPr>
           <a:xfrm>
-            <a:off x="577384" y="2029142"/>
+            <a:off x="728524" y="1492595"/>
             <a:ext cx="3351678" cy="769441"/>
           </a:xfrm>
           <a:prstGeom prst="rect">
@@ -21978,10 +24335,10 @@
       </p:pic>
       <p:pic>
         <p:nvPicPr>
-          <p:cNvPr id="4" name="그림 3">
+          <p:cNvPr id="6" name="그림 5">
             <a:extLst>
               <a:ext uri="{FF2B5EF4-FFF2-40B4-BE49-F238E27FC236}">
-                <a16:creationId xmlns:a16="http://schemas.microsoft.com/office/drawing/2014/main" id="{776E39B5-13FF-4A02-862C-DDB525CE8402}"/>
+                <a16:creationId xmlns:a16="http://schemas.microsoft.com/office/drawing/2014/main" id="{FA9839C4-4C33-453C-83E7-C515CCD5701F}"/>
               </a:ext>
             </a:extLst>
           </p:cNvPr>
@@ -21998,20 +24355,281 @@
         </p:blipFill>
         <p:spPr>
           <a:xfrm>
-            <a:off x="4301083" y="1914621"/>
-            <a:ext cx="4242486" cy="283074"/>
+            <a:off x="5036328" y="2420874"/>
+            <a:ext cx="2591009" cy="1917614"/>
           </a:xfrm>
           <a:prstGeom prst="rect">
             <a:avLst/>
           </a:prstGeom>
         </p:spPr>
       </p:pic>
+      <p:sp>
+        <p:nvSpPr>
+          <p:cNvPr id="5" name="TextBox 4">
+            <a:extLst>
+              <a:ext uri="{FF2B5EF4-FFF2-40B4-BE49-F238E27FC236}">
+                <a16:creationId xmlns:a16="http://schemas.microsoft.com/office/drawing/2014/main" id="{3A5475D1-7D85-4144-979B-A486B43DB75C}"/>
+              </a:ext>
+            </a:extLst>
+          </p:cNvPr>
+          <p:cNvSpPr txBox="1"/>
+          <p:nvPr/>
+        </p:nvSpPr>
+        <p:spPr>
+          <a:xfrm>
+            <a:off x="73666" y="987332"/>
+            <a:ext cx="3435799" cy="307777"/>
+          </a:xfrm>
+          <a:prstGeom prst="rect">
+            <a:avLst/>
+          </a:prstGeom>
+          <a:noFill/>
+        </p:spPr>
+        <p:txBody>
+          <a:bodyPr wrap="square" rtlCol="0">
+            <a:spAutoFit/>
+          </a:bodyPr>
+          <a:lstStyle/>
+          <a:p>
+            <a:r>
+              <a:rPr lang="ko-KR" altLang="en-US" b="1" dirty="0">
+                <a:latin typeface="Noto Sans" panose="020B0502040504020204" pitchFamily="34" charset="0"/>
+                <a:cs typeface="Noto Sans" panose="020B0502040504020204" pitchFamily="34" charset="0"/>
+              </a:rPr>
+              <a:t>단어의 의미</a:t>
+            </a:r>
+            <a:r>
+              <a:rPr lang="ko-KR" altLang="en-US" dirty="0">
+                <a:latin typeface="Noto Sans" panose="020B0502040504020204" pitchFamily="34" charset="0"/>
+                <a:cs typeface="Noto Sans" panose="020B0502040504020204" pitchFamily="34" charset="0"/>
+              </a:rPr>
+              <a:t>를</a:t>
+            </a:r>
+            <a:r>
+              <a:rPr lang="ko-KR" altLang="en-US" b="1" dirty="0">
+                <a:latin typeface="Noto Sans" panose="020B0502040504020204" pitchFamily="34" charset="0"/>
+                <a:cs typeface="Noto Sans" panose="020B0502040504020204" pitchFamily="34" charset="0"/>
+              </a:rPr>
+              <a:t> </a:t>
+            </a:r>
+            <a:r>
+              <a:rPr lang="ko-KR" altLang="en-US" dirty="0">
+                <a:latin typeface="Noto Sans" panose="020B0502040504020204" pitchFamily="34" charset="0"/>
+                <a:cs typeface="Noto Sans" panose="020B0502040504020204" pitchFamily="34" charset="0"/>
+              </a:rPr>
+              <a:t>파악하는 </a:t>
+            </a:r>
+            <a:r>
+              <a:rPr lang="en-US" altLang="ko-KR" dirty="0">
+                <a:latin typeface="Noto Sans" panose="020B0502040504020204" pitchFamily="34" charset="0"/>
+                <a:ea typeface="Noto Sans" panose="020B0502040504020204" pitchFamily="34" charset="0"/>
+                <a:cs typeface="Noto Sans" panose="020B0502040504020204" pitchFamily="34" charset="0"/>
+              </a:rPr>
+              <a:t>3</a:t>
+            </a:r>
+            <a:r>
+              <a:rPr lang="ko-KR" altLang="en-US" dirty="0">
+                <a:latin typeface="Noto Sans" panose="020B0502040504020204" pitchFamily="34" charset="0"/>
+                <a:cs typeface="Noto Sans" panose="020B0502040504020204" pitchFamily="34" charset="0"/>
+              </a:rPr>
+              <a:t>가지 표현 기법</a:t>
+            </a:r>
+          </a:p>
+        </p:txBody>
+      </p:sp>
+      <p:sp>
+        <p:nvSpPr>
+          <p:cNvPr id="14" name="TextBox 13">
+            <a:extLst>
+              <a:ext uri="{FF2B5EF4-FFF2-40B4-BE49-F238E27FC236}">
+                <a16:creationId xmlns:a16="http://schemas.microsoft.com/office/drawing/2014/main" id="{5016FF31-C10F-4741-B468-79D2B3BB4221}"/>
+              </a:ext>
+            </a:extLst>
+          </p:cNvPr>
+          <p:cNvSpPr txBox="1"/>
+          <p:nvPr/>
+        </p:nvSpPr>
+        <p:spPr>
+          <a:xfrm>
+            <a:off x="144815" y="1247891"/>
+            <a:ext cx="2262292" cy="646331"/>
+          </a:xfrm>
+          <a:prstGeom prst="rect">
+            <a:avLst/>
+          </a:prstGeom>
+          <a:noFill/>
+        </p:spPr>
+        <p:txBody>
+          <a:bodyPr wrap="square" rtlCol="0">
+            <a:spAutoFit/>
+          </a:bodyPr>
+          <a:lstStyle/>
+          <a:p>
+            <a:pPr marL="285750" indent="-285750">
+              <a:buFont typeface="Noto Sans" panose="020B0604020202020204" pitchFamily="34" charset="0"/>
+              <a:buChar char="•"/>
+            </a:pPr>
+            <a:r>
+              <a:rPr lang="ko-KR" altLang="en-US" sz="1200" b="1" dirty="0">
+                <a:solidFill>
+                  <a:srgbClr val="FF0000"/>
+                </a:solidFill>
+                <a:latin typeface="Noto Sans" panose="020B0502040504020204" pitchFamily="34" charset="0"/>
+                <a:cs typeface="Noto Sans" panose="020B0502040504020204" pitchFamily="34" charset="0"/>
+              </a:rPr>
+              <a:t>시소러스</a:t>
+            </a:r>
+            <a:endParaRPr lang="en-US" altLang="ko-KR" sz="1200" b="1" dirty="0">
+              <a:solidFill>
+                <a:srgbClr val="FF0000"/>
+              </a:solidFill>
+              <a:latin typeface="Noto Sans" panose="020B0502040504020204" pitchFamily="34" charset="0"/>
+              <a:ea typeface="Noto Sans" panose="020B0502040504020204" pitchFamily="34" charset="0"/>
+              <a:cs typeface="Noto Sans" panose="020B0502040504020204" pitchFamily="34" charset="0"/>
+            </a:endParaRPr>
+          </a:p>
+          <a:p>
+            <a:pPr marL="285750" indent="-285750">
+              <a:buFont typeface="Noto Sans" panose="020B0604020202020204" pitchFamily="34" charset="0"/>
+              <a:buChar char="•"/>
+            </a:pPr>
+            <a:r>
+              <a:rPr lang="ko-KR" altLang="en-US" sz="1200" dirty="0">
+                <a:solidFill>
+                  <a:schemeClr val="tx2"/>
+                </a:solidFill>
+                <a:latin typeface="Noto Sans" panose="020B0502040504020204" pitchFamily="34" charset="0"/>
+                <a:cs typeface="Noto Sans" panose="020B0502040504020204" pitchFamily="34" charset="0"/>
+              </a:rPr>
+              <a:t>통계 기반 기법</a:t>
+            </a:r>
+            <a:endParaRPr lang="en-US" altLang="ko-KR" sz="1200" dirty="0">
+              <a:solidFill>
+                <a:schemeClr val="tx2"/>
+              </a:solidFill>
+              <a:latin typeface="Noto Sans" panose="020B0502040504020204" pitchFamily="34" charset="0"/>
+              <a:ea typeface="Noto Sans" panose="020B0502040504020204" pitchFamily="34" charset="0"/>
+              <a:cs typeface="Noto Sans" panose="020B0502040504020204" pitchFamily="34" charset="0"/>
+            </a:endParaRPr>
+          </a:p>
+          <a:p>
+            <a:pPr marL="285750" indent="-285750">
+              <a:buFont typeface="Noto Sans" panose="020B0604020202020204" pitchFamily="34" charset="0"/>
+              <a:buChar char="•"/>
+            </a:pPr>
+            <a:r>
+              <a:rPr lang="ko-KR" altLang="en-US" sz="1200" dirty="0">
+                <a:latin typeface="Noto Sans" panose="020B0502040504020204" pitchFamily="34" charset="0"/>
+                <a:cs typeface="Noto Sans" panose="020B0502040504020204" pitchFamily="34" charset="0"/>
+              </a:rPr>
+              <a:t>추론 기반 기법</a:t>
+            </a:r>
+            <a:r>
+              <a:rPr lang="en-US" altLang="ko-KR" sz="1200" dirty="0">
+                <a:latin typeface="Noto Sans" panose="020B0502040504020204" pitchFamily="34" charset="0"/>
+                <a:ea typeface="Noto Sans" panose="020B0502040504020204" pitchFamily="34" charset="0"/>
+                <a:cs typeface="Noto Sans" panose="020B0502040504020204" pitchFamily="34" charset="0"/>
+              </a:rPr>
+              <a:t>(word2vec)</a:t>
+            </a:r>
+            <a:endParaRPr lang="ko-KR" altLang="en-US" sz="1200" dirty="0">
+              <a:latin typeface="Noto Sans" panose="020B0502040504020204" pitchFamily="34" charset="0"/>
+              <a:cs typeface="Noto Sans" panose="020B0502040504020204" pitchFamily="34" charset="0"/>
+            </a:endParaRPr>
+          </a:p>
+        </p:txBody>
+      </p:sp>
+      <p:sp>
+        <p:nvSpPr>
+          <p:cNvPr id="15" name="TextBox 14">
+            <a:extLst>
+              <a:ext uri="{FF2B5EF4-FFF2-40B4-BE49-F238E27FC236}">
+                <a16:creationId xmlns:a16="http://schemas.microsoft.com/office/drawing/2014/main" id="{A00072C4-E39C-4FD1-991C-8A7E2425E1E2}"/>
+              </a:ext>
+            </a:extLst>
+          </p:cNvPr>
+          <p:cNvSpPr txBox="1"/>
+          <p:nvPr/>
+        </p:nvSpPr>
+        <p:spPr>
+          <a:xfrm>
+            <a:off x="73665" y="557557"/>
+            <a:ext cx="612135" cy="307777"/>
+          </a:xfrm>
+          <a:prstGeom prst="rect">
+            <a:avLst/>
+          </a:prstGeom>
+          <a:noFill/>
+        </p:spPr>
+        <p:txBody>
+          <a:bodyPr wrap="square" rtlCol="0">
+            <a:spAutoFit/>
+          </a:bodyPr>
+          <a:lstStyle/>
+          <a:p>
+            <a:r>
+              <a:rPr lang="en-US" altLang="ko-KR" b="1" dirty="0">
+                <a:latin typeface="Noto Sans" panose="020B0502040504020204" pitchFamily="34" charset="0"/>
+                <a:cs typeface="Noto Sans" panose="020B0502040504020204" pitchFamily="34" charset="0"/>
+              </a:rPr>
+              <a:t>NLP</a:t>
+            </a:r>
+            <a:endParaRPr lang="ko-KR" altLang="en-US" dirty="0">
+              <a:latin typeface="Noto Sans" panose="020B0502040504020204" pitchFamily="34" charset="0"/>
+              <a:cs typeface="Noto Sans" panose="020B0502040504020204" pitchFamily="34" charset="0"/>
+            </a:endParaRPr>
+          </a:p>
+        </p:txBody>
+      </p:sp>
+      <p:sp>
+        <p:nvSpPr>
+          <p:cNvPr id="17" name="TextBox 16">
+            <a:extLst>
+              <a:ext uri="{FF2B5EF4-FFF2-40B4-BE49-F238E27FC236}">
+                <a16:creationId xmlns:a16="http://schemas.microsoft.com/office/drawing/2014/main" id="{2089E14B-A61B-4D8E-B6E9-752E86D32A0C}"/>
+              </a:ext>
+            </a:extLst>
+          </p:cNvPr>
+          <p:cNvSpPr txBox="1"/>
+          <p:nvPr/>
+        </p:nvSpPr>
+        <p:spPr>
+          <a:xfrm>
+            <a:off x="494078" y="580640"/>
+            <a:ext cx="2594974" cy="261610"/>
+          </a:xfrm>
+          <a:prstGeom prst="rect">
+            <a:avLst/>
+          </a:prstGeom>
+          <a:noFill/>
+        </p:spPr>
+        <p:txBody>
+          <a:bodyPr wrap="square" rtlCol="0">
+            <a:spAutoFit/>
+          </a:bodyPr>
+          <a:lstStyle/>
+          <a:p>
+            <a:r>
+              <a:rPr lang="en-US" altLang="ko-KR" sz="1100" dirty="0">
+                <a:latin typeface="Noto Sans" panose="020B0502040504020204" pitchFamily="34" charset="0"/>
+                <a:ea typeface="Noto Sans" panose="020B0502040504020204" pitchFamily="34" charset="0"/>
+                <a:cs typeface="Noto Sans" panose="020B0502040504020204" pitchFamily="34" charset="0"/>
+              </a:rPr>
+              <a:t>Natural Language Processing</a:t>
+            </a:r>
+            <a:endParaRPr lang="ko-KR" altLang="en-US" sz="1100" dirty="0">
+              <a:latin typeface="Noto Sans" panose="020B0502040504020204" pitchFamily="34" charset="0"/>
+              <a:cs typeface="Noto Sans" panose="020B0502040504020204" pitchFamily="34" charset="0"/>
+            </a:endParaRPr>
+          </a:p>
+        </p:txBody>
+      </p:sp>
       <p:pic>
         <p:nvPicPr>
-          <p:cNvPr id="6" name="그림 5">
+          <p:cNvPr id="7" name="그림 6">
             <a:extLst>
               <a:ext uri="{FF2B5EF4-FFF2-40B4-BE49-F238E27FC236}">
-                <a16:creationId xmlns:a16="http://schemas.microsoft.com/office/drawing/2014/main" id="{FA9839C4-4C33-453C-83E7-C515CCD5701F}"/>
+                <a16:creationId xmlns:a16="http://schemas.microsoft.com/office/drawing/2014/main" id="{B69325F9-35DB-4574-805B-12F660453667}"/>
               </a:ext>
             </a:extLst>
           </p:cNvPr>
@@ -22028,275 +24646,14 @@
         </p:blipFill>
         <p:spPr>
           <a:xfrm>
-            <a:off x="5036328" y="2420874"/>
-            <a:ext cx="2591009" cy="1917614"/>
+            <a:off x="4572000" y="1930439"/>
+            <a:ext cx="3870935" cy="212106"/>
           </a:xfrm>
           <a:prstGeom prst="rect">
             <a:avLst/>
           </a:prstGeom>
         </p:spPr>
       </p:pic>
-      <p:sp>
-        <p:nvSpPr>
-          <p:cNvPr id="5" name="TextBox 4">
-            <a:extLst>
-              <a:ext uri="{FF2B5EF4-FFF2-40B4-BE49-F238E27FC236}">
-                <a16:creationId xmlns:a16="http://schemas.microsoft.com/office/drawing/2014/main" id="{3A5475D1-7D85-4144-979B-A486B43DB75C}"/>
-              </a:ext>
-            </a:extLst>
-          </p:cNvPr>
-          <p:cNvSpPr txBox="1"/>
-          <p:nvPr/>
-        </p:nvSpPr>
-        <p:spPr>
-          <a:xfrm>
-            <a:off x="73666" y="987332"/>
-            <a:ext cx="3435799" cy="307777"/>
-          </a:xfrm>
-          <a:prstGeom prst="rect">
-            <a:avLst/>
-          </a:prstGeom>
-          <a:noFill/>
-        </p:spPr>
-        <p:txBody>
-          <a:bodyPr wrap="square" rtlCol="0">
-            <a:spAutoFit/>
-          </a:bodyPr>
-          <a:lstStyle/>
-          <a:p>
-            <a:r>
-              <a:rPr lang="ko-KR" altLang="en-US" b="1" dirty="0">
-                <a:latin typeface="Noto Sans" panose="020B0502040504020204" pitchFamily="34" charset="0"/>
-                <a:cs typeface="Noto Sans" panose="020B0502040504020204" pitchFamily="34" charset="0"/>
-              </a:rPr>
-              <a:t>단어의 의미</a:t>
-            </a:r>
-            <a:r>
-              <a:rPr lang="ko-KR" altLang="en-US" dirty="0">
-                <a:latin typeface="Noto Sans" panose="020B0502040504020204" pitchFamily="34" charset="0"/>
-                <a:cs typeface="Noto Sans" panose="020B0502040504020204" pitchFamily="34" charset="0"/>
-              </a:rPr>
-              <a:t>를</a:t>
-            </a:r>
-            <a:r>
-              <a:rPr lang="ko-KR" altLang="en-US" b="1" dirty="0">
-                <a:latin typeface="Noto Sans" panose="020B0502040504020204" pitchFamily="34" charset="0"/>
-                <a:cs typeface="Noto Sans" panose="020B0502040504020204" pitchFamily="34" charset="0"/>
-              </a:rPr>
-              <a:t> </a:t>
-            </a:r>
-            <a:r>
-              <a:rPr lang="ko-KR" altLang="en-US" dirty="0">
-                <a:latin typeface="Noto Sans" panose="020B0502040504020204" pitchFamily="34" charset="0"/>
-                <a:cs typeface="Noto Sans" panose="020B0502040504020204" pitchFamily="34" charset="0"/>
-              </a:rPr>
-              <a:t>파악하는 </a:t>
-            </a:r>
-            <a:r>
-              <a:rPr lang="en-US" altLang="ko-KR" dirty="0">
-                <a:latin typeface="Noto Sans" panose="020B0502040504020204" pitchFamily="34" charset="0"/>
-                <a:ea typeface="Noto Sans" panose="020B0502040504020204" pitchFamily="34" charset="0"/>
-                <a:cs typeface="Noto Sans" panose="020B0502040504020204" pitchFamily="34" charset="0"/>
-              </a:rPr>
-              <a:t>3</a:t>
-            </a:r>
-            <a:r>
-              <a:rPr lang="ko-KR" altLang="en-US" dirty="0">
-                <a:latin typeface="Noto Sans" panose="020B0502040504020204" pitchFamily="34" charset="0"/>
-                <a:cs typeface="Noto Sans" panose="020B0502040504020204" pitchFamily="34" charset="0"/>
-              </a:rPr>
-              <a:t>가지 표현 기법</a:t>
-            </a:r>
-          </a:p>
-        </p:txBody>
-      </p:sp>
-      <p:sp>
-        <p:nvSpPr>
-          <p:cNvPr id="14" name="TextBox 13">
-            <a:extLst>
-              <a:ext uri="{FF2B5EF4-FFF2-40B4-BE49-F238E27FC236}">
-                <a16:creationId xmlns:a16="http://schemas.microsoft.com/office/drawing/2014/main" id="{5016FF31-C10F-4741-B468-79D2B3BB4221}"/>
-              </a:ext>
-            </a:extLst>
-          </p:cNvPr>
-          <p:cNvSpPr txBox="1"/>
-          <p:nvPr/>
-        </p:nvSpPr>
-        <p:spPr>
-          <a:xfrm>
-            <a:off x="144815" y="1247891"/>
-            <a:ext cx="2262292" cy="646331"/>
-          </a:xfrm>
-          <a:prstGeom prst="rect">
-            <a:avLst/>
-          </a:prstGeom>
-          <a:noFill/>
-        </p:spPr>
-        <p:txBody>
-          <a:bodyPr wrap="square" rtlCol="0">
-            <a:spAutoFit/>
-          </a:bodyPr>
-          <a:lstStyle/>
-          <a:p>
-            <a:pPr marL="285750" indent="-285750">
-              <a:buFont typeface="Noto Sans" panose="020B0604020202020204" pitchFamily="34" charset="0"/>
-              <a:buChar char="•"/>
-            </a:pPr>
-            <a:r>
-              <a:rPr lang="ko-KR" altLang="en-US" sz="1200" b="1" dirty="0">
-                <a:solidFill>
-                  <a:srgbClr val="FF0000"/>
-                </a:solidFill>
-                <a:latin typeface="Noto Sans" panose="020B0502040504020204" pitchFamily="34" charset="0"/>
-                <a:cs typeface="Noto Sans" panose="020B0502040504020204" pitchFamily="34" charset="0"/>
-              </a:rPr>
-              <a:t>시소러스</a:t>
-            </a:r>
-            <a:endParaRPr lang="en-US" altLang="ko-KR" sz="1200" b="1" dirty="0">
-              <a:solidFill>
-                <a:srgbClr val="FF0000"/>
-              </a:solidFill>
-              <a:latin typeface="Noto Sans" panose="020B0502040504020204" pitchFamily="34" charset="0"/>
-              <a:ea typeface="Noto Sans" panose="020B0502040504020204" pitchFamily="34" charset="0"/>
-              <a:cs typeface="Noto Sans" panose="020B0502040504020204" pitchFamily="34" charset="0"/>
-            </a:endParaRPr>
-          </a:p>
-          <a:p>
-            <a:pPr marL="285750" indent="-285750">
-              <a:buFont typeface="Noto Sans" panose="020B0604020202020204" pitchFamily="34" charset="0"/>
-              <a:buChar char="•"/>
-            </a:pPr>
-            <a:r>
-              <a:rPr lang="ko-KR" altLang="en-US" sz="1200" dirty="0">
-                <a:solidFill>
-                  <a:schemeClr val="tx2"/>
-                </a:solidFill>
-                <a:latin typeface="Noto Sans" panose="020B0502040504020204" pitchFamily="34" charset="0"/>
-                <a:cs typeface="Noto Sans" panose="020B0502040504020204" pitchFamily="34" charset="0"/>
-              </a:rPr>
-              <a:t>통계 기반 기법</a:t>
-            </a:r>
-            <a:endParaRPr lang="en-US" altLang="ko-KR" sz="1200" dirty="0">
-              <a:solidFill>
-                <a:schemeClr val="tx2"/>
-              </a:solidFill>
-              <a:latin typeface="Noto Sans" panose="020B0502040504020204" pitchFamily="34" charset="0"/>
-              <a:ea typeface="Noto Sans" panose="020B0502040504020204" pitchFamily="34" charset="0"/>
-              <a:cs typeface="Noto Sans" panose="020B0502040504020204" pitchFamily="34" charset="0"/>
-            </a:endParaRPr>
-          </a:p>
-          <a:p>
-            <a:pPr marL="285750" indent="-285750">
-              <a:buFont typeface="Noto Sans" panose="020B0604020202020204" pitchFamily="34" charset="0"/>
-              <a:buChar char="•"/>
-            </a:pPr>
-            <a:r>
-              <a:rPr lang="ko-KR" altLang="en-US" sz="1200" dirty="0">
-                <a:latin typeface="Noto Sans" panose="020B0502040504020204" pitchFamily="34" charset="0"/>
-                <a:cs typeface="Noto Sans" panose="020B0502040504020204" pitchFamily="34" charset="0"/>
-              </a:rPr>
-              <a:t>추론 기반 기법</a:t>
-            </a:r>
-            <a:r>
-              <a:rPr lang="en-US" altLang="ko-KR" sz="1200" dirty="0">
-                <a:latin typeface="Noto Sans" panose="020B0502040504020204" pitchFamily="34" charset="0"/>
-                <a:ea typeface="Noto Sans" panose="020B0502040504020204" pitchFamily="34" charset="0"/>
-                <a:cs typeface="Noto Sans" panose="020B0502040504020204" pitchFamily="34" charset="0"/>
-              </a:rPr>
-              <a:t>(word2vec)</a:t>
-            </a:r>
-            <a:endParaRPr lang="ko-KR" altLang="en-US" sz="1200" dirty="0">
-              <a:latin typeface="Noto Sans" panose="020B0502040504020204" pitchFamily="34" charset="0"/>
-              <a:cs typeface="Noto Sans" panose="020B0502040504020204" pitchFamily="34" charset="0"/>
-            </a:endParaRPr>
-          </a:p>
-        </p:txBody>
-      </p:sp>
-      <p:sp>
-        <p:nvSpPr>
-          <p:cNvPr id="15" name="TextBox 14">
-            <a:extLst>
-              <a:ext uri="{FF2B5EF4-FFF2-40B4-BE49-F238E27FC236}">
-                <a16:creationId xmlns:a16="http://schemas.microsoft.com/office/drawing/2014/main" id="{A00072C4-E39C-4FD1-991C-8A7E2425E1E2}"/>
-              </a:ext>
-            </a:extLst>
-          </p:cNvPr>
-          <p:cNvSpPr txBox="1"/>
-          <p:nvPr/>
-        </p:nvSpPr>
-        <p:spPr>
-          <a:xfrm>
-            <a:off x="73665" y="557557"/>
-            <a:ext cx="612135" cy="307777"/>
-          </a:xfrm>
-          <a:prstGeom prst="rect">
-            <a:avLst/>
-          </a:prstGeom>
-          <a:noFill/>
-        </p:spPr>
-        <p:txBody>
-          <a:bodyPr wrap="square" rtlCol="0">
-            <a:spAutoFit/>
-          </a:bodyPr>
-          <a:lstStyle/>
-          <a:p>
-            <a:r>
-              <a:rPr lang="en-US" altLang="ko-KR" b="1" dirty="0">
-                <a:latin typeface="Noto Sans" panose="020B0502040504020204" pitchFamily="34" charset="0"/>
-                <a:cs typeface="Noto Sans" panose="020B0502040504020204" pitchFamily="34" charset="0"/>
-              </a:rPr>
-              <a:t>NLP</a:t>
-            </a:r>
-            <a:endParaRPr lang="ko-KR" altLang="en-US" dirty="0">
-              <a:latin typeface="Noto Sans" panose="020B0502040504020204" pitchFamily="34" charset="0"/>
-              <a:cs typeface="Noto Sans" panose="020B0502040504020204" pitchFamily="34" charset="0"/>
-            </a:endParaRPr>
-          </a:p>
-        </p:txBody>
-      </p:sp>
-      <p:sp>
-        <p:nvSpPr>
-          <p:cNvPr id="17" name="TextBox 16">
-            <a:extLst>
-              <a:ext uri="{FF2B5EF4-FFF2-40B4-BE49-F238E27FC236}">
-                <a16:creationId xmlns:a16="http://schemas.microsoft.com/office/drawing/2014/main" id="{2089E14B-A61B-4D8E-B6E9-752E86D32A0C}"/>
-              </a:ext>
-            </a:extLst>
-          </p:cNvPr>
-          <p:cNvSpPr txBox="1"/>
-          <p:nvPr/>
-        </p:nvSpPr>
-        <p:spPr>
-          <a:xfrm>
-            <a:off x="494078" y="580640"/>
-            <a:ext cx="2594974" cy="261610"/>
-          </a:xfrm>
-          <a:prstGeom prst="rect">
-            <a:avLst/>
-          </a:prstGeom>
-          <a:noFill/>
-        </p:spPr>
-        <p:txBody>
-          <a:bodyPr wrap="square" rtlCol="0">
-            <a:spAutoFit/>
-          </a:bodyPr>
-          <a:lstStyle/>
-          <a:p>
-            <a:r>
-              <a:rPr lang="en-US" altLang="ko-KR" sz="1100" dirty="0">
-                <a:latin typeface="Noto Sans" panose="020B0502040504020204" pitchFamily="34" charset="0"/>
-                <a:ea typeface="Noto Sans" panose="020B0502040504020204" pitchFamily="34" charset="0"/>
-                <a:cs typeface="Noto Sans" panose="020B0502040504020204" pitchFamily="34" charset="0"/>
-              </a:rPr>
-              <a:t>Natural Language Processing</a:t>
-            </a:r>
-            <a:endParaRPr lang="ko-KR" altLang="en-US" sz="1100" dirty="0">
-              <a:latin typeface="Noto Sans" panose="020B0502040504020204" pitchFamily="34" charset="0"/>
-              <a:cs typeface="Noto Sans" panose="020B0502040504020204" pitchFamily="34" charset="0"/>
-            </a:endParaRPr>
-          </a:p>
-        </p:txBody>
-      </p:sp>
     </p:spTree>
   </p:cSld>
   <p:clrMapOvr>
@@ -24406,7 +26763,7 @@
                 <a:ea typeface="Noto Sans" panose="020B0502040504020204" pitchFamily="34" charset="0"/>
                 <a:cs typeface="Noto Sans" panose="020B0502040504020204" pitchFamily="34" charset="0"/>
               </a:rPr>
-              <a:t>PPMI </a:t>
+              <a:t>PMI </a:t>
             </a:r>
             <a:r>
               <a:rPr lang="ko-KR" altLang="en-US" sz="1100" dirty="0">
@@ -24437,7 +26794,7 @@
         </p:nvSpPr>
         <p:spPr>
           <a:xfrm>
-            <a:off x="5515798" y="1712160"/>
+            <a:off x="5599361" y="1802937"/>
             <a:ext cx="3247678" cy="461665"/>
           </a:xfrm>
           <a:prstGeom prst="rect">
@@ -26652,7 +29009,7 @@
         <p:spPr>
           <a:xfrm>
             <a:off x="2436918" y="1951229"/>
-            <a:ext cx="4270166" cy="1015663"/>
+            <a:ext cx="4270166" cy="892552"/>
           </a:xfrm>
           <a:prstGeom prst="rect">
             <a:avLst/>
@@ -26669,13 +29026,13 @@
               <a:buAutoNum type="arabicPeriod"/>
             </a:pPr>
             <a:r>
-              <a:rPr lang="ko-KR" altLang="en-US" sz="1500" dirty="0">
+              <a:rPr lang="ko-KR" altLang="en-US" sz="1300" dirty="0">
                 <a:latin typeface="Noto Sans" panose="020B0502040504020204" pitchFamily="34" charset="0"/>
                 <a:cs typeface="Noto Sans" panose="020B0502040504020204" pitchFamily="34" charset="0"/>
               </a:rPr>
               <a:t>추론 기반 기법과 신경망</a:t>
             </a:r>
-            <a:endParaRPr lang="en-US" altLang="ko-KR" sz="1500" dirty="0">
+            <a:endParaRPr lang="en-US" altLang="ko-KR" sz="1300" dirty="0">
               <a:latin typeface="Noto Sans" panose="020B0502040504020204" pitchFamily="34" charset="0"/>
               <a:ea typeface="Noto Sans" panose="020B0502040504020204" pitchFamily="34" charset="0"/>
               <a:cs typeface="Noto Sans" panose="020B0502040504020204" pitchFamily="34" charset="0"/>
@@ -26686,14 +29043,14 @@
               <a:buAutoNum type="arabicPeriod"/>
             </a:pPr>
             <a:r>
-              <a:rPr lang="en-US" altLang="ko-KR" sz="1500" dirty="0" err="1">
+              <a:rPr lang="en-US" altLang="ko-KR" sz="1300" dirty="0" err="1">
                 <a:latin typeface="Noto Sans" panose="020B0502040504020204" pitchFamily="34" charset="0"/>
                 <a:ea typeface="Noto Sans" panose="020B0502040504020204" pitchFamily="34" charset="0"/>
                 <a:cs typeface="Noto Sans" panose="020B0502040504020204" pitchFamily="34" charset="0"/>
               </a:rPr>
               <a:t>CBoW</a:t>
             </a:r>
-            <a:endParaRPr lang="en-US" altLang="ko-KR" sz="1500" dirty="0">
+            <a:endParaRPr lang="en-US" altLang="ko-KR" sz="1300" dirty="0">
               <a:latin typeface="Noto Sans" panose="020B0502040504020204" pitchFamily="34" charset="0"/>
               <a:ea typeface="Noto Sans" panose="020B0502040504020204" pitchFamily="34" charset="0"/>
               <a:cs typeface="Noto Sans" panose="020B0502040504020204" pitchFamily="34" charset="0"/>
@@ -26704,7 +29061,7 @@
               <a:buAutoNum type="arabicPeriod"/>
             </a:pPr>
             <a:r>
-              <a:rPr lang="en-US" altLang="ko-KR" sz="1500" dirty="0">
+              <a:rPr lang="en-US" altLang="ko-KR" sz="1300" dirty="0">
                 <a:latin typeface="Noto Sans" panose="020B0502040504020204" pitchFamily="34" charset="0"/>
                 <a:ea typeface="Noto Sans" panose="020B0502040504020204" pitchFamily="34" charset="0"/>
                 <a:cs typeface="Noto Sans" panose="020B0502040504020204" pitchFamily="34" charset="0"/>
@@ -26717,7 +29074,7 @@
               <a:buAutoNum type="arabicPeriod"/>
             </a:pPr>
             <a:r>
-              <a:rPr lang="ko-KR" altLang="en-US" sz="1500" dirty="0">
+              <a:rPr lang="ko-KR" altLang="en-US" sz="1300" dirty="0">
                 <a:latin typeface="Noto Sans" panose="020B0502040504020204" pitchFamily="34" charset="0"/>
                 <a:ea typeface="Noto Sans" panose="020B0502040504020204" pitchFamily="34" charset="0"/>
                 <a:cs typeface="Noto Sans" panose="020B0502040504020204" pitchFamily="34" charset="0"/>
@@ -26725,7 +29082,7 @@
               <a:t>통계 기반 </a:t>
             </a:r>
             <a:r>
-              <a:rPr lang="en-US" altLang="ko-KR" sz="1500" dirty="0">
+              <a:rPr lang="en-US" altLang="ko-KR" sz="1300" dirty="0">
                 <a:latin typeface="Noto Sans" panose="020B0502040504020204" pitchFamily="34" charset="0"/>
                 <a:ea typeface="Noto Sans" panose="020B0502040504020204" pitchFamily="34" charset="0"/>
                 <a:cs typeface="Noto Sans" panose="020B0502040504020204" pitchFamily="34" charset="0"/>
@@ -26733,14 +29090,14 @@
               <a:t>vs. </a:t>
             </a:r>
             <a:r>
-              <a:rPr lang="ko-KR" altLang="en-US" sz="1500" dirty="0">
+              <a:rPr lang="ko-KR" altLang="en-US" sz="1300" dirty="0">
                 <a:latin typeface="Noto Sans" panose="020B0502040504020204" pitchFamily="34" charset="0"/>
                 <a:ea typeface="Noto Sans" panose="020B0502040504020204" pitchFamily="34" charset="0"/>
                 <a:cs typeface="Noto Sans" panose="020B0502040504020204" pitchFamily="34" charset="0"/>
               </a:rPr>
               <a:t>추론 기반</a:t>
             </a:r>
-            <a:endParaRPr lang="en-US" altLang="ko-KR" sz="1500" dirty="0">
+            <a:endParaRPr lang="en-US" altLang="ko-KR" sz="1300" dirty="0">
               <a:latin typeface="Noto Sans" panose="020B0502040504020204" pitchFamily="34" charset="0"/>
               <a:ea typeface="Noto Sans" panose="020B0502040504020204" pitchFamily="34" charset="0"/>
               <a:cs typeface="Noto Sans" panose="020B0502040504020204" pitchFamily="34" charset="0"/>
